--- a/static/images/image_development/VIDEO3.pptx
+++ b/static/images/image_development/VIDEO3.pptx
@@ -248,7 +248,7 @@
           <a:p>
             <a:fld id="{FBCECFDC-13CC-40E1-BF96-C8D96C37B5D3}" type="datetimeFigureOut">
               <a:rPr lang="en-GB" smtClean="0"/>
-              <a:t>16/12/2019</a:t>
+              <a:t>01/01/2020</a:t>
             </a:fld>
             <a:endParaRPr lang="en-GB"/>
           </a:p>
@@ -418,7 +418,7 @@
           <a:p>
             <a:fld id="{FBCECFDC-13CC-40E1-BF96-C8D96C37B5D3}" type="datetimeFigureOut">
               <a:rPr lang="en-GB" smtClean="0"/>
-              <a:t>16/12/2019</a:t>
+              <a:t>01/01/2020</a:t>
             </a:fld>
             <a:endParaRPr lang="en-GB"/>
           </a:p>
@@ -598,7 +598,7 @@
           <a:p>
             <a:fld id="{FBCECFDC-13CC-40E1-BF96-C8D96C37B5D3}" type="datetimeFigureOut">
               <a:rPr lang="en-GB" smtClean="0"/>
-              <a:t>16/12/2019</a:t>
+              <a:t>01/01/2020</a:t>
             </a:fld>
             <a:endParaRPr lang="en-GB"/>
           </a:p>
@@ -872,7 +872,7 @@
           <a:p>
             <a:fld id="{FBCECFDC-13CC-40E1-BF96-C8D96C37B5D3}" type="datetimeFigureOut">
               <a:rPr lang="en-GB" smtClean="0"/>
-              <a:t>16/12/2019</a:t>
+              <a:t>01/01/2020</a:t>
             </a:fld>
             <a:endParaRPr lang="en-GB"/>
           </a:p>
@@ -1104,7 +1104,7 @@
           <a:p>
             <a:fld id="{FBCECFDC-13CC-40E1-BF96-C8D96C37B5D3}" type="datetimeFigureOut">
               <a:rPr lang="en-GB" smtClean="0"/>
-              <a:t>16/12/2019</a:t>
+              <a:t>01/01/2020</a:t>
             </a:fld>
             <a:endParaRPr lang="en-GB"/>
           </a:p>
@@ -1471,7 +1471,7 @@
           <a:p>
             <a:fld id="{FBCECFDC-13CC-40E1-BF96-C8D96C37B5D3}" type="datetimeFigureOut">
               <a:rPr lang="en-GB" smtClean="0"/>
-              <a:t>16/12/2019</a:t>
+              <a:t>01/01/2020</a:t>
             </a:fld>
             <a:endParaRPr lang="en-GB"/>
           </a:p>
@@ -1589,7 +1589,7 @@
           <a:p>
             <a:fld id="{FBCECFDC-13CC-40E1-BF96-C8D96C37B5D3}" type="datetimeFigureOut">
               <a:rPr lang="en-GB" smtClean="0"/>
-              <a:t>16/12/2019</a:t>
+              <a:t>01/01/2020</a:t>
             </a:fld>
             <a:endParaRPr lang="en-GB"/>
           </a:p>
@@ -1684,7 +1684,7 @@
           <a:p>
             <a:fld id="{FBCECFDC-13CC-40E1-BF96-C8D96C37B5D3}" type="datetimeFigureOut">
               <a:rPr lang="en-GB" smtClean="0"/>
-              <a:t>16/12/2019</a:t>
+              <a:t>01/01/2020</a:t>
             </a:fld>
             <a:endParaRPr lang="en-GB"/>
           </a:p>
@@ -1961,7 +1961,7 @@
           <a:p>
             <a:fld id="{FBCECFDC-13CC-40E1-BF96-C8D96C37B5D3}" type="datetimeFigureOut">
               <a:rPr lang="en-GB" smtClean="0"/>
-              <a:t>16/12/2019</a:t>
+              <a:t>01/01/2020</a:t>
             </a:fld>
             <a:endParaRPr lang="en-GB"/>
           </a:p>
@@ -2218,7 +2218,7 @@
           <a:p>
             <a:fld id="{FBCECFDC-13CC-40E1-BF96-C8D96C37B5D3}" type="datetimeFigureOut">
               <a:rPr lang="en-GB" smtClean="0"/>
-              <a:t>16/12/2019</a:t>
+              <a:t>01/01/2020</a:t>
             </a:fld>
             <a:endParaRPr lang="en-GB"/>
           </a:p>
@@ -2431,7 +2431,7 @@
           <a:p>
             <a:fld id="{FBCECFDC-13CC-40E1-BF96-C8D96C37B5D3}" type="datetimeFigureOut">
               <a:rPr lang="en-GB" smtClean="0"/>
-              <a:t>16/12/2019</a:t>
+              <a:t>01/01/2020</a:t>
             </a:fld>
             <a:endParaRPr lang="en-GB"/>
           </a:p>
@@ -2852,6 +2852,16 @@
         </p:nvPicPr>
         <p:blipFill>
           <a:blip r:embed="rId2">
+            <a:clrChange>
+              <a:clrFrom>
+                <a:srgbClr val="000000"/>
+              </a:clrFrom>
+              <a:clrTo>
+                <a:srgbClr val="000000">
+                  <a:alpha val="0"/>
+                </a:srgbClr>
+              </a:clrTo>
+            </a:clrChange>
             <a:extLst>
               <a:ext uri="{BEBA8EAE-BF5A-486C-A8C5-ECC9F3942E4B}">
                 <a14:imgProps xmlns:a14="http://schemas.microsoft.com/office/drawing/2010/main">
@@ -2873,7 +2883,7 @@
         </p:blipFill>
         <p:spPr>
           <a:xfrm>
-            <a:off x="-1" y="-1"/>
+            <a:off x="-1" y="0"/>
             <a:ext cx="10799763" cy="10799763"/>
           </a:xfrm>
           <a:prstGeom prst="rect">
@@ -2967,7 +2977,7 @@
                   <a:schemeClr val="bg1"/>
                 </a:solidFill>
               </a:rPr>
-              <a:t>And finally other land uses pen</a:t>
+              <a:t>And finally other land uses </a:t>
             </a:r>
           </a:p>
         </p:txBody>
@@ -5069,6 +5079,84 @@
           </a:p>
         </p:txBody>
       </p:sp>
+      <p:pic>
+        <p:nvPicPr>
+          <p:cNvPr id="34" name="Graphic 33" descr="Deciduous tree">
+            <a:extLst>
+              <a:ext uri="{FF2B5EF4-FFF2-40B4-BE49-F238E27FC236}">
+                <a16:creationId xmlns:a16="http://schemas.microsoft.com/office/drawing/2014/main" id="{49665C04-83C0-4412-85E2-72A7B4355B9E}"/>
+              </a:ext>
+            </a:extLst>
+          </p:cNvPr>
+          <p:cNvPicPr>
+            <a:picLocks noChangeAspect="1"/>
+          </p:cNvPicPr>
+          <p:nvPr/>
+        </p:nvPicPr>
+        <p:blipFill>
+          <a:blip r:embed="rId18">
+            <a:extLst>
+              <a:ext uri="{28A0092B-C50C-407E-A947-70E740481C1C}">
+                <a14:useLocalDpi xmlns:a14="http://schemas.microsoft.com/office/drawing/2010/main" val="0"/>
+              </a:ext>
+              <a:ext uri="{96DAC541-7B7A-43D3-8B79-37D633B846F1}">
+                <asvg:svgBlip xmlns:asvg="http://schemas.microsoft.com/office/drawing/2016/SVG/main" r:embed="rId19"/>
+              </a:ext>
+            </a:extLst>
+          </a:blip>
+          <a:stretch>
+            <a:fillRect/>
+          </a:stretch>
+        </p:blipFill>
+        <p:spPr>
+          <a:xfrm>
+            <a:off x="4837381" y="5746953"/>
+            <a:ext cx="659300" cy="659299"/>
+          </a:xfrm>
+          <a:prstGeom prst="rect">
+            <a:avLst/>
+          </a:prstGeom>
+        </p:spPr>
+      </p:pic>
+      <p:pic>
+        <p:nvPicPr>
+          <p:cNvPr id="37" name="Graphic 36" descr="Deciduous tree">
+            <a:extLst>
+              <a:ext uri="{FF2B5EF4-FFF2-40B4-BE49-F238E27FC236}">
+                <a16:creationId xmlns:a16="http://schemas.microsoft.com/office/drawing/2014/main" id="{EBFF0746-9D6B-4411-BB5E-18DEAE30FA6D}"/>
+              </a:ext>
+            </a:extLst>
+          </p:cNvPr>
+          <p:cNvPicPr>
+            <a:picLocks noChangeAspect="1"/>
+          </p:cNvPicPr>
+          <p:nvPr/>
+        </p:nvPicPr>
+        <p:blipFill>
+          <a:blip r:embed="rId18">
+            <a:extLst>
+              <a:ext uri="{28A0092B-C50C-407E-A947-70E740481C1C}">
+                <a14:useLocalDpi xmlns:a14="http://schemas.microsoft.com/office/drawing/2010/main" val="0"/>
+              </a:ext>
+              <a:ext uri="{96DAC541-7B7A-43D3-8B79-37D633B846F1}">
+                <asvg:svgBlip xmlns:asvg="http://schemas.microsoft.com/office/drawing/2016/SVG/main" r:embed="rId19"/>
+              </a:ext>
+            </a:extLst>
+          </a:blip>
+          <a:stretch>
+            <a:fillRect/>
+          </a:stretch>
+        </p:blipFill>
+        <p:spPr>
+          <a:xfrm>
+            <a:off x="5645878" y="7697231"/>
+            <a:ext cx="659300" cy="659299"/>
+          </a:xfrm>
+          <a:prstGeom prst="rect">
+            <a:avLst/>
+          </a:prstGeom>
+        </p:spPr>
+      </p:pic>
     </p:spTree>
     <p:extLst>
       <p:ext uri="{BB962C8B-B14F-4D97-AF65-F5344CB8AC3E}">
@@ -5127,7 +5215,23 @@
         </p:nvPicPr>
         <p:blipFill>
           <a:blip r:embed="rId2">
-            <a:grayscl/>
+            <a:clrChange>
+              <a:clrFrom>
+                <a:srgbClr val="030301"/>
+              </a:clrFrom>
+              <a:clrTo>
+                <a:srgbClr val="030301">
+                  <a:alpha val="0"/>
+                </a:srgbClr>
+              </a:clrTo>
+            </a:clrChange>
+            <a:duotone>
+              <a:schemeClr val="accent3">
+                <a:shade val="45000"/>
+                <a:satMod val="135000"/>
+              </a:schemeClr>
+              <a:prstClr val="white"/>
+            </a:duotone>
             <a:extLst>
               <a:ext uri="{28A0092B-C50C-407E-A947-70E740481C1C}">
                 <a14:useLocalDpi xmlns:a14="http://schemas.microsoft.com/office/drawing/2010/main" val="0"/>
@@ -5148,654 +5252,6 @@
           </a:prstGeom>
         </p:spPr>
       </p:pic>
-      <p:sp>
-        <p:nvSpPr>
-          <p:cNvPr id="11" name="Freeform: Shape 10">
-            <a:extLst>
-              <a:ext uri="{FF2B5EF4-FFF2-40B4-BE49-F238E27FC236}">
-                <a16:creationId xmlns:a16="http://schemas.microsoft.com/office/drawing/2014/main" id="{857219A8-670A-4DF1-9620-4C039E5CB3CF}"/>
-              </a:ext>
-            </a:extLst>
-          </p:cNvPr>
-          <p:cNvSpPr/>
-          <p:nvPr/>
-        </p:nvSpPr>
-        <p:spPr>
-          <a:xfrm>
-            <a:off x="3769894" y="3990109"/>
-            <a:ext cx="2281771" cy="1712422"/>
-          </a:xfrm>
-          <a:custGeom>
-            <a:avLst/>
-            <a:gdLst>
-              <a:gd name="connsiteX0" fmla="*/ 37335 w 2281771"/>
-              <a:gd name="connsiteY0" fmla="*/ 0 h 1712422"/>
-              <a:gd name="connsiteX1" fmla="*/ 186964 w 2281771"/>
-              <a:gd name="connsiteY1" fmla="*/ 133004 h 1712422"/>
-              <a:gd name="connsiteX2" fmla="*/ 286717 w 2281771"/>
-              <a:gd name="connsiteY2" fmla="*/ 199506 h 1712422"/>
-              <a:gd name="connsiteX3" fmla="*/ 336593 w 2281771"/>
-              <a:gd name="connsiteY3" fmla="*/ 249382 h 1712422"/>
-              <a:gd name="connsiteX4" fmla="*/ 452971 w 2281771"/>
-              <a:gd name="connsiteY4" fmla="*/ 299258 h 1712422"/>
-              <a:gd name="connsiteX5" fmla="*/ 552724 w 2281771"/>
-              <a:gd name="connsiteY5" fmla="*/ 382386 h 1712422"/>
-              <a:gd name="connsiteX6" fmla="*/ 602601 w 2281771"/>
-              <a:gd name="connsiteY6" fmla="*/ 399011 h 1712422"/>
-              <a:gd name="connsiteX7" fmla="*/ 752230 w 2281771"/>
-              <a:gd name="connsiteY7" fmla="*/ 482138 h 1712422"/>
-              <a:gd name="connsiteX8" fmla="*/ 851982 w 2281771"/>
-              <a:gd name="connsiteY8" fmla="*/ 515389 h 1712422"/>
-              <a:gd name="connsiteX9" fmla="*/ 984986 w 2281771"/>
-              <a:gd name="connsiteY9" fmla="*/ 581891 h 1712422"/>
-              <a:gd name="connsiteX10" fmla="*/ 1084739 w 2281771"/>
-              <a:gd name="connsiteY10" fmla="*/ 598516 h 1712422"/>
-              <a:gd name="connsiteX11" fmla="*/ 1201117 w 2281771"/>
-              <a:gd name="connsiteY11" fmla="*/ 631767 h 1712422"/>
-              <a:gd name="connsiteX12" fmla="*/ 1250993 w 2281771"/>
-              <a:gd name="connsiteY12" fmla="*/ 648393 h 1712422"/>
-              <a:gd name="connsiteX13" fmla="*/ 1334121 w 2281771"/>
-              <a:gd name="connsiteY13" fmla="*/ 665018 h 1712422"/>
-              <a:gd name="connsiteX14" fmla="*/ 1383997 w 2281771"/>
-              <a:gd name="connsiteY14" fmla="*/ 681644 h 1712422"/>
-              <a:gd name="connsiteX15" fmla="*/ 1483750 w 2281771"/>
-              <a:gd name="connsiteY15" fmla="*/ 698269 h 1712422"/>
-              <a:gd name="connsiteX16" fmla="*/ 1600128 w 2281771"/>
-              <a:gd name="connsiteY16" fmla="*/ 731520 h 1712422"/>
-              <a:gd name="connsiteX17" fmla="*/ 1699881 w 2281771"/>
-              <a:gd name="connsiteY17" fmla="*/ 764771 h 1712422"/>
-              <a:gd name="connsiteX18" fmla="*/ 1866135 w 2281771"/>
-              <a:gd name="connsiteY18" fmla="*/ 798022 h 1712422"/>
-              <a:gd name="connsiteX19" fmla="*/ 1932637 w 2281771"/>
-              <a:gd name="connsiteY19" fmla="*/ 814647 h 1712422"/>
-              <a:gd name="connsiteX20" fmla="*/ 2065641 w 2281771"/>
-              <a:gd name="connsiteY20" fmla="*/ 831273 h 1712422"/>
-              <a:gd name="connsiteX21" fmla="*/ 2115517 w 2281771"/>
-              <a:gd name="connsiteY21" fmla="*/ 847898 h 1712422"/>
-              <a:gd name="connsiteX22" fmla="*/ 2182019 w 2281771"/>
-              <a:gd name="connsiteY22" fmla="*/ 864524 h 1712422"/>
-              <a:gd name="connsiteX23" fmla="*/ 2281771 w 2281771"/>
-              <a:gd name="connsiteY23" fmla="*/ 931026 h 1712422"/>
-              <a:gd name="connsiteX24" fmla="*/ 2248521 w 2281771"/>
-              <a:gd name="connsiteY24" fmla="*/ 1080655 h 1712422"/>
-              <a:gd name="connsiteX25" fmla="*/ 2215270 w 2281771"/>
-              <a:gd name="connsiteY25" fmla="*/ 1180407 h 1712422"/>
-              <a:gd name="connsiteX26" fmla="*/ 2198644 w 2281771"/>
-              <a:gd name="connsiteY26" fmla="*/ 1230284 h 1712422"/>
-              <a:gd name="connsiteX27" fmla="*/ 2182019 w 2281771"/>
-              <a:gd name="connsiteY27" fmla="*/ 1512916 h 1712422"/>
-              <a:gd name="connsiteX28" fmla="*/ 2165393 w 2281771"/>
-              <a:gd name="connsiteY28" fmla="*/ 1562793 h 1712422"/>
-              <a:gd name="connsiteX29" fmla="*/ 2148768 w 2281771"/>
-              <a:gd name="connsiteY29" fmla="*/ 1645920 h 1712422"/>
-              <a:gd name="connsiteX30" fmla="*/ 2049015 w 2281771"/>
-              <a:gd name="connsiteY30" fmla="*/ 1712422 h 1712422"/>
-              <a:gd name="connsiteX31" fmla="*/ 1600128 w 2281771"/>
-              <a:gd name="connsiteY31" fmla="*/ 1679171 h 1712422"/>
-              <a:gd name="connsiteX32" fmla="*/ 1550251 w 2281771"/>
-              <a:gd name="connsiteY32" fmla="*/ 1629295 h 1712422"/>
-              <a:gd name="connsiteX33" fmla="*/ 1483750 w 2281771"/>
-              <a:gd name="connsiteY33" fmla="*/ 1579418 h 1712422"/>
-              <a:gd name="connsiteX34" fmla="*/ 1433873 w 2281771"/>
-              <a:gd name="connsiteY34" fmla="*/ 1546167 h 1712422"/>
-              <a:gd name="connsiteX35" fmla="*/ 1383997 w 2281771"/>
-              <a:gd name="connsiteY35" fmla="*/ 1496291 h 1712422"/>
-              <a:gd name="connsiteX36" fmla="*/ 1250993 w 2281771"/>
-              <a:gd name="connsiteY36" fmla="*/ 1413164 h 1712422"/>
-              <a:gd name="connsiteX37" fmla="*/ 1117990 w 2281771"/>
-              <a:gd name="connsiteY37" fmla="*/ 1379913 h 1712422"/>
-              <a:gd name="connsiteX38" fmla="*/ 1051488 w 2281771"/>
-              <a:gd name="connsiteY38" fmla="*/ 1346662 h 1712422"/>
-              <a:gd name="connsiteX39" fmla="*/ 1001611 w 2281771"/>
-              <a:gd name="connsiteY39" fmla="*/ 1330036 h 1712422"/>
-              <a:gd name="connsiteX40" fmla="*/ 968361 w 2281771"/>
-              <a:gd name="connsiteY40" fmla="*/ 1280160 h 1712422"/>
-              <a:gd name="connsiteX41" fmla="*/ 918484 w 2281771"/>
-              <a:gd name="connsiteY41" fmla="*/ 1246909 h 1712422"/>
-              <a:gd name="connsiteX42" fmla="*/ 868608 w 2281771"/>
-              <a:gd name="connsiteY42" fmla="*/ 1180407 h 1712422"/>
-              <a:gd name="connsiteX43" fmla="*/ 818731 w 2281771"/>
-              <a:gd name="connsiteY43" fmla="*/ 1097280 h 1712422"/>
-              <a:gd name="connsiteX44" fmla="*/ 685728 w 2281771"/>
-              <a:gd name="connsiteY44" fmla="*/ 997527 h 1712422"/>
-              <a:gd name="connsiteX45" fmla="*/ 635851 w 2281771"/>
-              <a:gd name="connsiteY45" fmla="*/ 947651 h 1712422"/>
-              <a:gd name="connsiteX46" fmla="*/ 602601 w 2281771"/>
-              <a:gd name="connsiteY46" fmla="*/ 897775 h 1712422"/>
-              <a:gd name="connsiteX47" fmla="*/ 536099 w 2281771"/>
-              <a:gd name="connsiteY47" fmla="*/ 831273 h 1712422"/>
-              <a:gd name="connsiteX48" fmla="*/ 486222 w 2281771"/>
-              <a:gd name="connsiteY48" fmla="*/ 764771 h 1712422"/>
-              <a:gd name="connsiteX49" fmla="*/ 419721 w 2281771"/>
-              <a:gd name="connsiteY49" fmla="*/ 714895 h 1712422"/>
-              <a:gd name="connsiteX50" fmla="*/ 369844 w 2281771"/>
-              <a:gd name="connsiteY50" fmla="*/ 665018 h 1712422"/>
-              <a:gd name="connsiteX51" fmla="*/ 270091 w 2281771"/>
-              <a:gd name="connsiteY51" fmla="*/ 581891 h 1712422"/>
-              <a:gd name="connsiteX52" fmla="*/ 220215 w 2281771"/>
-              <a:gd name="connsiteY52" fmla="*/ 532015 h 1712422"/>
-              <a:gd name="connsiteX53" fmla="*/ 153713 w 2281771"/>
-              <a:gd name="connsiteY53" fmla="*/ 482138 h 1712422"/>
-              <a:gd name="connsiteX54" fmla="*/ 120462 w 2281771"/>
-              <a:gd name="connsiteY54" fmla="*/ 432262 h 1712422"/>
-              <a:gd name="connsiteX55" fmla="*/ 37335 w 2281771"/>
-              <a:gd name="connsiteY55" fmla="*/ 332509 h 1712422"/>
-              <a:gd name="connsiteX56" fmla="*/ 4084 w 2281771"/>
-              <a:gd name="connsiteY56" fmla="*/ 216131 h 1712422"/>
-              <a:gd name="connsiteX57" fmla="*/ 20710 w 2281771"/>
-              <a:gd name="connsiteY57" fmla="*/ 99753 h 1712422"/>
-              <a:gd name="connsiteX58" fmla="*/ 186964 w 2281771"/>
-              <a:gd name="connsiteY58" fmla="*/ 99753 h 1712422"/>
-            </a:gdLst>
-            <a:ahLst/>
-            <a:cxnLst>
-              <a:cxn ang="0">
-                <a:pos x="connsiteX0" y="connsiteY0"/>
-              </a:cxn>
-              <a:cxn ang="0">
-                <a:pos x="connsiteX1" y="connsiteY1"/>
-              </a:cxn>
-              <a:cxn ang="0">
-                <a:pos x="connsiteX2" y="connsiteY2"/>
-              </a:cxn>
-              <a:cxn ang="0">
-                <a:pos x="connsiteX3" y="connsiteY3"/>
-              </a:cxn>
-              <a:cxn ang="0">
-                <a:pos x="connsiteX4" y="connsiteY4"/>
-              </a:cxn>
-              <a:cxn ang="0">
-                <a:pos x="connsiteX5" y="connsiteY5"/>
-              </a:cxn>
-              <a:cxn ang="0">
-                <a:pos x="connsiteX6" y="connsiteY6"/>
-              </a:cxn>
-              <a:cxn ang="0">
-                <a:pos x="connsiteX7" y="connsiteY7"/>
-              </a:cxn>
-              <a:cxn ang="0">
-                <a:pos x="connsiteX8" y="connsiteY8"/>
-              </a:cxn>
-              <a:cxn ang="0">
-                <a:pos x="connsiteX9" y="connsiteY9"/>
-              </a:cxn>
-              <a:cxn ang="0">
-                <a:pos x="connsiteX10" y="connsiteY10"/>
-              </a:cxn>
-              <a:cxn ang="0">
-                <a:pos x="connsiteX11" y="connsiteY11"/>
-              </a:cxn>
-              <a:cxn ang="0">
-                <a:pos x="connsiteX12" y="connsiteY12"/>
-              </a:cxn>
-              <a:cxn ang="0">
-                <a:pos x="connsiteX13" y="connsiteY13"/>
-              </a:cxn>
-              <a:cxn ang="0">
-                <a:pos x="connsiteX14" y="connsiteY14"/>
-              </a:cxn>
-              <a:cxn ang="0">
-                <a:pos x="connsiteX15" y="connsiteY15"/>
-              </a:cxn>
-              <a:cxn ang="0">
-                <a:pos x="connsiteX16" y="connsiteY16"/>
-              </a:cxn>
-              <a:cxn ang="0">
-                <a:pos x="connsiteX17" y="connsiteY17"/>
-              </a:cxn>
-              <a:cxn ang="0">
-                <a:pos x="connsiteX18" y="connsiteY18"/>
-              </a:cxn>
-              <a:cxn ang="0">
-                <a:pos x="connsiteX19" y="connsiteY19"/>
-              </a:cxn>
-              <a:cxn ang="0">
-                <a:pos x="connsiteX20" y="connsiteY20"/>
-              </a:cxn>
-              <a:cxn ang="0">
-                <a:pos x="connsiteX21" y="connsiteY21"/>
-              </a:cxn>
-              <a:cxn ang="0">
-                <a:pos x="connsiteX22" y="connsiteY22"/>
-              </a:cxn>
-              <a:cxn ang="0">
-                <a:pos x="connsiteX23" y="connsiteY23"/>
-              </a:cxn>
-              <a:cxn ang="0">
-                <a:pos x="connsiteX24" y="connsiteY24"/>
-              </a:cxn>
-              <a:cxn ang="0">
-                <a:pos x="connsiteX25" y="connsiteY25"/>
-              </a:cxn>
-              <a:cxn ang="0">
-                <a:pos x="connsiteX26" y="connsiteY26"/>
-              </a:cxn>
-              <a:cxn ang="0">
-                <a:pos x="connsiteX27" y="connsiteY27"/>
-              </a:cxn>
-              <a:cxn ang="0">
-                <a:pos x="connsiteX28" y="connsiteY28"/>
-              </a:cxn>
-              <a:cxn ang="0">
-                <a:pos x="connsiteX29" y="connsiteY29"/>
-              </a:cxn>
-              <a:cxn ang="0">
-                <a:pos x="connsiteX30" y="connsiteY30"/>
-              </a:cxn>
-              <a:cxn ang="0">
-                <a:pos x="connsiteX31" y="connsiteY31"/>
-              </a:cxn>
-              <a:cxn ang="0">
-                <a:pos x="connsiteX32" y="connsiteY32"/>
-              </a:cxn>
-              <a:cxn ang="0">
-                <a:pos x="connsiteX33" y="connsiteY33"/>
-              </a:cxn>
-              <a:cxn ang="0">
-                <a:pos x="connsiteX34" y="connsiteY34"/>
-              </a:cxn>
-              <a:cxn ang="0">
-                <a:pos x="connsiteX35" y="connsiteY35"/>
-              </a:cxn>
-              <a:cxn ang="0">
-                <a:pos x="connsiteX36" y="connsiteY36"/>
-              </a:cxn>
-              <a:cxn ang="0">
-                <a:pos x="connsiteX37" y="connsiteY37"/>
-              </a:cxn>
-              <a:cxn ang="0">
-                <a:pos x="connsiteX38" y="connsiteY38"/>
-              </a:cxn>
-              <a:cxn ang="0">
-                <a:pos x="connsiteX39" y="connsiteY39"/>
-              </a:cxn>
-              <a:cxn ang="0">
-                <a:pos x="connsiteX40" y="connsiteY40"/>
-              </a:cxn>
-              <a:cxn ang="0">
-                <a:pos x="connsiteX41" y="connsiteY41"/>
-              </a:cxn>
-              <a:cxn ang="0">
-                <a:pos x="connsiteX42" y="connsiteY42"/>
-              </a:cxn>
-              <a:cxn ang="0">
-                <a:pos x="connsiteX43" y="connsiteY43"/>
-              </a:cxn>
-              <a:cxn ang="0">
-                <a:pos x="connsiteX44" y="connsiteY44"/>
-              </a:cxn>
-              <a:cxn ang="0">
-                <a:pos x="connsiteX45" y="connsiteY45"/>
-              </a:cxn>
-              <a:cxn ang="0">
-                <a:pos x="connsiteX46" y="connsiteY46"/>
-              </a:cxn>
-              <a:cxn ang="0">
-                <a:pos x="connsiteX47" y="connsiteY47"/>
-              </a:cxn>
-              <a:cxn ang="0">
-                <a:pos x="connsiteX48" y="connsiteY48"/>
-              </a:cxn>
-              <a:cxn ang="0">
-                <a:pos x="connsiteX49" y="connsiteY49"/>
-              </a:cxn>
-              <a:cxn ang="0">
-                <a:pos x="connsiteX50" y="connsiteY50"/>
-              </a:cxn>
-              <a:cxn ang="0">
-                <a:pos x="connsiteX51" y="connsiteY51"/>
-              </a:cxn>
-              <a:cxn ang="0">
-                <a:pos x="connsiteX52" y="connsiteY52"/>
-              </a:cxn>
-              <a:cxn ang="0">
-                <a:pos x="connsiteX53" y="connsiteY53"/>
-              </a:cxn>
-              <a:cxn ang="0">
-                <a:pos x="connsiteX54" y="connsiteY54"/>
-              </a:cxn>
-              <a:cxn ang="0">
-                <a:pos x="connsiteX55" y="connsiteY55"/>
-              </a:cxn>
-              <a:cxn ang="0">
-                <a:pos x="connsiteX56" y="connsiteY56"/>
-              </a:cxn>
-              <a:cxn ang="0">
-                <a:pos x="connsiteX57" y="connsiteY57"/>
-              </a:cxn>
-              <a:cxn ang="0">
-                <a:pos x="connsiteX58" y="connsiteY58"/>
-              </a:cxn>
-            </a:cxnLst>
-            <a:rect l="l" t="t" r="r" b="b"/>
-            <a:pathLst>
-              <a:path w="2281771" h="1712422">
-                <a:moveTo>
-                  <a:pt x="37335" y="0"/>
-                </a:moveTo>
-                <a:cubicBezTo>
-                  <a:pt x="116990" y="79655"/>
-                  <a:pt x="105423" y="75925"/>
-                  <a:pt x="186964" y="133004"/>
-                </a:cubicBezTo>
-                <a:cubicBezTo>
-                  <a:pt x="219703" y="155921"/>
-                  <a:pt x="258459" y="171248"/>
-                  <a:pt x="286717" y="199506"/>
-                </a:cubicBezTo>
-                <a:cubicBezTo>
-                  <a:pt x="303342" y="216131"/>
-                  <a:pt x="316432" y="237285"/>
-                  <a:pt x="336593" y="249382"/>
-                </a:cubicBezTo>
-                <a:cubicBezTo>
-                  <a:pt x="372784" y="271096"/>
-                  <a:pt x="415222" y="280383"/>
-                  <a:pt x="452971" y="299258"/>
-                </a:cubicBezTo>
-                <a:cubicBezTo>
-                  <a:pt x="561767" y="353655"/>
-                  <a:pt x="442410" y="308843"/>
-                  <a:pt x="552724" y="382386"/>
-                </a:cubicBezTo>
-                <a:cubicBezTo>
-                  <a:pt x="567306" y="392107"/>
-                  <a:pt x="585975" y="393469"/>
-                  <a:pt x="602601" y="399011"/>
-                </a:cubicBezTo>
-                <a:cubicBezTo>
-                  <a:pt x="683466" y="459660"/>
-                  <a:pt x="653619" y="446279"/>
-                  <a:pt x="752230" y="482138"/>
-                </a:cubicBezTo>
-                <a:cubicBezTo>
-                  <a:pt x="785169" y="494116"/>
-                  <a:pt x="851982" y="515389"/>
-                  <a:pt x="851982" y="515389"/>
-                </a:cubicBezTo>
-                <a:cubicBezTo>
-                  <a:pt x="904695" y="550530"/>
-                  <a:pt x="916158" y="563120"/>
-                  <a:pt x="984986" y="581891"/>
-                </a:cubicBezTo>
-                <a:cubicBezTo>
-                  <a:pt x="1017508" y="590761"/>
-                  <a:pt x="1051893" y="590936"/>
-                  <a:pt x="1084739" y="598516"/>
-                </a:cubicBezTo>
-                <a:cubicBezTo>
-                  <a:pt x="1124051" y="607588"/>
-                  <a:pt x="1162474" y="620174"/>
-                  <a:pt x="1201117" y="631767"/>
-                </a:cubicBezTo>
-                <a:cubicBezTo>
-                  <a:pt x="1217903" y="636803"/>
-                  <a:pt x="1233992" y="644143"/>
-                  <a:pt x="1250993" y="648393"/>
-                </a:cubicBezTo>
-                <a:cubicBezTo>
-                  <a:pt x="1278407" y="655247"/>
-                  <a:pt x="1306707" y="658164"/>
-                  <a:pt x="1334121" y="665018"/>
-                </a:cubicBezTo>
-                <a:cubicBezTo>
-                  <a:pt x="1351122" y="669268"/>
-                  <a:pt x="1366890" y="677842"/>
-                  <a:pt x="1383997" y="681644"/>
-                </a:cubicBezTo>
-                <a:cubicBezTo>
-                  <a:pt x="1416904" y="688957"/>
-                  <a:pt x="1450904" y="690689"/>
-                  <a:pt x="1483750" y="698269"/>
-                </a:cubicBezTo>
-                <a:cubicBezTo>
-                  <a:pt x="1523062" y="707341"/>
-                  <a:pt x="1561567" y="719655"/>
-                  <a:pt x="1600128" y="731520"/>
-                </a:cubicBezTo>
-                <a:cubicBezTo>
-                  <a:pt x="1633628" y="741828"/>
-                  <a:pt x="1665512" y="757897"/>
-                  <a:pt x="1699881" y="764771"/>
-                </a:cubicBezTo>
-                <a:cubicBezTo>
-                  <a:pt x="1755299" y="775855"/>
-                  <a:pt x="1811307" y="784315"/>
-                  <a:pt x="1866135" y="798022"/>
-                </a:cubicBezTo>
-                <a:cubicBezTo>
-                  <a:pt x="1888302" y="803564"/>
-                  <a:pt x="1910098" y="810891"/>
-                  <a:pt x="1932637" y="814647"/>
-                </a:cubicBezTo>
-                <a:cubicBezTo>
-                  <a:pt x="1976709" y="821992"/>
-                  <a:pt x="2021306" y="825731"/>
-                  <a:pt x="2065641" y="831273"/>
-                </a:cubicBezTo>
-                <a:cubicBezTo>
-                  <a:pt x="2082266" y="836815"/>
-                  <a:pt x="2098667" y="843084"/>
-                  <a:pt x="2115517" y="847898"/>
-                </a:cubicBezTo>
-                <a:cubicBezTo>
-                  <a:pt x="2137487" y="854175"/>
-                  <a:pt x="2162180" y="853187"/>
-                  <a:pt x="2182019" y="864524"/>
-                </a:cubicBezTo>
-                <a:cubicBezTo>
-                  <a:pt x="2356373" y="964156"/>
-                  <a:pt x="2126045" y="879115"/>
-                  <a:pt x="2281771" y="931026"/>
-                </a:cubicBezTo>
-                <a:cubicBezTo>
-                  <a:pt x="2272280" y="978481"/>
-                  <a:pt x="2262607" y="1033701"/>
-                  <a:pt x="2248521" y="1080655"/>
-                </a:cubicBezTo>
-                <a:cubicBezTo>
-                  <a:pt x="2238450" y="1114226"/>
-                  <a:pt x="2226354" y="1147156"/>
-                  <a:pt x="2215270" y="1180407"/>
-                </a:cubicBezTo>
-                <a:lnTo>
-                  <a:pt x="2198644" y="1230284"/>
-                </a:lnTo>
-                <a:cubicBezTo>
-                  <a:pt x="2193102" y="1324495"/>
-                  <a:pt x="2191410" y="1419011"/>
-                  <a:pt x="2182019" y="1512916"/>
-                </a:cubicBezTo>
-                <a:cubicBezTo>
-                  <a:pt x="2180275" y="1530354"/>
-                  <a:pt x="2169643" y="1545791"/>
-                  <a:pt x="2165393" y="1562793"/>
-                </a:cubicBezTo>
-                <a:cubicBezTo>
-                  <a:pt x="2158539" y="1590207"/>
-                  <a:pt x="2166117" y="1623615"/>
-                  <a:pt x="2148768" y="1645920"/>
-                </a:cubicBezTo>
-                <a:cubicBezTo>
-                  <a:pt x="2124233" y="1677465"/>
-                  <a:pt x="2049015" y="1712422"/>
-                  <a:pt x="2049015" y="1712422"/>
-                </a:cubicBezTo>
-                <a:cubicBezTo>
-                  <a:pt x="1899386" y="1701338"/>
-                  <a:pt x="1748126" y="1703837"/>
-                  <a:pt x="1600128" y="1679171"/>
-                </a:cubicBezTo>
-                <a:cubicBezTo>
-                  <a:pt x="1576936" y="1675306"/>
-                  <a:pt x="1568103" y="1644596"/>
-                  <a:pt x="1550251" y="1629295"/>
-                </a:cubicBezTo>
-                <a:cubicBezTo>
-                  <a:pt x="1529213" y="1611262"/>
-                  <a:pt x="1506298" y="1595524"/>
-                  <a:pt x="1483750" y="1579418"/>
-                </a:cubicBezTo>
-                <a:cubicBezTo>
-                  <a:pt x="1467490" y="1567804"/>
-                  <a:pt x="1449223" y="1558959"/>
-                  <a:pt x="1433873" y="1546167"/>
-                </a:cubicBezTo>
-                <a:cubicBezTo>
-                  <a:pt x="1415811" y="1531115"/>
-                  <a:pt x="1402059" y="1511343"/>
-                  <a:pt x="1383997" y="1496291"/>
-                </a:cubicBezTo>
-                <a:cubicBezTo>
-                  <a:pt x="1365502" y="1480878"/>
-                  <a:pt x="1257023" y="1415483"/>
-                  <a:pt x="1250993" y="1413164"/>
-                </a:cubicBezTo>
-                <a:cubicBezTo>
-                  <a:pt x="1208340" y="1396759"/>
-                  <a:pt x="1117990" y="1379913"/>
-                  <a:pt x="1117990" y="1379913"/>
-                </a:cubicBezTo>
-                <a:cubicBezTo>
-                  <a:pt x="1095823" y="1368829"/>
-                  <a:pt x="1074268" y="1356425"/>
-                  <a:pt x="1051488" y="1346662"/>
-                </a:cubicBezTo>
-                <a:cubicBezTo>
-                  <a:pt x="1035380" y="1339759"/>
-                  <a:pt x="1015296" y="1340984"/>
-                  <a:pt x="1001611" y="1330036"/>
-                </a:cubicBezTo>
-                <a:cubicBezTo>
-                  <a:pt x="986008" y="1317554"/>
-                  <a:pt x="982490" y="1294289"/>
-                  <a:pt x="968361" y="1280160"/>
-                </a:cubicBezTo>
-                <a:cubicBezTo>
-                  <a:pt x="954232" y="1266031"/>
-                  <a:pt x="935110" y="1257993"/>
-                  <a:pt x="918484" y="1246909"/>
-                </a:cubicBezTo>
-                <a:cubicBezTo>
-                  <a:pt x="901859" y="1224742"/>
-                  <a:pt x="883978" y="1203462"/>
-                  <a:pt x="868608" y="1180407"/>
-                </a:cubicBezTo>
-                <a:cubicBezTo>
-                  <a:pt x="850683" y="1153520"/>
-                  <a:pt x="840199" y="1121432"/>
-                  <a:pt x="818731" y="1097280"/>
-                </a:cubicBezTo>
-                <a:cubicBezTo>
-                  <a:pt x="749440" y="1019328"/>
-                  <a:pt x="748552" y="1049880"/>
-                  <a:pt x="685728" y="997527"/>
-                </a:cubicBezTo>
-                <a:cubicBezTo>
-                  <a:pt x="667666" y="982475"/>
-                  <a:pt x="650903" y="965713"/>
-                  <a:pt x="635851" y="947651"/>
-                </a:cubicBezTo>
-                <a:cubicBezTo>
-                  <a:pt x="623059" y="932301"/>
-                  <a:pt x="615604" y="912946"/>
-                  <a:pt x="602601" y="897775"/>
-                </a:cubicBezTo>
-                <a:cubicBezTo>
-                  <a:pt x="582199" y="873973"/>
-                  <a:pt x="556743" y="854866"/>
-                  <a:pt x="536099" y="831273"/>
-                </a:cubicBezTo>
-                <a:cubicBezTo>
-                  <a:pt x="517852" y="810420"/>
-                  <a:pt x="505815" y="784364"/>
-                  <a:pt x="486222" y="764771"/>
-                </a:cubicBezTo>
-                <a:cubicBezTo>
-                  <a:pt x="466629" y="745178"/>
-                  <a:pt x="440759" y="732928"/>
-                  <a:pt x="419721" y="714895"/>
-                </a:cubicBezTo>
-                <a:cubicBezTo>
-                  <a:pt x="401869" y="699593"/>
-                  <a:pt x="387417" y="680639"/>
-                  <a:pt x="369844" y="665018"/>
-                </a:cubicBezTo>
-                <a:cubicBezTo>
-                  <a:pt x="337494" y="636262"/>
-                  <a:pt x="302441" y="610647"/>
-                  <a:pt x="270091" y="581891"/>
-                </a:cubicBezTo>
-                <a:cubicBezTo>
-                  <a:pt x="252518" y="566271"/>
-                  <a:pt x="238066" y="547316"/>
-                  <a:pt x="220215" y="532015"/>
-                </a:cubicBezTo>
-                <a:cubicBezTo>
-                  <a:pt x="199177" y="513982"/>
-                  <a:pt x="173306" y="501731"/>
-                  <a:pt x="153713" y="482138"/>
-                </a:cubicBezTo>
-                <a:cubicBezTo>
-                  <a:pt x="139584" y="468009"/>
-                  <a:pt x="133254" y="447612"/>
-                  <a:pt x="120462" y="432262"/>
-                </a:cubicBezTo>
-                <a:cubicBezTo>
-                  <a:pt x="13791" y="304257"/>
-                  <a:pt x="119888" y="456339"/>
-                  <a:pt x="37335" y="332509"/>
-                </a:cubicBezTo>
-                <a:cubicBezTo>
-                  <a:pt x="29496" y="308991"/>
-                  <a:pt x="4084" y="237004"/>
-                  <a:pt x="4084" y="216131"/>
-                </a:cubicBezTo>
-                <a:cubicBezTo>
-                  <a:pt x="4084" y="176944"/>
-                  <a:pt x="-12350" y="120791"/>
-                  <a:pt x="20710" y="99753"/>
-                </a:cubicBezTo>
-                <a:cubicBezTo>
-                  <a:pt x="67464" y="70000"/>
-                  <a:pt x="131546" y="99753"/>
-                  <a:pt x="186964" y="99753"/>
-                </a:cubicBezTo>
-              </a:path>
-            </a:pathLst>
-          </a:custGeom>
-          <a:solidFill>
-            <a:srgbClr val="CC6618"/>
-          </a:solidFill>
-          <a:ln>
-            <a:noFill/>
-          </a:ln>
-        </p:spPr>
-        <p:style>
-          <a:lnRef idx="2">
-            <a:schemeClr val="accent1">
-              <a:shade val="50000"/>
-            </a:schemeClr>
-          </a:lnRef>
-          <a:fillRef idx="1">
-            <a:schemeClr val="accent1"/>
-          </a:fillRef>
-          <a:effectRef idx="0">
-            <a:schemeClr val="accent1"/>
-          </a:effectRef>
-          <a:fontRef idx="minor">
-            <a:schemeClr val="lt1"/>
-          </a:fontRef>
-        </p:style>
-        <p:txBody>
-          <a:bodyPr rtlCol="0" anchor="ctr"/>
-          <a:lstStyle/>
-          <a:p>
-            <a:pPr algn="ctr"/>
-            <a:endParaRPr lang="en-GB"/>
-          </a:p>
-        </p:txBody>
-      </p:sp>
       <p:sp>
         <p:nvSpPr>
           <p:cNvPr id="12" name="Rectangle: Rounded Corners 11">
@@ -5882,7 +5338,7 @@
                   <a:schemeClr val="bg1"/>
                 </a:solidFill>
               </a:rPr>
-              <a:t>And finally other land uses pen</a:t>
+              <a:t>And finally other land uses </a:t>
             </a:r>
           </a:p>
         </p:txBody>
@@ -6668,10 +6124,10 @@
       </p:grpSp>
       <p:sp>
         <p:nvSpPr>
-          <p:cNvPr id="33" name="Freeform: Shape 32">
+          <p:cNvPr id="2" name="Freeform: Shape 1">
             <a:extLst>
               <a:ext uri="{FF2B5EF4-FFF2-40B4-BE49-F238E27FC236}">
-                <a16:creationId xmlns:a16="http://schemas.microsoft.com/office/drawing/2014/main" id="{9D77E96D-CF38-42E0-A852-BA0A718AD389}"/>
+                <a16:creationId xmlns:a16="http://schemas.microsoft.com/office/drawing/2014/main" id="{FD7DC229-1D31-4A37-AED2-6BA0165B2282}"/>
               </a:ext>
             </a:extLst>
           </p:cNvPr>
@@ -6680,86 +6136,38 @@
         </p:nvSpPr>
         <p:spPr>
           <a:xfrm>
-            <a:off x="6134793" y="5120640"/>
-            <a:ext cx="1014152" cy="2344189"/>
+            <a:off x="3429000" y="3733800"/>
+            <a:ext cx="4533900" cy="2038350"/>
           </a:xfrm>
           <a:custGeom>
             <a:avLst/>
             <a:gdLst>
-              <a:gd name="connsiteX0" fmla="*/ 83127 w 1014152"/>
-              <a:gd name="connsiteY0" fmla="*/ 0 h 2344189"/>
-              <a:gd name="connsiteX1" fmla="*/ 266007 w 1014152"/>
-              <a:gd name="connsiteY1" fmla="*/ 149629 h 2344189"/>
-              <a:gd name="connsiteX2" fmla="*/ 365760 w 1014152"/>
-              <a:gd name="connsiteY2" fmla="*/ 216131 h 2344189"/>
-              <a:gd name="connsiteX3" fmla="*/ 432262 w 1014152"/>
-              <a:gd name="connsiteY3" fmla="*/ 232756 h 2344189"/>
-              <a:gd name="connsiteX4" fmla="*/ 482138 w 1014152"/>
-              <a:gd name="connsiteY4" fmla="*/ 266007 h 2344189"/>
-              <a:gd name="connsiteX5" fmla="*/ 648392 w 1014152"/>
-              <a:gd name="connsiteY5" fmla="*/ 315884 h 2344189"/>
-              <a:gd name="connsiteX6" fmla="*/ 764771 w 1014152"/>
-              <a:gd name="connsiteY6" fmla="*/ 365760 h 2344189"/>
-              <a:gd name="connsiteX7" fmla="*/ 881149 w 1014152"/>
-              <a:gd name="connsiteY7" fmla="*/ 448887 h 2344189"/>
-              <a:gd name="connsiteX8" fmla="*/ 931025 w 1014152"/>
-              <a:gd name="connsiteY8" fmla="*/ 482138 h 2344189"/>
-              <a:gd name="connsiteX9" fmla="*/ 1014152 w 1014152"/>
-              <a:gd name="connsiteY9" fmla="*/ 581891 h 2344189"/>
-              <a:gd name="connsiteX10" fmla="*/ 997527 w 1014152"/>
-              <a:gd name="connsiteY10" fmla="*/ 731520 h 2344189"/>
-              <a:gd name="connsiteX11" fmla="*/ 947651 w 1014152"/>
-              <a:gd name="connsiteY11" fmla="*/ 897775 h 2344189"/>
-              <a:gd name="connsiteX12" fmla="*/ 931025 w 1014152"/>
-              <a:gd name="connsiteY12" fmla="*/ 947651 h 2344189"/>
-              <a:gd name="connsiteX13" fmla="*/ 864523 w 1014152"/>
-              <a:gd name="connsiteY13" fmla="*/ 1014153 h 2344189"/>
-              <a:gd name="connsiteX14" fmla="*/ 798022 w 1014152"/>
-              <a:gd name="connsiteY14" fmla="*/ 1113905 h 2344189"/>
-              <a:gd name="connsiteX15" fmla="*/ 748145 w 1014152"/>
-              <a:gd name="connsiteY15" fmla="*/ 1147156 h 2344189"/>
-              <a:gd name="connsiteX16" fmla="*/ 665018 w 1014152"/>
-              <a:gd name="connsiteY16" fmla="*/ 1246909 h 2344189"/>
-              <a:gd name="connsiteX17" fmla="*/ 598516 w 1014152"/>
-              <a:gd name="connsiteY17" fmla="*/ 1330036 h 2344189"/>
-              <a:gd name="connsiteX18" fmla="*/ 581891 w 1014152"/>
-              <a:gd name="connsiteY18" fmla="*/ 1396538 h 2344189"/>
-              <a:gd name="connsiteX19" fmla="*/ 515389 w 1014152"/>
-              <a:gd name="connsiteY19" fmla="*/ 1496291 h 2344189"/>
-              <a:gd name="connsiteX20" fmla="*/ 498763 w 1014152"/>
-              <a:gd name="connsiteY20" fmla="*/ 1546167 h 2344189"/>
-              <a:gd name="connsiteX21" fmla="*/ 482138 w 1014152"/>
-              <a:gd name="connsiteY21" fmla="*/ 1629295 h 2344189"/>
-              <a:gd name="connsiteX22" fmla="*/ 448887 w 1014152"/>
-              <a:gd name="connsiteY22" fmla="*/ 1679171 h 2344189"/>
-              <a:gd name="connsiteX23" fmla="*/ 415636 w 1014152"/>
-              <a:gd name="connsiteY23" fmla="*/ 1795549 h 2344189"/>
-              <a:gd name="connsiteX24" fmla="*/ 382385 w 1014152"/>
-              <a:gd name="connsiteY24" fmla="*/ 1895302 h 2344189"/>
-              <a:gd name="connsiteX25" fmla="*/ 349134 w 1014152"/>
-              <a:gd name="connsiteY25" fmla="*/ 2028305 h 2344189"/>
-              <a:gd name="connsiteX26" fmla="*/ 299258 w 1014152"/>
-              <a:gd name="connsiteY26" fmla="*/ 2261062 h 2344189"/>
-              <a:gd name="connsiteX27" fmla="*/ 249382 w 1014152"/>
-              <a:gd name="connsiteY27" fmla="*/ 2294313 h 2344189"/>
-              <a:gd name="connsiteX28" fmla="*/ 199505 w 1014152"/>
-              <a:gd name="connsiteY28" fmla="*/ 2344189 h 2344189"/>
-              <a:gd name="connsiteX29" fmla="*/ 116378 w 1014152"/>
-              <a:gd name="connsiteY29" fmla="*/ 2144684 h 2344189"/>
-              <a:gd name="connsiteX30" fmla="*/ 33251 w 1014152"/>
-              <a:gd name="connsiteY30" fmla="*/ 1828800 h 2344189"/>
-              <a:gd name="connsiteX31" fmla="*/ 16625 w 1014152"/>
-              <a:gd name="connsiteY31" fmla="*/ 814647 h 2344189"/>
-              <a:gd name="connsiteX32" fmla="*/ 0 w 1014152"/>
-              <a:gd name="connsiteY32" fmla="*/ 532015 h 2344189"/>
-              <a:gd name="connsiteX33" fmla="*/ 16625 w 1014152"/>
-              <a:gd name="connsiteY33" fmla="*/ 199505 h 2344189"/>
-              <a:gd name="connsiteX34" fmla="*/ 33251 w 1014152"/>
-              <a:gd name="connsiteY34" fmla="*/ 149629 h 2344189"/>
-              <a:gd name="connsiteX35" fmla="*/ 66502 w 1014152"/>
-              <a:gd name="connsiteY35" fmla="*/ 99753 h 2344189"/>
-              <a:gd name="connsiteX36" fmla="*/ 99752 w 1014152"/>
-              <a:gd name="connsiteY36" fmla="*/ 66502 h 2344189"/>
+              <a:gd name="connsiteX0" fmla="*/ 0 w 4533900"/>
+              <a:gd name="connsiteY0" fmla="*/ 152400 h 2038350"/>
+              <a:gd name="connsiteX1" fmla="*/ 361950 w 4533900"/>
+              <a:gd name="connsiteY1" fmla="*/ 0 h 2038350"/>
+              <a:gd name="connsiteX2" fmla="*/ 1200150 w 4533900"/>
+              <a:gd name="connsiteY2" fmla="*/ 723900 h 2038350"/>
+              <a:gd name="connsiteX3" fmla="*/ 2647950 w 4533900"/>
+              <a:gd name="connsiteY3" fmla="*/ 1066800 h 2038350"/>
+              <a:gd name="connsiteX4" fmla="*/ 4381500 w 4533900"/>
+              <a:gd name="connsiteY4" fmla="*/ 1181100 h 2038350"/>
+              <a:gd name="connsiteX5" fmla="*/ 4533900 w 4533900"/>
+              <a:gd name="connsiteY5" fmla="*/ 1733550 h 2038350"/>
+              <a:gd name="connsiteX6" fmla="*/ 3848100 w 4533900"/>
+              <a:gd name="connsiteY6" fmla="*/ 2038350 h 2038350"/>
+              <a:gd name="connsiteX7" fmla="*/ 2457450 w 4533900"/>
+              <a:gd name="connsiteY7" fmla="*/ 2000250 h 2038350"/>
+              <a:gd name="connsiteX8" fmla="*/ 1257300 w 4533900"/>
+              <a:gd name="connsiteY8" fmla="*/ 1504950 h 2038350"/>
+              <a:gd name="connsiteX9" fmla="*/ 762000 w 4533900"/>
+              <a:gd name="connsiteY9" fmla="*/ 1524000 h 2038350"/>
+              <a:gd name="connsiteX10" fmla="*/ 476250 w 4533900"/>
+              <a:gd name="connsiteY10" fmla="*/ 1104900 h 2038350"/>
+              <a:gd name="connsiteX11" fmla="*/ 171450 w 4533900"/>
+              <a:gd name="connsiteY11" fmla="*/ 704850 h 2038350"/>
+              <a:gd name="connsiteX12" fmla="*/ 0 w 4533900"/>
+              <a:gd name="connsiteY12" fmla="*/ 152400 h 2038350"/>
             </a:gdLst>
             <a:ahLst/>
             <a:cxnLst>
@@ -6802,263 +6210,50 @@
               <a:cxn ang="0">
                 <a:pos x="connsiteX12" y="connsiteY12"/>
               </a:cxn>
-              <a:cxn ang="0">
-                <a:pos x="connsiteX13" y="connsiteY13"/>
-              </a:cxn>
-              <a:cxn ang="0">
-                <a:pos x="connsiteX14" y="connsiteY14"/>
-              </a:cxn>
-              <a:cxn ang="0">
-                <a:pos x="connsiteX15" y="connsiteY15"/>
-              </a:cxn>
-              <a:cxn ang="0">
-                <a:pos x="connsiteX16" y="connsiteY16"/>
-              </a:cxn>
-              <a:cxn ang="0">
-                <a:pos x="connsiteX17" y="connsiteY17"/>
-              </a:cxn>
-              <a:cxn ang="0">
-                <a:pos x="connsiteX18" y="connsiteY18"/>
-              </a:cxn>
-              <a:cxn ang="0">
-                <a:pos x="connsiteX19" y="connsiteY19"/>
-              </a:cxn>
-              <a:cxn ang="0">
-                <a:pos x="connsiteX20" y="connsiteY20"/>
-              </a:cxn>
-              <a:cxn ang="0">
-                <a:pos x="connsiteX21" y="connsiteY21"/>
-              </a:cxn>
-              <a:cxn ang="0">
-                <a:pos x="connsiteX22" y="connsiteY22"/>
-              </a:cxn>
-              <a:cxn ang="0">
-                <a:pos x="connsiteX23" y="connsiteY23"/>
-              </a:cxn>
-              <a:cxn ang="0">
-                <a:pos x="connsiteX24" y="connsiteY24"/>
-              </a:cxn>
-              <a:cxn ang="0">
-                <a:pos x="connsiteX25" y="connsiteY25"/>
-              </a:cxn>
-              <a:cxn ang="0">
-                <a:pos x="connsiteX26" y="connsiteY26"/>
-              </a:cxn>
-              <a:cxn ang="0">
-                <a:pos x="connsiteX27" y="connsiteY27"/>
-              </a:cxn>
-              <a:cxn ang="0">
-                <a:pos x="connsiteX28" y="connsiteY28"/>
-              </a:cxn>
-              <a:cxn ang="0">
-                <a:pos x="connsiteX29" y="connsiteY29"/>
-              </a:cxn>
-              <a:cxn ang="0">
-                <a:pos x="connsiteX30" y="connsiteY30"/>
-              </a:cxn>
-              <a:cxn ang="0">
-                <a:pos x="connsiteX31" y="connsiteY31"/>
-              </a:cxn>
-              <a:cxn ang="0">
-                <a:pos x="connsiteX32" y="connsiteY32"/>
-              </a:cxn>
-              <a:cxn ang="0">
-                <a:pos x="connsiteX33" y="connsiteY33"/>
-              </a:cxn>
-              <a:cxn ang="0">
-                <a:pos x="connsiteX34" y="connsiteY34"/>
-              </a:cxn>
-              <a:cxn ang="0">
-                <a:pos x="connsiteX35" y="connsiteY35"/>
-              </a:cxn>
-              <a:cxn ang="0">
-                <a:pos x="connsiteX36" y="connsiteY36"/>
-              </a:cxn>
             </a:cxnLst>
             <a:rect l="l" t="t" r="r" b="b"/>
             <a:pathLst>
-              <a:path w="1014152" h="2344189">
+              <a:path w="4533900" h="2038350">
                 <a:moveTo>
-                  <a:pt x="83127" y="0"/>
+                  <a:pt x="0" y="152400"/>
                 </a:moveTo>
-                <a:cubicBezTo>
-                  <a:pt x="157554" y="63795"/>
-                  <a:pt x="192791" y="98378"/>
-                  <a:pt x="266007" y="149629"/>
-                </a:cubicBezTo>
-                <a:cubicBezTo>
-                  <a:pt x="298746" y="172546"/>
-                  <a:pt x="326990" y="206439"/>
-                  <a:pt x="365760" y="216131"/>
-                </a:cubicBezTo>
                 <a:lnTo>
-                  <a:pt x="432262" y="232756"/>
+                  <a:pt x="361950" y="0"/>
                 </a:lnTo>
-                <a:cubicBezTo>
-                  <a:pt x="448887" y="243840"/>
-                  <a:pt x="464266" y="257071"/>
-                  <a:pt x="482138" y="266007"/>
-                </a:cubicBezTo>
-                <a:cubicBezTo>
-                  <a:pt x="555046" y="302461"/>
-                  <a:pt x="570519" y="300309"/>
-                  <a:pt x="648392" y="315884"/>
-                </a:cubicBezTo>
-                <a:cubicBezTo>
-                  <a:pt x="773614" y="399364"/>
-                  <a:pt x="614466" y="301344"/>
-                  <a:pt x="764771" y="365760"/>
-                </a:cubicBezTo>
-                <a:cubicBezTo>
-                  <a:pt x="784358" y="374154"/>
-                  <a:pt x="872637" y="442807"/>
-                  <a:pt x="881149" y="448887"/>
-                </a:cubicBezTo>
-                <a:cubicBezTo>
-                  <a:pt x="897408" y="460501"/>
-                  <a:pt x="915675" y="469346"/>
-                  <a:pt x="931025" y="482138"/>
-                </a:cubicBezTo>
-                <a:cubicBezTo>
-                  <a:pt x="979030" y="522143"/>
-                  <a:pt x="981457" y="532848"/>
-                  <a:pt x="1014152" y="581891"/>
-                </a:cubicBezTo>
-                <a:cubicBezTo>
-                  <a:pt x="1008610" y="631767"/>
-                  <a:pt x="1005158" y="681920"/>
-                  <a:pt x="997527" y="731520"/>
-                </a:cubicBezTo>
-                <a:cubicBezTo>
-                  <a:pt x="990348" y="778186"/>
-                  <a:pt x="960599" y="858931"/>
-                  <a:pt x="947651" y="897775"/>
-                </a:cubicBezTo>
-                <a:cubicBezTo>
-                  <a:pt x="942109" y="914400"/>
-                  <a:pt x="943417" y="935259"/>
-                  <a:pt x="931025" y="947651"/>
-                </a:cubicBezTo>
-                <a:cubicBezTo>
-                  <a:pt x="908858" y="969818"/>
-                  <a:pt x="884107" y="989673"/>
-                  <a:pt x="864523" y="1014153"/>
-                </a:cubicBezTo>
-                <a:cubicBezTo>
-                  <a:pt x="839559" y="1045358"/>
-                  <a:pt x="831273" y="1091738"/>
-                  <a:pt x="798022" y="1113905"/>
-                </a:cubicBezTo>
-                <a:cubicBezTo>
-                  <a:pt x="781396" y="1124989"/>
-                  <a:pt x="763495" y="1134364"/>
-                  <a:pt x="748145" y="1147156"/>
-                </a:cubicBezTo>
-                <a:cubicBezTo>
-                  <a:pt x="687320" y="1197844"/>
-                  <a:pt x="708609" y="1188788"/>
-                  <a:pt x="665018" y="1246909"/>
-                </a:cubicBezTo>
-                <a:cubicBezTo>
-                  <a:pt x="643727" y="1275297"/>
-                  <a:pt x="620683" y="1302327"/>
-                  <a:pt x="598516" y="1330036"/>
-                </a:cubicBezTo>
-                <a:cubicBezTo>
-                  <a:pt x="592974" y="1352203"/>
-                  <a:pt x="592110" y="1376101"/>
-                  <a:pt x="581891" y="1396538"/>
-                </a:cubicBezTo>
-                <a:cubicBezTo>
-                  <a:pt x="564019" y="1432282"/>
-                  <a:pt x="528027" y="1458379"/>
-                  <a:pt x="515389" y="1496291"/>
-                </a:cubicBezTo>
-                <a:cubicBezTo>
-                  <a:pt x="509847" y="1512916"/>
-                  <a:pt x="503013" y="1529166"/>
-                  <a:pt x="498763" y="1546167"/>
-                </a:cubicBezTo>
-                <a:cubicBezTo>
-                  <a:pt x="491909" y="1573581"/>
-                  <a:pt x="492060" y="1602836"/>
-                  <a:pt x="482138" y="1629295"/>
-                </a:cubicBezTo>
-                <a:cubicBezTo>
-                  <a:pt x="475122" y="1648004"/>
-                  <a:pt x="459971" y="1662546"/>
-                  <a:pt x="448887" y="1679171"/>
-                </a:cubicBezTo>
-                <a:cubicBezTo>
-                  <a:pt x="393009" y="1846808"/>
-                  <a:pt x="478272" y="1586766"/>
-                  <a:pt x="415636" y="1795549"/>
-                </a:cubicBezTo>
-                <a:cubicBezTo>
-                  <a:pt x="405564" y="1829120"/>
-                  <a:pt x="389259" y="1860933"/>
-                  <a:pt x="382385" y="1895302"/>
-                </a:cubicBezTo>
-                <a:cubicBezTo>
-                  <a:pt x="362323" y="1995613"/>
-                  <a:pt x="374696" y="1951621"/>
-                  <a:pt x="349134" y="2028305"/>
-                </a:cubicBezTo>
-                <a:cubicBezTo>
-                  <a:pt x="341373" y="2090393"/>
-                  <a:pt x="336274" y="2201836"/>
-                  <a:pt x="299258" y="2261062"/>
-                </a:cubicBezTo>
-                <a:cubicBezTo>
-                  <a:pt x="288668" y="2278006"/>
-                  <a:pt x="264732" y="2281521"/>
-                  <a:pt x="249382" y="2294313"/>
-                </a:cubicBezTo>
-                <a:cubicBezTo>
-                  <a:pt x="231320" y="2309365"/>
-                  <a:pt x="216131" y="2327564"/>
-                  <a:pt x="199505" y="2344189"/>
-                </a:cubicBezTo>
-                <a:cubicBezTo>
-                  <a:pt x="180351" y="2301092"/>
-                  <a:pt x="132775" y="2206993"/>
-                  <a:pt x="116378" y="2144684"/>
-                </a:cubicBezTo>
-                <a:cubicBezTo>
-                  <a:pt x="27938" y="1808611"/>
-                  <a:pt x="82170" y="1975559"/>
-                  <a:pt x="33251" y="1828800"/>
-                </a:cubicBezTo>
-                <a:cubicBezTo>
-                  <a:pt x="27709" y="1490749"/>
-                  <a:pt x="25291" y="1152632"/>
-                  <a:pt x="16625" y="814647"/>
-                </a:cubicBezTo>
-                <a:cubicBezTo>
-                  <a:pt x="14206" y="720304"/>
-                  <a:pt x="0" y="626389"/>
-                  <a:pt x="0" y="532015"/>
-                </a:cubicBezTo>
-                <a:cubicBezTo>
-                  <a:pt x="0" y="421040"/>
-                  <a:pt x="7011" y="310063"/>
-                  <a:pt x="16625" y="199505"/>
-                </a:cubicBezTo>
-                <a:cubicBezTo>
-                  <a:pt x="18143" y="182046"/>
-                  <a:pt x="25414" y="165304"/>
-                  <a:pt x="33251" y="149629"/>
-                </a:cubicBezTo>
-                <a:cubicBezTo>
-                  <a:pt x="42187" y="131757"/>
-                  <a:pt x="54020" y="115356"/>
-                  <a:pt x="66502" y="99753"/>
-                </a:cubicBezTo>
-                <a:cubicBezTo>
-                  <a:pt x="76294" y="87513"/>
-                  <a:pt x="88669" y="77586"/>
-                  <a:pt x="99752" y="66502"/>
-                </a:cubicBezTo>
+                <a:lnTo>
+                  <a:pt x="1200150" y="723900"/>
+                </a:lnTo>
+                <a:lnTo>
+                  <a:pt x="2647950" y="1066800"/>
+                </a:lnTo>
+                <a:lnTo>
+                  <a:pt x="4381500" y="1181100"/>
+                </a:lnTo>
+                <a:lnTo>
+                  <a:pt x="4533900" y="1733550"/>
+                </a:lnTo>
+                <a:lnTo>
+                  <a:pt x="3848100" y="2038350"/>
+                </a:lnTo>
+                <a:lnTo>
+                  <a:pt x="2457450" y="2000250"/>
+                </a:lnTo>
+                <a:lnTo>
+                  <a:pt x="1257300" y="1504950"/>
+                </a:lnTo>
+                <a:lnTo>
+                  <a:pt x="762000" y="1524000"/>
+                </a:lnTo>
+                <a:lnTo>
+                  <a:pt x="476250" y="1104900"/>
+                </a:lnTo>
+                <a:lnTo>
+                  <a:pt x="171450" y="704850"/>
+                </a:lnTo>
+                <a:lnTo>
+                  <a:pt x="0" y="152400"/>
+                </a:lnTo>
+                <a:close/>
               </a:path>
             </a:pathLst>
           </a:custGeom>
@@ -7094,860 +6289,232 @@
           </a:p>
         </p:txBody>
       </p:sp>
-      <p:sp>
-        <p:nvSpPr>
-          <p:cNvPr id="34" name="Freeform: Shape 33">
+      <p:grpSp>
+        <p:nvGrpSpPr>
+          <p:cNvPr id="36" name="Group 35">
             <a:extLst>
               <a:ext uri="{FF2B5EF4-FFF2-40B4-BE49-F238E27FC236}">
-                <a16:creationId xmlns:a16="http://schemas.microsoft.com/office/drawing/2014/main" id="{1F777761-B063-4C14-8F00-A95108B36652}"/>
+                <a16:creationId xmlns:a16="http://schemas.microsoft.com/office/drawing/2014/main" id="{07E8D453-C6A4-404C-BB8D-DE26337DF7D0}"/>
               </a:ext>
             </a:extLst>
           </p:cNvPr>
-          <p:cNvSpPr/>
+          <p:cNvGrpSpPr/>
           <p:nvPr/>
-        </p:nvSpPr>
-        <p:spPr>
+        </p:nvGrpSpPr>
+        <p:grpSpPr>
           <a:xfrm>
-            <a:off x="4206240" y="5419898"/>
-            <a:ext cx="1804596" cy="2992582"/>
+            <a:off x="5840155" y="4752975"/>
+            <a:ext cx="889456" cy="788891"/>
+            <a:chOff x="-2348044" y="6173938"/>
+            <a:chExt cx="889456" cy="788891"/>
           </a:xfrm>
-          <a:custGeom>
-            <a:avLst/>
-            <a:gdLst>
-              <a:gd name="connsiteX0" fmla="*/ 482138 w 1804596"/>
-              <a:gd name="connsiteY0" fmla="*/ 83127 h 2992582"/>
-              <a:gd name="connsiteX1" fmla="*/ 349135 w 1804596"/>
-              <a:gd name="connsiteY1" fmla="*/ 33251 h 2992582"/>
-              <a:gd name="connsiteX2" fmla="*/ 299258 w 1804596"/>
-              <a:gd name="connsiteY2" fmla="*/ 16626 h 2992582"/>
-              <a:gd name="connsiteX3" fmla="*/ 199505 w 1804596"/>
-              <a:gd name="connsiteY3" fmla="*/ 0 h 2992582"/>
-              <a:gd name="connsiteX4" fmla="*/ 83127 w 1804596"/>
-              <a:gd name="connsiteY4" fmla="*/ 16626 h 2992582"/>
-              <a:gd name="connsiteX5" fmla="*/ 49876 w 1804596"/>
-              <a:gd name="connsiteY5" fmla="*/ 66502 h 2992582"/>
-              <a:gd name="connsiteX6" fmla="*/ 0 w 1804596"/>
-              <a:gd name="connsiteY6" fmla="*/ 149629 h 2992582"/>
-              <a:gd name="connsiteX7" fmla="*/ 33251 w 1804596"/>
-              <a:gd name="connsiteY7" fmla="*/ 548640 h 2992582"/>
-              <a:gd name="connsiteX8" fmla="*/ 83127 w 1804596"/>
-              <a:gd name="connsiteY8" fmla="*/ 665018 h 2992582"/>
-              <a:gd name="connsiteX9" fmla="*/ 133004 w 1804596"/>
-              <a:gd name="connsiteY9" fmla="*/ 781397 h 2992582"/>
-              <a:gd name="connsiteX10" fmla="*/ 182880 w 1804596"/>
-              <a:gd name="connsiteY10" fmla="*/ 864524 h 2992582"/>
-              <a:gd name="connsiteX11" fmla="*/ 199505 w 1804596"/>
-              <a:gd name="connsiteY11" fmla="*/ 914400 h 2992582"/>
-              <a:gd name="connsiteX12" fmla="*/ 332509 w 1804596"/>
-              <a:gd name="connsiteY12" fmla="*/ 1147157 h 2992582"/>
-              <a:gd name="connsiteX13" fmla="*/ 382385 w 1804596"/>
-              <a:gd name="connsiteY13" fmla="*/ 1246909 h 2992582"/>
-              <a:gd name="connsiteX14" fmla="*/ 448887 w 1804596"/>
-              <a:gd name="connsiteY14" fmla="*/ 1379913 h 2992582"/>
-              <a:gd name="connsiteX15" fmla="*/ 532015 w 1804596"/>
-              <a:gd name="connsiteY15" fmla="*/ 1512917 h 2992582"/>
-              <a:gd name="connsiteX16" fmla="*/ 598516 w 1804596"/>
-              <a:gd name="connsiteY16" fmla="*/ 1645920 h 2992582"/>
-              <a:gd name="connsiteX17" fmla="*/ 631767 w 1804596"/>
-              <a:gd name="connsiteY17" fmla="*/ 1712422 h 2992582"/>
-              <a:gd name="connsiteX18" fmla="*/ 698269 w 1804596"/>
-              <a:gd name="connsiteY18" fmla="*/ 1762298 h 2992582"/>
-              <a:gd name="connsiteX19" fmla="*/ 748145 w 1804596"/>
-              <a:gd name="connsiteY19" fmla="*/ 1828800 h 2992582"/>
-              <a:gd name="connsiteX20" fmla="*/ 798022 w 1804596"/>
-              <a:gd name="connsiteY20" fmla="*/ 1928553 h 2992582"/>
-              <a:gd name="connsiteX21" fmla="*/ 864524 w 1804596"/>
-              <a:gd name="connsiteY21" fmla="*/ 2028306 h 2992582"/>
-              <a:gd name="connsiteX22" fmla="*/ 914400 w 1804596"/>
-              <a:gd name="connsiteY22" fmla="*/ 2128058 h 2992582"/>
-              <a:gd name="connsiteX23" fmla="*/ 931025 w 1804596"/>
-              <a:gd name="connsiteY23" fmla="*/ 2177935 h 2992582"/>
-              <a:gd name="connsiteX24" fmla="*/ 997527 w 1804596"/>
-              <a:gd name="connsiteY24" fmla="*/ 2277687 h 2992582"/>
-              <a:gd name="connsiteX25" fmla="*/ 1014153 w 1804596"/>
-              <a:gd name="connsiteY25" fmla="*/ 2327564 h 2992582"/>
-              <a:gd name="connsiteX26" fmla="*/ 1080655 w 1804596"/>
-              <a:gd name="connsiteY26" fmla="*/ 2460567 h 2992582"/>
-              <a:gd name="connsiteX27" fmla="*/ 1097280 w 1804596"/>
-              <a:gd name="connsiteY27" fmla="*/ 2510444 h 2992582"/>
-              <a:gd name="connsiteX28" fmla="*/ 1113905 w 1804596"/>
-              <a:gd name="connsiteY28" fmla="*/ 2576946 h 2992582"/>
-              <a:gd name="connsiteX29" fmla="*/ 1163782 w 1804596"/>
-              <a:gd name="connsiteY29" fmla="*/ 2643447 h 2992582"/>
-              <a:gd name="connsiteX30" fmla="*/ 1197033 w 1804596"/>
-              <a:gd name="connsiteY30" fmla="*/ 2693324 h 2992582"/>
-              <a:gd name="connsiteX31" fmla="*/ 1213658 w 1804596"/>
-              <a:gd name="connsiteY31" fmla="*/ 2743200 h 2992582"/>
-              <a:gd name="connsiteX32" fmla="*/ 1280160 w 1804596"/>
-              <a:gd name="connsiteY32" fmla="*/ 2842953 h 2992582"/>
-              <a:gd name="connsiteX33" fmla="*/ 1413164 w 1804596"/>
-              <a:gd name="connsiteY33" fmla="*/ 2959331 h 2992582"/>
-              <a:gd name="connsiteX34" fmla="*/ 1479665 w 1804596"/>
-              <a:gd name="connsiteY34" fmla="*/ 2992582 h 2992582"/>
-              <a:gd name="connsiteX35" fmla="*/ 1745673 w 1804596"/>
-              <a:gd name="connsiteY35" fmla="*/ 2975957 h 2992582"/>
-              <a:gd name="connsiteX36" fmla="*/ 1778924 w 1804596"/>
-              <a:gd name="connsiteY36" fmla="*/ 2909455 h 2992582"/>
-            </a:gdLst>
-            <a:ahLst/>
-            <a:cxnLst>
-              <a:cxn ang="0">
-                <a:pos x="connsiteX0" y="connsiteY0"/>
-              </a:cxn>
-              <a:cxn ang="0">
-                <a:pos x="connsiteX1" y="connsiteY1"/>
-              </a:cxn>
-              <a:cxn ang="0">
-                <a:pos x="connsiteX2" y="connsiteY2"/>
-              </a:cxn>
-              <a:cxn ang="0">
-                <a:pos x="connsiteX3" y="connsiteY3"/>
-              </a:cxn>
-              <a:cxn ang="0">
-                <a:pos x="connsiteX4" y="connsiteY4"/>
-              </a:cxn>
-              <a:cxn ang="0">
-                <a:pos x="connsiteX5" y="connsiteY5"/>
-              </a:cxn>
-              <a:cxn ang="0">
-                <a:pos x="connsiteX6" y="connsiteY6"/>
-              </a:cxn>
-              <a:cxn ang="0">
-                <a:pos x="connsiteX7" y="connsiteY7"/>
-              </a:cxn>
-              <a:cxn ang="0">
-                <a:pos x="connsiteX8" y="connsiteY8"/>
-              </a:cxn>
-              <a:cxn ang="0">
-                <a:pos x="connsiteX9" y="connsiteY9"/>
-              </a:cxn>
-              <a:cxn ang="0">
-                <a:pos x="connsiteX10" y="connsiteY10"/>
-              </a:cxn>
-              <a:cxn ang="0">
-                <a:pos x="connsiteX11" y="connsiteY11"/>
-              </a:cxn>
-              <a:cxn ang="0">
-                <a:pos x="connsiteX12" y="connsiteY12"/>
-              </a:cxn>
-              <a:cxn ang="0">
-                <a:pos x="connsiteX13" y="connsiteY13"/>
-              </a:cxn>
-              <a:cxn ang="0">
-                <a:pos x="connsiteX14" y="connsiteY14"/>
-              </a:cxn>
-              <a:cxn ang="0">
-                <a:pos x="connsiteX15" y="connsiteY15"/>
-              </a:cxn>
-              <a:cxn ang="0">
-                <a:pos x="connsiteX16" y="connsiteY16"/>
-              </a:cxn>
-              <a:cxn ang="0">
-                <a:pos x="connsiteX17" y="connsiteY17"/>
-              </a:cxn>
-              <a:cxn ang="0">
-                <a:pos x="connsiteX18" y="connsiteY18"/>
-              </a:cxn>
-              <a:cxn ang="0">
-                <a:pos x="connsiteX19" y="connsiteY19"/>
-              </a:cxn>
-              <a:cxn ang="0">
-                <a:pos x="connsiteX20" y="connsiteY20"/>
-              </a:cxn>
-              <a:cxn ang="0">
-                <a:pos x="connsiteX21" y="connsiteY21"/>
-              </a:cxn>
-              <a:cxn ang="0">
-                <a:pos x="connsiteX22" y="connsiteY22"/>
-              </a:cxn>
-              <a:cxn ang="0">
-                <a:pos x="connsiteX23" y="connsiteY23"/>
-              </a:cxn>
-              <a:cxn ang="0">
-                <a:pos x="connsiteX24" y="connsiteY24"/>
-              </a:cxn>
-              <a:cxn ang="0">
-                <a:pos x="connsiteX25" y="connsiteY25"/>
-              </a:cxn>
-              <a:cxn ang="0">
-                <a:pos x="connsiteX26" y="connsiteY26"/>
-              </a:cxn>
-              <a:cxn ang="0">
-                <a:pos x="connsiteX27" y="connsiteY27"/>
-              </a:cxn>
-              <a:cxn ang="0">
-                <a:pos x="connsiteX28" y="connsiteY28"/>
-              </a:cxn>
-              <a:cxn ang="0">
-                <a:pos x="connsiteX29" y="connsiteY29"/>
-              </a:cxn>
-              <a:cxn ang="0">
-                <a:pos x="connsiteX30" y="connsiteY30"/>
-              </a:cxn>
-              <a:cxn ang="0">
-                <a:pos x="connsiteX31" y="connsiteY31"/>
-              </a:cxn>
-              <a:cxn ang="0">
-                <a:pos x="connsiteX32" y="connsiteY32"/>
-              </a:cxn>
-              <a:cxn ang="0">
-                <a:pos x="connsiteX33" y="connsiteY33"/>
-              </a:cxn>
-              <a:cxn ang="0">
-                <a:pos x="connsiteX34" y="connsiteY34"/>
-              </a:cxn>
-              <a:cxn ang="0">
-                <a:pos x="connsiteX35" y="connsiteY35"/>
-              </a:cxn>
-              <a:cxn ang="0">
-                <a:pos x="connsiteX36" y="connsiteY36"/>
-              </a:cxn>
-            </a:cxnLst>
-            <a:rect l="l" t="t" r="r" b="b"/>
-            <a:pathLst>
-              <a:path w="1804596" h="2992582">
-                <a:moveTo>
-                  <a:pt x="482138" y="83127"/>
-                </a:moveTo>
-                <a:lnTo>
-                  <a:pt x="349135" y="33251"/>
-                </a:lnTo>
-                <a:cubicBezTo>
-                  <a:pt x="332665" y="27262"/>
-                  <a:pt x="316366" y="20428"/>
-                  <a:pt x="299258" y="16626"/>
-                </a:cubicBezTo>
-                <a:cubicBezTo>
-                  <a:pt x="266351" y="9313"/>
-                  <a:pt x="232756" y="5542"/>
-                  <a:pt x="199505" y="0"/>
-                </a:cubicBezTo>
-                <a:cubicBezTo>
-                  <a:pt x="160712" y="5542"/>
-                  <a:pt x="118936" y="711"/>
-                  <a:pt x="83127" y="16626"/>
-                </a:cubicBezTo>
-                <a:cubicBezTo>
-                  <a:pt x="64868" y="24741"/>
-                  <a:pt x="60466" y="49558"/>
-                  <a:pt x="49876" y="66502"/>
-                </a:cubicBezTo>
-                <a:cubicBezTo>
-                  <a:pt x="32750" y="93904"/>
-                  <a:pt x="16625" y="121920"/>
-                  <a:pt x="0" y="149629"/>
-                </a:cubicBezTo>
-                <a:cubicBezTo>
-                  <a:pt x="11084" y="282633"/>
-                  <a:pt x="18512" y="415992"/>
-                  <a:pt x="33251" y="548640"/>
-                </a:cubicBezTo>
-                <a:cubicBezTo>
-                  <a:pt x="37150" y="583735"/>
-                  <a:pt x="71118" y="636997"/>
-                  <a:pt x="83127" y="665018"/>
-                </a:cubicBezTo>
-                <a:cubicBezTo>
-                  <a:pt x="127275" y="768028"/>
-                  <a:pt x="64078" y="657330"/>
-                  <a:pt x="133004" y="781397"/>
-                </a:cubicBezTo>
-                <a:cubicBezTo>
-                  <a:pt x="148697" y="809644"/>
-                  <a:pt x="168429" y="835621"/>
-                  <a:pt x="182880" y="864524"/>
-                </a:cubicBezTo>
-                <a:cubicBezTo>
-                  <a:pt x="190717" y="880199"/>
-                  <a:pt x="192161" y="898488"/>
-                  <a:pt x="199505" y="914400"/>
-                </a:cubicBezTo>
-                <a:cubicBezTo>
-                  <a:pt x="275920" y="1079965"/>
-                  <a:pt x="254002" y="1042479"/>
-                  <a:pt x="332509" y="1147157"/>
-                </a:cubicBezTo>
-                <a:cubicBezTo>
-                  <a:pt x="366223" y="1248294"/>
-                  <a:pt x="327136" y="1145618"/>
-                  <a:pt x="382385" y="1246909"/>
-                </a:cubicBezTo>
-                <a:cubicBezTo>
-                  <a:pt x="406120" y="1290424"/>
-                  <a:pt x="422616" y="1337880"/>
-                  <a:pt x="448887" y="1379913"/>
-                </a:cubicBezTo>
-                <a:lnTo>
-                  <a:pt x="532015" y="1512917"/>
-                </a:lnTo>
-                <a:cubicBezTo>
-                  <a:pt x="561186" y="1629603"/>
-                  <a:pt x="527866" y="1532879"/>
-                  <a:pt x="598516" y="1645920"/>
-                </a:cubicBezTo>
-                <a:cubicBezTo>
-                  <a:pt x="611651" y="1666937"/>
-                  <a:pt x="615638" y="1693605"/>
-                  <a:pt x="631767" y="1712422"/>
-                </a:cubicBezTo>
-                <a:cubicBezTo>
-                  <a:pt x="649800" y="1733460"/>
-                  <a:pt x="678676" y="1742705"/>
-                  <a:pt x="698269" y="1762298"/>
-                </a:cubicBezTo>
-                <a:cubicBezTo>
-                  <a:pt x="717862" y="1781891"/>
-                  <a:pt x="732040" y="1806252"/>
-                  <a:pt x="748145" y="1828800"/>
-                </a:cubicBezTo>
-                <a:cubicBezTo>
-                  <a:pt x="858857" y="1983799"/>
-                  <a:pt x="715666" y="1780313"/>
-                  <a:pt x="798022" y="1928553"/>
-                </a:cubicBezTo>
-                <a:cubicBezTo>
-                  <a:pt x="817430" y="1963487"/>
-                  <a:pt x="864524" y="2028306"/>
-                  <a:pt x="864524" y="2028306"/>
-                </a:cubicBezTo>
-                <a:cubicBezTo>
-                  <a:pt x="906312" y="2153674"/>
-                  <a:pt x="849941" y="1999140"/>
-                  <a:pt x="914400" y="2128058"/>
-                </a:cubicBezTo>
-                <a:cubicBezTo>
-                  <a:pt x="922237" y="2143733"/>
-                  <a:pt x="922514" y="2162615"/>
-                  <a:pt x="931025" y="2177935"/>
-                </a:cubicBezTo>
-                <a:cubicBezTo>
-                  <a:pt x="950432" y="2212868"/>
-                  <a:pt x="984890" y="2239775"/>
-                  <a:pt x="997527" y="2277687"/>
-                </a:cubicBezTo>
-                <a:cubicBezTo>
-                  <a:pt x="1003069" y="2294313"/>
-                  <a:pt x="1006901" y="2311610"/>
-                  <a:pt x="1014153" y="2327564"/>
-                </a:cubicBezTo>
-                <a:cubicBezTo>
-                  <a:pt x="1034664" y="2372688"/>
-                  <a:pt x="1064981" y="2413543"/>
-                  <a:pt x="1080655" y="2460567"/>
-                </a:cubicBezTo>
-                <a:cubicBezTo>
-                  <a:pt x="1086197" y="2477193"/>
-                  <a:pt x="1092466" y="2493593"/>
-                  <a:pt x="1097280" y="2510444"/>
-                </a:cubicBezTo>
-                <a:cubicBezTo>
-                  <a:pt x="1103557" y="2532414"/>
-                  <a:pt x="1103686" y="2556509"/>
-                  <a:pt x="1113905" y="2576946"/>
-                </a:cubicBezTo>
-                <a:cubicBezTo>
-                  <a:pt x="1126297" y="2601730"/>
-                  <a:pt x="1147676" y="2620899"/>
-                  <a:pt x="1163782" y="2643447"/>
-                </a:cubicBezTo>
-                <a:cubicBezTo>
-                  <a:pt x="1175396" y="2659707"/>
-                  <a:pt x="1185949" y="2676698"/>
-                  <a:pt x="1197033" y="2693324"/>
-                </a:cubicBezTo>
-                <a:cubicBezTo>
-                  <a:pt x="1202575" y="2709949"/>
-                  <a:pt x="1205147" y="2727881"/>
-                  <a:pt x="1213658" y="2743200"/>
-                </a:cubicBezTo>
-                <a:cubicBezTo>
-                  <a:pt x="1233066" y="2778134"/>
-                  <a:pt x="1251902" y="2814695"/>
-                  <a:pt x="1280160" y="2842953"/>
-                </a:cubicBezTo>
-                <a:cubicBezTo>
-                  <a:pt x="1331720" y="2894513"/>
-                  <a:pt x="1352108" y="2921171"/>
-                  <a:pt x="1413164" y="2959331"/>
-                </a:cubicBezTo>
-                <a:cubicBezTo>
-                  <a:pt x="1434180" y="2972466"/>
-                  <a:pt x="1457498" y="2981498"/>
-                  <a:pt x="1479665" y="2992582"/>
-                </a:cubicBezTo>
-                <a:cubicBezTo>
-                  <a:pt x="1568334" y="2987040"/>
-                  <a:pt x="1658736" y="2994259"/>
-                  <a:pt x="1745673" y="2975957"/>
-                </a:cubicBezTo>
-                <a:cubicBezTo>
-                  <a:pt x="1837233" y="2956681"/>
-                  <a:pt x="1800127" y="2930658"/>
-                  <a:pt x="1778924" y="2909455"/>
-                </a:cubicBezTo>
-              </a:path>
-            </a:pathLst>
-          </a:custGeom>
-          <a:noFill/>
-          <a:ln w="203200" cap="rnd">
-            <a:solidFill>
-              <a:srgbClr val="7030A0"/>
-            </a:solidFill>
-            <a:round/>
-          </a:ln>
-        </p:spPr>
-        <p:style>
-          <a:lnRef idx="2">
-            <a:schemeClr val="accent1">
-              <a:shade val="50000"/>
-            </a:schemeClr>
-          </a:lnRef>
-          <a:fillRef idx="1">
-            <a:schemeClr val="accent1"/>
-          </a:fillRef>
-          <a:effectRef idx="0">
-            <a:schemeClr val="accent1"/>
-          </a:effectRef>
-          <a:fontRef idx="minor">
-            <a:schemeClr val="lt1"/>
-          </a:fontRef>
-        </p:style>
-        <p:txBody>
-          <a:bodyPr rtlCol="0" anchor="ctr"/>
-          <a:lstStyle/>
-          <a:p>
-            <a:pPr algn="ctr"/>
-            <a:endParaRPr lang="en-GB"/>
-          </a:p>
-        </p:txBody>
-      </p:sp>
-      <p:sp>
-        <p:nvSpPr>
-          <p:cNvPr id="35" name="Freeform: Shape 34">
-            <a:extLst>
-              <a:ext uri="{FF2B5EF4-FFF2-40B4-BE49-F238E27FC236}">
-                <a16:creationId xmlns:a16="http://schemas.microsoft.com/office/drawing/2014/main" id="{C94BBA2F-DD08-4397-BEF6-42E9A50D3560}"/>
-              </a:ext>
-            </a:extLst>
-          </p:cNvPr>
-          <p:cNvSpPr/>
-          <p:nvPr/>
-        </p:nvSpPr>
-        <p:spPr>
-          <a:xfrm>
-            <a:off x="3208713" y="4039985"/>
-            <a:ext cx="947651" cy="2477193"/>
-          </a:xfrm>
-          <a:custGeom>
-            <a:avLst/>
-            <a:gdLst>
-              <a:gd name="connsiteX0" fmla="*/ 0 w 947651"/>
-              <a:gd name="connsiteY0" fmla="*/ 0 h 2477193"/>
-              <a:gd name="connsiteX1" fmla="*/ 83127 w 947651"/>
-              <a:gd name="connsiteY1" fmla="*/ 266008 h 2477193"/>
-              <a:gd name="connsiteX2" fmla="*/ 116378 w 947651"/>
-              <a:gd name="connsiteY2" fmla="*/ 332510 h 2477193"/>
-              <a:gd name="connsiteX3" fmla="*/ 199505 w 947651"/>
-              <a:gd name="connsiteY3" fmla="*/ 448888 h 2477193"/>
-              <a:gd name="connsiteX4" fmla="*/ 216131 w 947651"/>
-              <a:gd name="connsiteY4" fmla="*/ 498764 h 2477193"/>
-              <a:gd name="connsiteX5" fmla="*/ 266007 w 947651"/>
-              <a:gd name="connsiteY5" fmla="*/ 598517 h 2477193"/>
-              <a:gd name="connsiteX6" fmla="*/ 299258 w 947651"/>
-              <a:gd name="connsiteY6" fmla="*/ 731520 h 2477193"/>
-              <a:gd name="connsiteX7" fmla="*/ 349134 w 947651"/>
-              <a:gd name="connsiteY7" fmla="*/ 897775 h 2477193"/>
-              <a:gd name="connsiteX8" fmla="*/ 382385 w 947651"/>
-              <a:gd name="connsiteY8" fmla="*/ 947651 h 2477193"/>
-              <a:gd name="connsiteX9" fmla="*/ 399011 w 947651"/>
-              <a:gd name="connsiteY9" fmla="*/ 997528 h 2477193"/>
-              <a:gd name="connsiteX10" fmla="*/ 465512 w 947651"/>
-              <a:gd name="connsiteY10" fmla="*/ 1113906 h 2477193"/>
-              <a:gd name="connsiteX11" fmla="*/ 498763 w 947651"/>
-              <a:gd name="connsiteY11" fmla="*/ 1180408 h 2477193"/>
-              <a:gd name="connsiteX12" fmla="*/ 515389 w 947651"/>
-              <a:gd name="connsiteY12" fmla="*/ 1230284 h 2477193"/>
-              <a:gd name="connsiteX13" fmla="*/ 565265 w 947651"/>
-              <a:gd name="connsiteY13" fmla="*/ 1280160 h 2477193"/>
-              <a:gd name="connsiteX14" fmla="*/ 615142 w 947651"/>
-              <a:gd name="connsiteY14" fmla="*/ 1346662 h 2477193"/>
-              <a:gd name="connsiteX15" fmla="*/ 681643 w 947651"/>
-              <a:gd name="connsiteY15" fmla="*/ 1446415 h 2477193"/>
-              <a:gd name="connsiteX16" fmla="*/ 714894 w 947651"/>
-              <a:gd name="connsiteY16" fmla="*/ 1496291 h 2477193"/>
-              <a:gd name="connsiteX17" fmla="*/ 764771 w 947651"/>
-              <a:gd name="connsiteY17" fmla="*/ 1579419 h 2477193"/>
-              <a:gd name="connsiteX18" fmla="*/ 814647 w 947651"/>
-              <a:gd name="connsiteY18" fmla="*/ 1629295 h 2477193"/>
-              <a:gd name="connsiteX19" fmla="*/ 864523 w 947651"/>
-              <a:gd name="connsiteY19" fmla="*/ 1729048 h 2477193"/>
-              <a:gd name="connsiteX20" fmla="*/ 897774 w 947651"/>
-              <a:gd name="connsiteY20" fmla="*/ 1828800 h 2477193"/>
-              <a:gd name="connsiteX21" fmla="*/ 914400 w 947651"/>
-              <a:gd name="connsiteY21" fmla="*/ 1878677 h 2477193"/>
-              <a:gd name="connsiteX22" fmla="*/ 947651 w 947651"/>
-              <a:gd name="connsiteY22" fmla="*/ 1928553 h 2477193"/>
-              <a:gd name="connsiteX23" fmla="*/ 931025 w 947651"/>
-              <a:gd name="connsiteY23" fmla="*/ 2177935 h 2477193"/>
-              <a:gd name="connsiteX24" fmla="*/ 914400 w 947651"/>
-              <a:gd name="connsiteY24" fmla="*/ 2227811 h 2477193"/>
-              <a:gd name="connsiteX25" fmla="*/ 864523 w 947651"/>
-              <a:gd name="connsiteY25" fmla="*/ 2277688 h 2477193"/>
-              <a:gd name="connsiteX26" fmla="*/ 814647 w 947651"/>
-              <a:gd name="connsiteY26" fmla="*/ 2344190 h 2477193"/>
-              <a:gd name="connsiteX27" fmla="*/ 681643 w 947651"/>
-              <a:gd name="connsiteY27" fmla="*/ 2443942 h 2477193"/>
-              <a:gd name="connsiteX28" fmla="*/ 548640 w 947651"/>
-              <a:gd name="connsiteY28" fmla="*/ 2477193 h 2477193"/>
-              <a:gd name="connsiteX29" fmla="*/ 465512 w 947651"/>
-              <a:gd name="connsiteY29" fmla="*/ 2460568 h 2477193"/>
-              <a:gd name="connsiteX30" fmla="*/ 365760 w 947651"/>
-              <a:gd name="connsiteY30" fmla="*/ 2427317 h 2477193"/>
-              <a:gd name="connsiteX31" fmla="*/ 249382 w 947651"/>
-              <a:gd name="connsiteY31" fmla="*/ 2294313 h 2477193"/>
-              <a:gd name="connsiteX32" fmla="*/ 216131 w 947651"/>
-              <a:gd name="connsiteY32" fmla="*/ 2244437 h 2477193"/>
-              <a:gd name="connsiteX33" fmla="*/ 166254 w 947651"/>
-              <a:gd name="connsiteY33" fmla="*/ 2111433 h 2477193"/>
-              <a:gd name="connsiteX34" fmla="*/ 149629 w 947651"/>
-              <a:gd name="connsiteY34" fmla="*/ 2044931 h 2477193"/>
-              <a:gd name="connsiteX35" fmla="*/ 116378 w 947651"/>
-              <a:gd name="connsiteY35" fmla="*/ 1995055 h 2477193"/>
-              <a:gd name="connsiteX36" fmla="*/ 99752 w 947651"/>
-              <a:gd name="connsiteY36" fmla="*/ 1961804 h 2477193"/>
-            </a:gdLst>
-            <a:ahLst/>
-            <a:cxnLst>
-              <a:cxn ang="0">
-                <a:pos x="connsiteX0" y="connsiteY0"/>
-              </a:cxn>
-              <a:cxn ang="0">
-                <a:pos x="connsiteX1" y="connsiteY1"/>
-              </a:cxn>
-              <a:cxn ang="0">
-                <a:pos x="connsiteX2" y="connsiteY2"/>
-              </a:cxn>
-              <a:cxn ang="0">
-                <a:pos x="connsiteX3" y="connsiteY3"/>
-              </a:cxn>
-              <a:cxn ang="0">
-                <a:pos x="connsiteX4" y="connsiteY4"/>
-              </a:cxn>
-              <a:cxn ang="0">
-                <a:pos x="connsiteX5" y="connsiteY5"/>
-              </a:cxn>
-              <a:cxn ang="0">
-                <a:pos x="connsiteX6" y="connsiteY6"/>
-              </a:cxn>
-              <a:cxn ang="0">
-                <a:pos x="connsiteX7" y="connsiteY7"/>
-              </a:cxn>
-              <a:cxn ang="0">
-                <a:pos x="connsiteX8" y="connsiteY8"/>
-              </a:cxn>
-              <a:cxn ang="0">
-                <a:pos x="connsiteX9" y="connsiteY9"/>
-              </a:cxn>
-              <a:cxn ang="0">
-                <a:pos x="connsiteX10" y="connsiteY10"/>
-              </a:cxn>
-              <a:cxn ang="0">
-                <a:pos x="connsiteX11" y="connsiteY11"/>
-              </a:cxn>
-              <a:cxn ang="0">
-                <a:pos x="connsiteX12" y="connsiteY12"/>
-              </a:cxn>
-              <a:cxn ang="0">
-                <a:pos x="connsiteX13" y="connsiteY13"/>
-              </a:cxn>
-              <a:cxn ang="0">
-                <a:pos x="connsiteX14" y="connsiteY14"/>
-              </a:cxn>
-              <a:cxn ang="0">
-                <a:pos x="connsiteX15" y="connsiteY15"/>
-              </a:cxn>
-              <a:cxn ang="0">
-                <a:pos x="connsiteX16" y="connsiteY16"/>
-              </a:cxn>
-              <a:cxn ang="0">
-                <a:pos x="connsiteX17" y="connsiteY17"/>
-              </a:cxn>
-              <a:cxn ang="0">
-                <a:pos x="connsiteX18" y="connsiteY18"/>
-              </a:cxn>
-              <a:cxn ang="0">
-                <a:pos x="connsiteX19" y="connsiteY19"/>
-              </a:cxn>
-              <a:cxn ang="0">
-                <a:pos x="connsiteX20" y="connsiteY20"/>
-              </a:cxn>
-              <a:cxn ang="0">
-                <a:pos x="connsiteX21" y="connsiteY21"/>
-              </a:cxn>
-              <a:cxn ang="0">
-                <a:pos x="connsiteX22" y="connsiteY22"/>
-              </a:cxn>
-              <a:cxn ang="0">
-                <a:pos x="connsiteX23" y="connsiteY23"/>
-              </a:cxn>
-              <a:cxn ang="0">
-                <a:pos x="connsiteX24" y="connsiteY24"/>
-              </a:cxn>
-              <a:cxn ang="0">
-                <a:pos x="connsiteX25" y="connsiteY25"/>
-              </a:cxn>
-              <a:cxn ang="0">
-                <a:pos x="connsiteX26" y="connsiteY26"/>
-              </a:cxn>
-              <a:cxn ang="0">
-                <a:pos x="connsiteX27" y="connsiteY27"/>
-              </a:cxn>
-              <a:cxn ang="0">
-                <a:pos x="connsiteX28" y="connsiteY28"/>
-              </a:cxn>
-              <a:cxn ang="0">
-                <a:pos x="connsiteX29" y="connsiteY29"/>
-              </a:cxn>
-              <a:cxn ang="0">
-                <a:pos x="connsiteX30" y="connsiteY30"/>
-              </a:cxn>
-              <a:cxn ang="0">
-                <a:pos x="connsiteX31" y="connsiteY31"/>
-              </a:cxn>
-              <a:cxn ang="0">
-                <a:pos x="connsiteX32" y="connsiteY32"/>
-              </a:cxn>
-              <a:cxn ang="0">
-                <a:pos x="connsiteX33" y="connsiteY33"/>
-              </a:cxn>
-              <a:cxn ang="0">
-                <a:pos x="connsiteX34" y="connsiteY34"/>
-              </a:cxn>
-              <a:cxn ang="0">
-                <a:pos x="connsiteX35" y="connsiteY35"/>
-              </a:cxn>
-              <a:cxn ang="0">
-                <a:pos x="connsiteX36" y="connsiteY36"/>
-              </a:cxn>
-            </a:cxnLst>
-            <a:rect l="l" t="t" r="r" b="b"/>
-            <a:pathLst>
-              <a:path w="947651" h="2477193">
-                <a:moveTo>
-                  <a:pt x="0" y="0"/>
-                </a:moveTo>
-                <a:cubicBezTo>
-                  <a:pt x="27709" y="88669"/>
-                  <a:pt x="52438" y="178325"/>
-                  <a:pt x="83127" y="266008"/>
-                </a:cubicBezTo>
-                <a:cubicBezTo>
-                  <a:pt x="91314" y="289400"/>
-                  <a:pt x="104082" y="310992"/>
-                  <a:pt x="116378" y="332510"/>
-                </a:cubicBezTo>
-                <a:cubicBezTo>
-                  <a:pt x="135824" y="366541"/>
-                  <a:pt x="178099" y="420347"/>
-                  <a:pt x="199505" y="448888"/>
-                </a:cubicBezTo>
-                <a:cubicBezTo>
-                  <a:pt x="205047" y="465513"/>
-                  <a:pt x="208294" y="483089"/>
-                  <a:pt x="216131" y="498764"/>
-                </a:cubicBezTo>
-                <a:cubicBezTo>
-                  <a:pt x="261532" y="589564"/>
-                  <a:pt x="240933" y="506580"/>
-                  <a:pt x="266007" y="598517"/>
-                </a:cubicBezTo>
-                <a:cubicBezTo>
-                  <a:pt x="278031" y="642606"/>
-                  <a:pt x="288174" y="687186"/>
-                  <a:pt x="299258" y="731520"/>
-                </a:cubicBezTo>
-                <a:cubicBezTo>
-                  <a:pt x="313076" y="786793"/>
-                  <a:pt x="326002" y="845729"/>
-                  <a:pt x="349134" y="897775"/>
-                </a:cubicBezTo>
-                <a:cubicBezTo>
-                  <a:pt x="357249" y="916034"/>
-                  <a:pt x="373449" y="929779"/>
-                  <a:pt x="382385" y="947651"/>
-                </a:cubicBezTo>
-                <a:cubicBezTo>
-                  <a:pt x="390222" y="963326"/>
-                  <a:pt x="392108" y="981420"/>
-                  <a:pt x="399011" y="997528"/>
-                </a:cubicBezTo>
-                <a:cubicBezTo>
-                  <a:pt x="442074" y="1098008"/>
-                  <a:pt x="417808" y="1030423"/>
-                  <a:pt x="465512" y="1113906"/>
-                </a:cubicBezTo>
-                <a:cubicBezTo>
-                  <a:pt x="477808" y="1135424"/>
-                  <a:pt x="489000" y="1157628"/>
-                  <a:pt x="498763" y="1180408"/>
-                </a:cubicBezTo>
-                <a:cubicBezTo>
-                  <a:pt x="505666" y="1196516"/>
-                  <a:pt x="505668" y="1215703"/>
-                  <a:pt x="515389" y="1230284"/>
-                </a:cubicBezTo>
-                <a:cubicBezTo>
-                  <a:pt x="528431" y="1249847"/>
-                  <a:pt x="549964" y="1262309"/>
-                  <a:pt x="565265" y="1280160"/>
-                </a:cubicBezTo>
-                <a:cubicBezTo>
-                  <a:pt x="583298" y="1301198"/>
-                  <a:pt x="599252" y="1323962"/>
-                  <a:pt x="615142" y="1346662"/>
-                </a:cubicBezTo>
-                <a:cubicBezTo>
-                  <a:pt x="638059" y="1379401"/>
-                  <a:pt x="659476" y="1413164"/>
-                  <a:pt x="681643" y="1446415"/>
-                </a:cubicBezTo>
-                <a:cubicBezTo>
-                  <a:pt x="692727" y="1463040"/>
-                  <a:pt x="704614" y="1479157"/>
-                  <a:pt x="714894" y="1496291"/>
-                </a:cubicBezTo>
-                <a:cubicBezTo>
-                  <a:pt x="731520" y="1524000"/>
-                  <a:pt x="745382" y="1553567"/>
-                  <a:pt x="764771" y="1579419"/>
-                </a:cubicBezTo>
-                <a:cubicBezTo>
-                  <a:pt x="778878" y="1598228"/>
-                  <a:pt x="798022" y="1612670"/>
-                  <a:pt x="814647" y="1629295"/>
-                </a:cubicBezTo>
-                <a:cubicBezTo>
-                  <a:pt x="875274" y="1811180"/>
-                  <a:pt x="778585" y="1535687"/>
-                  <a:pt x="864523" y="1729048"/>
-                </a:cubicBezTo>
-                <a:cubicBezTo>
-                  <a:pt x="878758" y="1761076"/>
-                  <a:pt x="886690" y="1795549"/>
-                  <a:pt x="897774" y="1828800"/>
-                </a:cubicBezTo>
-                <a:cubicBezTo>
-                  <a:pt x="903316" y="1845426"/>
-                  <a:pt x="904679" y="1864095"/>
-                  <a:pt x="914400" y="1878677"/>
-                </a:cubicBezTo>
-                <a:lnTo>
-                  <a:pt x="947651" y="1928553"/>
-                </a:lnTo>
-                <a:cubicBezTo>
-                  <a:pt x="942109" y="2011680"/>
-                  <a:pt x="940225" y="2095133"/>
-                  <a:pt x="931025" y="2177935"/>
-                </a:cubicBezTo>
-                <a:cubicBezTo>
-                  <a:pt x="929090" y="2195352"/>
-                  <a:pt x="924121" y="2213230"/>
-                  <a:pt x="914400" y="2227811"/>
-                </a:cubicBezTo>
-                <a:cubicBezTo>
-                  <a:pt x="901358" y="2247374"/>
-                  <a:pt x="879825" y="2259836"/>
-                  <a:pt x="864523" y="2277688"/>
-                </a:cubicBezTo>
-                <a:cubicBezTo>
-                  <a:pt x="846490" y="2298726"/>
-                  <a:pt x="832894" y="2323337"/>
-                  <a:pt x="814647" y="2344190"/>
-                </a:cubicBezTo>
-                <a:cubicBezTo>
-                  <a:pt x="770070" y="2395135"/>
-                  <a:pt x="744996" y="2422824"/>
-                  <a:pt x="681643" y="2443942"/>
-                </a:cubicBezTo>
-                <a:cubicBezTo>
-                  <a:pt x="638289" y="2458393"/>
-                  <a:pt x="548640" y="2477193"/>
-                  <a:pt x="548640" y="2477193"/>
-                </a:cubicBezTo>
-                <a:cubicBezTo>
-                  <a:pt x="520931" y="2471651"/>
-                  <a:pt x="492774" y="2468003"/>
-                  <a:pt x="465512" y="2460568"/>
-                </a:cubicBezTo>
-                <a:cubicBezTo>
-                  <a:pt x="431698" y="2451346"/>
-                  <a:pt x="365760" y="2427317"/>
-                  <a:pt x="365760" y="2427317"/>
-                </a:cubicBezTo>
-                <a:cubicBezTo>
-                  <a:pt x="282631" y="2371899"/>
-                  <a:pt x="326968" y="2410692"/>
-                  <a:pt x="249382" y="2294313"/>
-                </a:cubicBezTo>
-                <a:lnTo>
-                  <a:pt x="216131" y="2244437"/>
-                </a:lnTo>
-                <a:cubicBezTo>
-                  <a:pt x="173452" y="2073727"/>
-                  <a:pt x="231462" y="2285322"/>
-                  <a:pt x="166254" y="2111433"/>
-                </a:cubicBezTo>
-                <a:cubicBezTo>
-                  <a:pt x="158231" y="2090038"/>
-                  <a:pt x="158630" y="2065933"/>
-                  <a:pt x="149629" y="2044931"/>
-                </a:cubicBezTo>
-                <a:cubicBezTo>
-                  <a:pt x="141758" y="2026565"/>
-                  <a:pt x="126658" y="2012189"/>
-                  <a:pt x="116378" y="1995055"/>
-                </a:cubicBezTo>
-                <a:cubicBezTo>
-                  <a:pt x="110002" y="1984429"/>
-                  <a:pt x="105294" y="1972888"/>
-                  <a:pt x="99752" y="1961804"/>
-                </a:cubicBezTo>
-              </a:path>
-            </a:pathLst>
-          </a:custGeom>
-          <a:noFill/>
-          <a:ln w="203200" cap="rnd">
-            <a:solidFill>
-              <a:srgbClr val="7030A0"/>
-            </a:solidFill>
-            <a:round/>
-          </a:ln>
-        </p:spPr>
-        <p:style>
-          <a:lnRef idx="2">
-            <a:schemeClr val="accent1">
-              <a:shade val="50000"/>
-            </a:schemeClr>
-          </a:lnRef>
-          <a:fillRef idx="1">
-            <a:schemeClr val="accent1"/>
-          </a:fillRef>
-          <a:effectRef idx="0">
-            <a:schemeClr val="accent1"/>
-          </a:effectRef>
-          <a:fontRef idx="minor">
-            <a:schemeClr val="lt1"/>
-          </a:fontRef>
-        </p:style>
-        <p:txBody>
-          <a:bodyPr rtlCol="0" anchor="ctr"/>
-          <a:lstStyle/>
-          <a:p>
-            <a:pPr algn="ctr"/>
-            <a:endParaRPr lang="en-GB"/>
-          </a:p>
-        </p:txBody>
-      </p:sp>
+        </p:grpSpPr>
+        <p:pic>
+          <p:nvPicPr>
+            <p:cNvPr id="37" name="Graphic 36" descr="Schoolhouse">
+              <a:extLst>
+                <a:ext uri="{FF2B5EF4-FFF2-40B4-BE49-F238E27FC236}">
+                  <a16:creationId xmlns:a16="http://schemas.microsoft.com/office/drawing/2014/main" id="{F4A43412-41D1-49B3-8B81-42DDF88E74D4}"/>
+                </a:ext>
+              </a:extLst>
+            </p:cNvPr>
+            <p:cNvPicPr>
+              <a:picLocks noChangeAspect="1"/>
+            </p:cNvPicPr>
+            <p:nvPr/>
+          </p:nvPicPr>
+          <p:blipFill>
+            <a:blip r:embed="rId3">
+              <a:extLst>
+                <a:ext uri="{28A0092B-C50C-407E-A947-70E740481C1C}">
+                  <a14:useLocalDpi xmlns:a14="http://schemas.microsoft.com/office/drawing/2010/main" val="0"/>
+                </a:ext>
+                <a:ext uri="{96DAC541-7B7A-43D3-8B79-37D633B846F1}">
+                  <asvg:svgBlip xmlns:asvg="http://schemas.microsoft.com/office/drawing/2016/SVG/main" r:embed="rId4"/>
+                </a:ext>
+              </a:extLst>
+            </a:blip>
+            <a:stretch>
+              <a:fillRect/>
+            </a:stretch>
+          </p:blipFill>
+          <p:spPr>
+            <a:xfrm>
+              <a:off x="-2300196" y="6173938"/>
+              <a:ext cx="511884" cy="511884"/>
+            </a:xfrm>
+            <a:prstGeom prst="rect">
+              <a:avLst/>
+            </a:prstGeom>
+          </p:spPr>
+        </p:pic>
+        <p:pic>
+          <p:nvPicPr>
+            <p:cNvPr id="38" name="Graphic 37" descr="Group of men">
+              <a:extLst>
+                <a:ext uri="{FF2B5EF4-FFF2-40B4-BE49-F238E27FC236}">
+                  <a16:creationId xmlns:a16="http://schemas.microsoft.com/office/drawing/2014/main" id="{48BABC58-62AE-4886-A701-88EB0D21D9B6}"/>
+                </a:ext>
+              </a:extLst>
+            </p:cNvPr>
+            <p:cNvPicPr>
+              <a:picLocks noChangeAspect="1"/>
+            </p:cNvPicPr>
+            <p:nvPr/>
+          </p:nvPicPr>
+          <p:blipFill>
+            <a:blip r:embed="rId5">
+              <a:extLst>
+                <a:ext uri="{28A0092B-C50C-407E-A947-70E740481C1C}">
+                  <a14:useLocalDpi xmlns:a14="http://schemas.microsoft.com/office/drawing/2010/main" val="0"/>
+                </a:ext>
+                <a:ext uri="{96DAC541-7B7A-43D3-8B79-37D633B846F1}">
+                  <asvg:svgBlip xmlns:asvg="http://schemas.microsoft.com/office/drawing/2016/SVG/main" r:embed="rId6"/>
+                </a:ext>
+              </a:extLst>
+            </a:blip>
+            <a:stretch>
+              <a:fillRect/>
+            </a:stretch>
+          </p:blipFill>
+          <p:spPr>
+            <a:xfrm>
+              <a:off x="-2348044" y="6629731"/>
+              <a:ext cx="333098" cy="333098"/>
+            </a:xfrm>
+            <a:prstGeom prst="rect">
+              <a:avLst/>
+            </a:prstGeom>
+          </p:spPr>
+        </p:pic>
+        <p:pic>
+          <p:nvPicPr>
+            <p:cNvPr id="39" name="Graphic 38" descr="Group of women">
+              <a:extLst>
+                <a:ext uri="{FF2B5EF4-FFF2-40B4-BE49-F238E27FC236}">
+                  <a16:creationId xmlns:a16="http://schemas.microsoft.com/office/drawing/2014/main" id="{33E87B59-F869-419D-8A7A-A0FE0CEFD254}"/>
+                </a:ext>
+              </a:extLst>
+            </p:cNvPr>
+            <p:cNvPicPr>
+              <a:picLocks noChangeAspect="1"/>
+            </p:cNvPicPr>
+            <p:nvPr/>
+          </p:nvPicPr>
+          <p:blipFill>
+            <a:blip r:embed="rId7">
+              <a:extLst>
+                <a:ext uri="{28A0092B-C50C-407E-A947-70E740481C1C}">
+                  <a14:useLocalDpi xmlns:a14="http://schemas.microsoft.com/office/drawing/2010/main" val="0"/>
+                </a:ext>
+                <a:ext uri="{96DAC541-7B7A-43D3-8B79-37D633B846F1}">
+                  <asvg:svgBlip xmlns:asvg="http://schemas.microsoft.com/office/drawing/2016/SVG/main" r:embed="rId8"/>
+                </a:ext>
+              </a:extLst>
+            </a:blip>
+            <a:stretch>
+              <a:fillRect/>
+            </a:stretch>
+          </p:blipFill>
+          <p:spPr>
+            <a:xfrm>
+              <a:off x="-1779736" y="6517343"/>
+              <a:ext cx="230102" cy="230103"/>
+            </a:xfrm>
+            <a:prstGeom prst="rect">
+              <a:avLst/>
+            </a:prstGeom>
+          </p:spPr>
+        </p:pic>
+        <p:cxnSp>
+          <p:nvCxnSpPr>
+            <p:cNvPr id="40" name="Straight Connector 39">
+              <a:extLst>
+                <a:ext uri="{FF2B5EF4-FFF2-40B4-BE49-F238E27FC236}">
+                  <a16:creationId xmlns:a16="http://schemas.microsoft.com/office/drawing/2014/main" id="{1BC47F99-429C-4896-8262-62CC9A61CB87}"/>
+                </a:ext>
+              </a:extLst>
+            </p:cNvPr>
+            <p:cNvCxnSpPr>
+              <a:cxnSpLocks/>
+            </p:cNvCxnSpPr>
+            <p:nvPr/>
+          </p:nvCxnSpPr>
+          <p:spPr>
+            <a:xfrm>
+              <a:off x="-1971456" y="6738947"/>
+              <a:ext cx="421823" cy="0"/>
+            </a:xfrm>
+            <a:prstGeom prst="line">
+              <a:avLst/>
+            </a:prstGeom>
+            <a:ln w="15875" cap="rnd">
+              <a:solidFill>
+                <a:schemeClr val="bg1"/>
+              </a:solidFill>
+              <a:round/>
+            </a:ln>
+          </p:spPr>
+          <p:style>
+            <a:lnRef idx="1">
+              <a:schemeClr val="accent1"/>
+            </a:lnRef>
+            <a:fillRef idx="0">
+              <a:schemeClr val="accent1"/>
+            </a:fillRef>
+            <a:effectRef idx="0">
+              <a:schemeClr val="accent1"/>
+            </a:effectRef>
+            <a:fontRef idx="minor">
+              <a:schemeClr val="tx1"/>
+            </a:fontRef>
+          </p:style>
+        </p:cxnSp>
+        <p:cxnSp>
+          <p:nvCxnSpPr>
+            <p:cNvPr id="41" name="Straight Connector 40">
+              <a:extLst>
+                <a:ext uri="{FF2B5EF4-FFF2-40B4-BE49-F238E27FC236}">
+                  <a16:creationId xmlns:a16="http://schemas.microsoft.com/office/drawing/2014/main" id="{23AF8992-F8B3-425B-A975-BE6865FA6BC8}"/>
+                </a:ext>
+              </a:extLst>
+            </p:cNvPr>
+            <p:cNvCxnSpPr>
+              <a:cxnSpLocks/>
+            </p:cNvCxnSpPr>
+            <p:nvPr/>
+          </p:nvCxnSpPr>
+          <p:spPr>
+            <a:xfrm>
+              <a:off x="-2348044" y="6951336"/>
+              <a:ext cx="889456" cy="0"/>
+            </a:xfrm>
+            <a:prstGeom prst="line">
+              <a:avLst/>
+            </a:prstGeom>
+            <a:ln w="63500" cap="rnd">
+              <a:solidFill>
+                <a:schemeClr val="bg1"/>
+              </a:solidFill>
+              <a:round/>
+            </a:ln>
+          </p:spPr>
+          <p:style>
+            <a:lnRef idx="1">
+              <a:schemeClr val="accent1"/>
+            </a:lnRef>
+            <a:fillRef idx="0">
+              <a:schemeClr val="accent1"/>
+            </a:fillRef>
+            <a:effectRef idx="0">
+              <a:schemeClr val="accent1"/>
+            </a:effectRef>
+            <a:fontRef idx="minor">
+              <a:schemeClr val="tx1"/>
+            </a:fontRef>
+          </p:style>
+        </p:cxnSp>
+      </p:grpSp>
     </p:spTree>
     <p:extLst>
       <p:ext uri="{BB962C8B-B14F-4D97-AF65-F5344CB8AC3E}">
@@ -7994,7 +6561,23 @@
         </p:nvPicPr>
         <p:blipFill>
           <a:blip r:embed="rId2">
-            <a:grayscl/>
+            <a:clrChange>
+              <a:clrFrom>
+                <a:srgbClr val="000000"/>
+              </a:clrFrom>
+              <a:clrTo>
+                <a:srgbClr val="000000">
+                  <a:alpha val="0"/>
+                </a:srgbClr>
+              </a:clrTo>
+            </a:clrChange>
+            <a:duotone>
+              <a:schemeClr val="accent3">
+                <a:shade val="45000"/>
+                <a:satMod val="135000"/>
+              </a:schemeClr>
+              <a:prstClr val="white"/>
+            </a:duotone>
             <a:extLst>
               <a:ext uri="{28A0092B-C50C-407E-A947-70E740481C1C}">
                 <a14:useLocalDpi xmlns:a14="http://schemas.microsoft.com/office/drawing/2010/main" val="0"/>
@@ -8101,7 +6684,7 @@
                   <a:schemeClr val="bg1"/>
                 </a:solidFill>
               </a:rPr>
-              <a:t>And finally other land uses pen</a:t>
+              <a:t>And finally other land uses</a:t>
             </a:r>
           </a:p>
         </p:txBody>
@@ -8887,840 +7470,6 @@
       </p:grpSp>
       <p:sp>
         <p:nvSpPr>
-          <p:cNvPr id="27" name="Freeform: Shape 26">
-            <a:extLst>
-              <a:ext uri="{FF2B5EF4-FFF2-40B4-BE49-F238E27FC236}">
-                <a16:creationId xmlns:a16="http://schemas.microsoft.com/office/drawing/2014/main" id="{BADE169D-6325-4C0C-B75F-AC2624FCCF8D}"/>
-              </a:ext>
-            </a:extLst>
-          </p:cNvPr>
-          <p:cNvSpPr/>
-          <p:nvPr/>
-        </p:nvSpPr>
-        <p:spPr>
-          <a:xfrm>
-            <a:off x="5286895" y="4887884"/>
-            <a:ext cx="3475907" cy="3740727"/>
-          </a:xfrm>
-          <a:custGeom>
-            <a:avLst/>
-            <a:gdLst>
-              <a:gd name="connsiteX0" fmla="*/ 1529541 w 3475907"/>
-              <a:gd name="connsiteY0" fmla="*/ 798021 h 3740727"/>
-              <a:gd name="connsiteX1" fmla="*/ 2044930 w 3475907"/>
-              <a:gd name="connsiteY1" fmla="*/ 748145 h 3740727"/>
-              <a:gd name="connsiteX2" fmla="*/ 2094807 w 3475907"/>
-              <a:gd name="connsiteY2" fmla="*/ 698269 h 3740727"/>
-              <a:gd name="connsiteX3" fmla="*/ 2144683 w 3475907"/>
-              <a:gd name="connsiteY3" fmla="*/ 598516 h 3740727"/>
-              <a:gd name="connsiteX4" fmla="*/ 2194560 w 3475907"/>
-              <a:gd name="connsiteY4" fmla="*/ 498763 h 3740727"/>
-              <a:gd name="connsiteX5" fmla="*/ 2244436 w 3475907"/>
-              <a:gd name="connsiteY5" fmla="*/ 232756 h 3740727"/>
-              <a:gd name="connsiteX6" fmla="*/ 2261061 w 3475907"/>
-              <a:gd name="connsiteY6" fmla="*/ 166254 h 3740727"/>
-              <a:gd name="connsiteX7" fmla="*/ 2310938 w 3475907"/>
-              <a:gd name="connsiteY7" fmla="*/ 116378 h 3740727"/>
-              <a:gd name="connsiteX8" fmla="*/ 2410690 w 3475907"/>
-              <a:gd name="connsiteY8" fmla="*/ 49876 h 3740727"/>
-              <a:gd name="connsiteX9" fmla="*/ 2527069 w 3475907"/>
-              <a:gd name="connsiteY9" fmla="*/ 0 h 3740727"/>
-              <a:gd name="connsiteX10" fmla="*/ 2809701 w 3475907"/>
-              <a:gd name="connsiteY10" fmla="*/ 16625 h 3740727"/>
-              <a:gd name="connsiteX11" fmla="*/ 2909454 w 3475907"/>
-              <a:gd name="connsiteY11" fmla="*/ 99752 h 3740727"/>
-              <a:gd name="connsiteX12" fmla="*/ 2992581 w 3475907"/>
-              <a:gd name="connsiteY12" fmla="*/ 216131 h 3740727"/>
-              <a:gd name="connsiteX13" fmla="*/ 3059083 w 3475907"/>
-              <a:gd name="connsiteY13" fmla="*/ 299258 h 3740727"/>
-              <a:gd name="connsiteX14" fmla="*/ 3125585 w 3475907"/>
-              <a:gd name="connsiteY14" fmla="*/ 465512 h 3740727"/>
-              <a:gd name="connsiteX15" fmla="*/ 3175461 w 3475907"/>
-              <a:gd name="connsiteY15" fmla="*/ 532014 h 3740727"/>
-              <a:gd name="connsiteX16" fmla="*/ 3308465 w 3475907"/>
-              <a:gd name="connsiteY16" fmla="*/ 615141 h 3740727"/>
-              <a:gd name="connsiteX17" fmla="*/ 3458094 w 3475907"/>
-              <a:gd name="connsiteY17" fmla="*/ 781396 h 3740727"/>
-              <a:gd name="connsiteX18" fmla="*/ 3458094 w 3475907"/>
-              <a:gd name="connsiteY18" fmla="*/ 997527 h 3740727"/>
-              <a:gd name="connsiteX19" fmla="*/ 3408218 w 3475907"/>
-              <a:gd name="connsiteY19" fmla="*/ 1064029 h 3740727"/>
-              <a:gd name="connsiteX20" fmla="*/ 3258589 w 3475907"/>
-              <a:gd name="connsiteY20" fmla="*/ 1213658 h 3740727"/>
-              <a:gd name="connsiteX21" fmla="*/ 3092334 w 3475907"/>
-              <a:gd name="connsiteY21" fmla="*/ 1346661 h 3740727"/>
-              <a:gd name="connsiteX22" fmla="*/ 2975956 w 3475907"/>
-              <a:gd name="connsiteY22" fmla="*/ 1463040 h 3740727"/>
-              <a:gd name="connsiteX23" fmla="*/ 2892829 w 3475907"/>
-              <a:gd name="connsiteY23" fmla="*/ 1512916 h 3740727"/>
-              <a:gd name="connsiteX24" fmla="*/ 2826327 w 3475907"/>
-              <a:gd name="connsiteY24" fmla="*/ 1579418 h 3740727"/>
-              <a:gd name="connsiteX25" fmla="*/ 2610196 w 3475907"/>
-              <a:gd name="connsiteY25" fmla="*/ 1729047 h 3740727"/>
-              <a:gd name="connsiteX26" fmla="*/ 2510443 w 3475907"/>
-              <a:gd name="connsiteY26" fmla="*/ 1828800 h 3740727"/>
-              <a:gd name="connsiteX27" fmla="*/ 2443941 w 3475907"/>
-              <a:gd name="connsiteY27" fmla="*/ 1895301 h 3740727"/>
-              <a:gd name="connsiteX28" fmla="*/ 2394065 w 3475907"/>
-              <a:gd name="connsiteY28" fmla="*/ 1928552 h 3740727"/>
-              <a:gd name="connsiteX29" fmla="*/ 2277687 w 3475907"/>
-              <a:gd name="connsiteY29" fmla="*/ 2061556 h 3740727"/>
-              <a:gd name="connsiteX30" fmla="*/ 2177934 w 3475907"/>
-              <a:gd name="connsiteY30" fmla="*/ 2194560 h 3740727"/>
-              <a:gd name="connsiteX31" fmla="*/ 2128058 w 3475907"/>
-              <a:gd name="connsiteY31" fmla="*/ 2277687 h 3740727"/>
-              <a:gd name="connsiteX32" fmla="*/ 2078181 w 3475907"/>
-              <a:gd name="connsiteY32" fmla="*/ 2327563 h 3740727"/>
-              <a:gd name="connsiteX33" fmla="*/ 1978429 w 3475907"/>
-              <a:gd name="connsiteY33" fmla="*/ 2427316 h 3740727"/>
-              <a:gd name="connsiteX34" fmla="*/ 1895301 w 3475907"/>
-              <a:gd name="connsiteY34" fmla="*/ 2510443 h 3740727"/>
-              <a:gd name="connsiteX35" fmla="*/ 1762298 w 3475907"/>
-              <a:gd name="connsiteY35" fmla="*/ 2610196 h 3740727"/>
-              <a:gd name="connsiteX36" fmla="*/ 1562792 w 3475907"/>
-              <a:gd name="connsiteY36" fmla="*/ 2793076 h 3740727"/>
-              <a:gd name="connsiteX37" fmla="*/ 1313410 w 3475907"/>
-              <a:gd name="connsiteY37" fmla="*/ 3009207 h 3740727"/>
-              <a:gd name="connsiteX38" fmla="*/ 1180407 w 3475907"/>
-              <a:gd name="connsiteY38" fmla="*/ 3158836 h 3740727"/>
-              <a:gd name="connsiteX39" fmla="*/ 1080654 w 3475907"/>
-              <a:gd name="connsiteY39" fmla="*/ 3258589 h 3740727"/>
-              <a:gd name="connsiteX40" fmla="*/ 997527 w 3475907"/>
-              <a:gd name="connsiteY40" fmla="*/ 3341716 h 3740727"/>
-              <a:gd name="connsiteX41" fmla="*/ 947650 w 3475907"/>
-              <a:gd name="connsiteY41" fmla="*/ 3374967 h 3740727"/>
-              <a:gd name="connsiteX42" fmla="*/ 897774 w 3475907"/>
-              <a:gd name="connsiteY42" fmla="*/ 3424843 h 3740727"/>
-              <a:gd name="connsiteX43" fmla="*/ 864523 w 3475907"/>
-              <a:gd name="connsiteY43" fmla="*/ 3474720 h 3740727"/>
-              <a:gd name="connsiteX44" fmla="*/ 781396 w 3475907"/>
-              <a:gd name="connsiteY44" fmla="*/ 3524596 h 3740727"/>
-              <a:gd name="connsiteX45" fmla="*/ 681643 w 3475907"/>
-              <a:gd name="connsiteY45" fmla="*/ 3607723 h 3740727"/>
-              <a:gd name="connsiteX46" fmla="*/ 615141 w 3475907"/>
-              <a:gd name="connsiteY46" fmla="*/ 3640974 h 3740727"/>
-              <a:gd name="connsiteX47" fmla="*/ 498763 w 3475907"/>
-              <a:gd name="connsiteY47" fmla="*/ 3707476 h 3740727"/>
-              <a:gd name="connsiteX48" fmla="*/ 382385 w 3475907"/>
-              <a:gd name="connsiteY48" fmla="*/ 3740727 h 3740727"/>
-              <a:gd name="connsiteX49" fmla="*/ 266007 w 3475907"/>
-              <a:gd name="connsiteY49" fmla="*/ 3707476 h 3740727"/>
-              <a:gd name="connsiteX50" fmla="*/ 216130 w 3475907"/>
-              <a:gd name="connsiteY50" fmla="*/ 3657600 h 3740727"/>
-              <a:gd name="connsiteX51" fmla="*/ 182880 w 3475907"/>
-              <a:gd name="connsiteY51" fmla="*/ 3541221 h 3740727"/>
-              <a:gd name="connsiteX52" fmla="*/ 149629 w 3475907"/>
-              <a:gd name="connsiteY52" fmla="*/ 3474720 h 3740727"/>
-              <a:gd name="connsiteX53" fmla="*/ 99752 w 3475907"/>
-              <a:gd name="connsiteY53" fmla="*/ 3358341 h 3740727"/>
-              <a:gd name="connsiteX54" fmla="*/ 49876 w 3475907"/>
-              <a:gd name="connsiteY54" fmla="*/ 3208712 h 3740727"/>
-              <a:gd name="connsiteX55" fmla="*/ 0 w 3475907"/>
-              <a:gd name="connsiteY55" fmla="*/ 3059083 h 3740727"/>
-              <a:gd name="connsiteX56" fmla="*/ 16625 w 3475907"/>
-              <a:gd name="connsiteY56" fmla="*/ 2876203 h 3740727"/>
-              <a:gd name="connsiteX57" fmla="*/ 99752 w 3475907"/>
-              <a:gd name="connsiteY57" fmla="*/ 2776451 h 3740727"/>
-              <a:gd name="connsiteX58" fmla="*/ 166254 w 3475907"/>
-              <a:gd name="connsiteY58" fmla="*/ 2759825 h 3740727"/>
-              <a:gd name="connsiteX59" fmla="*/ 349134 w 3475907"/>
-              <a:gd name="connsiteY59" fmla="*/ 2693323 h 3740727"/>
-              <a:gd name="connsiteX60" fmla="*/ 515389 w 3475907"/>
-              <a:gd name="connsiteY60" fmla="*/ 2660072 h 3740727"/>
-              <a:gd name="connsiteX61" fmla="*/ 598516 w 3475907"/>
-              <a:gd name="connsiteY61" fmla="*/ 2643447 h 3740727"/>
-              <a:gd name="connsiteX62" fmla="*/ 698269 w 3475907"/>
-              <a:gd name="connsiteY62" fmla="*/ 2593571 h 3740727"/>
-              <a:gd name="connsiteX63" fmla="*/ 748145 w 3475907"/>
-              <a:gd name="connsiteY63" fmla="*/ 2576945 h 3740727"/>
-              <a:gd name="connsiteX64" fmla="*/ 914400 w 3475907"/>
-              <a:gd name="connsiteY64" fmla="*/ 2493818 h 3740727"/>
-              <a:gd name="connsiteX65" fmla="*/ 1030778 w 3475907"/>
-              <a:gd name="connsiteY65" fmla="*/ 2460567 h 3740727"/>
-              <a:gd name="connsiteX66" fmla="*/ 1230283 w 3475907"/>
-              <a:gd name="connsiteY66" fmla="*/ 2327563 h 3740727"/>
-              <a:gd name="connsiteX67" fmla="*/ 1330036 w 3475907"/>
-              <a:gd name="connsiteY67" fmla="*/ 2277687 h 3740727"/>
-              <a:gd name="connsiteX68" fmla="*/ 1413163 w 3475907"/>
-              <a:gd name="connsiteY68" fmla="*/ 2177934 h 3740727"/>
-              <a:gd name="connsiteX69" fmla="*/ 1463040 w 3475907"/>
-              <a:gd name="connsiteY69" fmla="*/ 2111432 h 3740727"/>
-              <a:gd name="connsiteX70" fmla="*/ 1479665 w 3475907"/>
-              <a:gd name="connsiteY70" fmla="*/ 2061556 h 3740727"/>
-              <a:gd name="connsiteX71" fmla="*/ 1512916 w 3475907"/>
-              <a:gd name="connsiteY71" fmla="*/ 2011680 h 3740727"/>
-              <a:gd name="connsiteX72" fmla="*/ 1546167 w 3475907"/>
-              <a:gd name="connsiteY72" fmla="*/ 1862051 h 3740727"/>
-              <a:gd name="connsiteX73" fmla="*/ 1562792 w 3475907"/>
-              <a:gd name="connsiteY73" fmla="*/ 1429789 h 3740727"/>
-              <a:gd name="connsiteX74" fmla="*/ 1596043 w 3475907"/>
-              <a:gd name="connsiteY74" fmla="*/ 1280160 h 3740727"/>
-              <a:gd name="connsiteX75" fmla="*/ 1629294 w 3475907"/>
-              <a:gd name="connsiteY75" fmla="*/ 1113905 h 3740727"/>
-              <a:gd name="connsiteX76" fmla="*/ 1612669 w 3475907"/>
-              <a:gd name="connsiteY76" fmla="*/ 864523 h 3740727"/>
-              <a:gd name="connsiteX77" fmla="*/ 1529541 w 3475907"/>
-              <a:gd name="connsiteY77" fmla="*/ 798021 h 3740727"/>
-            </a:gdLst>
-            <a:ahLst/>
-            <a:cxnLst>
-              <a:cxn ang="0">
-                <a:pos x="connsiteX0" y="connsiteY0"/>
-              </a:cxn>
-              <a:cxn ang="0">
-                <a:pos x="connsiteX1" y="connsiteY1"/>
-              </a:cxn>
-              <a:cxn ang="0">
-                <a:pos x="connsiteX2" y="connsiteY2"/>
-              </a:cxn>
-              <a:cxn ang="0">
-                <a:pos x="connsiteX3" y="connsiteY3"/>
-              </a:cxn>
-              <a:cxn ang="0">
-                <a:pos x="connsiteX4" y="connsiteY4"/>
-              </a:cxn>
-              <a:cxn ang="0">
-                <a:pos x="connsiteX5" y="connsiteY5"/>
-              </a:cxn>
-              <a:cxn ang="0">
-                <a:pos x="connsiteX6" y="connsiteY6"/>
-              </a:cxn>
-              <a:cxn ang="0">
-                <a:pos x="connsiteX7" y="connsiteY7"/>
-              </a:cxn>
-              <a:cxn ang="0">
-                <a:pos x="connsiteX8" y="connsiteY8"/>
-              </a:cxn>
-              <a:cxn ang="0">
-                <a:pos x="connsiteX9" y="connsiteY9"/>
-              </a:cxn>
-              <a:cxn ang="0">
-                <a:pos x="connsiteX10" y="connsiteY10"/>
-              </a:cxn>
-              <a:cxn ang="0">
-                <a:pos x="connsiteX11" y="connsiteY11"/>
-              </a:cxn>
-              <a:cxn ang="0">
-                <a:pos x="connsiteX12" y="connsiteY12"/>
-              </a:cxn>
-              <a:cxn ang="0">
-                <a:pos x="connsiteX13" y="connsiteY13"/>
-              </a:cxn>
-              <a:cxn ang="0">
-                <a:pos x="connsiteX14" y="connsiteY14"/>
-              </a:cxn>
-              <a:cxn ang="0">
-                <a:pos x="connsiteX15" y="connsiteY15"/>
-              </a:cxn>
-              <a:cxn ang="0">
-                <a:pos x="connsiteX16" y="connsiteY16"/>
-              </a:cxn>
-              <a:cxn ang="0">
-                <a:pos x="connsiteX17" y="connsiteY17"/>
-              </a:cxn>
-              <a:cxn ang="0">
-                <a:pos x="connsiteX18" y="connsiteY18"/>
-              </a:cxn>
-              <a:cxn ang="0">
-                <a:pos x="connsiteX19" y="connsiteY19"/>
-              </a:cxn>
-              <a:cxn ang="0">
-                <a:pos x="connsiteX20" y="connsiteY20"/>
-              </a:cxn>
-              <a:cxn ang="0">
-                <a:pos x="connsiteX21" y="connsiteY21"/>
-              </a:cxn>
-              <a:cxn ang="0">
-                <a:pos x="connsiteX22" y="connsiteY22"/>
-              </a:cxn>
-              <a:cxn ang="0">
-                <a:pos x="connsiteX23" y="connsiteY23"/>
-              </a:cxn>
-              <a:cxn ang="0">
-                <a:pos x="connsiteX24" y="connsiteY24"/>
-              </a:cxn>
-              <a:cxn ang="0">
-                <a:pos x="connsiteX25" y="connsiteY25"/>
-              </a:cxn>
-              <a:cxn ang="0">
-                <a:pos x="connsiteX26" y="connsiteY26"/>
-              </a:cxn>
-              <a:cxn ang="0">
-                <a:pos x="connsiteX27" y="connsiteY27"/>
-              </a:cxn>
-              <a:cxn ang="0">
-                <a:pos x="connsiteX28" y="connsiteY28"/>
-              </a:cxn>
-              <a:cxn ang="0">
-                <a:pos x="connsiteX29" y="connsiteY29"/>
-              </a:cxn>
-              <a:cxn ang="0">
-                <a:pos x="connsiteX30" y="connsiteY30"/>
-              </a:cxn>
-              <a:cxn ang="0">
-                <a:pos x="connsiteX31" y="connsiteY31"/>
-              </a:cxn>
-              <a:cxn ang="0">
-                <a:pos x="connsiteX32" y="connsiteY32"/>
-              </a:cxn>
-              <a:cxn ang="0">
-                <a:pos x="connsiteX33" y="connsiteY33"/>
-              </a:cxn>
-              <a:cxn ang="0">
-                <a:pos x="connsiteX34" y="connsiteY34"/>
-              </a:cxn>
-              <a:cxn ang="0">
-                <a:pos x="connsiteX35" y="connsiteY35"/>
-              </a:cxn>
-              <a:cxn ang="0">
-                <a:pos x="connsiteX36" y="connsiteY36"/>
-              </a:cxn>
-              <a:cxn ang="0">
-                <a:pos x="connsiteX37" y="connsiteY37"/>
-              </a:cxn>
-              <a:cxn ang="0">
-                <a:pos x="connsiteX38" y="connsiteY38"/>
-              </a:cxn>
-              <a:cxn ang="0">
-                <a:pos x="connsiteX39" y="connsiteY39"/>
-              </a:cxn>
-              <a:cxn ang="0">
-                <a:pos x="connsiteX40" y="connsiteY40"/>
-              </a:cxn>
-              <a:cxn ang="0">
-                <a:pos x="connsiteX41" y="connsiteY41"/>
-              </a:cxn>
-              <a:cxn ang="0">
-                <a:pos x="connsiteX42" y="connsiteY42"/>
-              </a:cxn>
-              <a:cxn ang="0">
-                <a:pos x="connsiteX43" y="connsiteY43"/>
-              </a:cxn>
-              <a:cxn ang="0">
-                <a:pos x="connsiteX44" y="connsiteY44"/>
-              </a:cxn>
-              <a:cxn ang="0">
-                <a:pos x="connsiteX45" y="connsiteY45"/>
-              </a:cxn>
-              <a:cxn ang="0">
-                <a:pos x="connsiteX46" y="connsiteY46"/>
-              </a:cxn>
-              <a:cxn ang="0">
-                <a:pos x="connsiteX47" y="connsiteY47"/>
-              </a:cxn>
-              <a:cxn ang="0">
-                <a:pos x="connsiteX48" y="connsiteY48"/>
-              </a:cxn>
-              <a:cxn ang="0">
-                <a:pos x="connsiteX49" y="connsiteY49"/>
-              </a:cxn>
-              <a:cxn ang="0">
-                <a:pos x="connsiteX50" y="connsiteY50"/>
-              </a:cxn>
-              <a:cxn ang="0">
-                <a:pos x="connsiteX51" y="connsiteY51"/>
-              </a:cxn>
-              <a:cxn ang="0">
-                <a:pos x="connsiteX52" y="connsiteY52"/>
-              </a:cxn>
-              <a:cxn ang="0">
-                <a:pos x="connsiteX53" y="connsiteY53"/>
-              </a:cxn>
-              <a:cxn ang="0">
-                <a:pos x="connsiteX54" y="connsiteY54"/>
-              </a:cxn>
-              <a:cxn ang="0">
-                <a:pos x="connsiteX55" y="connsiteY55"/>
-              </a:cxn>
-              <a:cxn ang="0">
-                <a:pos x="connsiteX56" y="connsiteY56"/>
-              </a:cxn>
-              <a:cxn ang="0">
-                <a:pos x="connsiteX57" y="connsiteY57"/>
-              </a:cxn>
-              <a:cxn ang="0">
-                <a:pos x="connsiteX58" y="connsiteY58"/>
-              </a:cxn>
-              <a:cxn ang="0">
-                <a:pos x="connsiteX59" y="connsiteY59"/>
-              </a:cxn>
-              <a:cxn ang="0">
-                <a:pos x="connsiteX60" y="connsiteY60"/>
-              </a:cxn>
-              <a:cxn ang="0">
-                <a:pos x="connsiteX61" y="connsiteY61"/>
-              </a:cxn>
-              <a:cxn ang="0">
-                <a:pos x="connsiteX62" y="connsiteY62"/>
-              </a:cxn>
-              <a:cxn ang="0">
-                <a:pos x="connsiteX63" y="connsiteY63"/>
-              </a:cxn>
-              <a:cxn ang="0">
-                <a:pos x="connsiteX64" y="connsiteY64"/>
-              </a:cxn>
-              <a:cxn ang="0">
-                <a:pos x="connsiteX65" y="connsiteY65"/>
-              </a:cxn>
-              <a:cxn ang="0">
-                <a:pos x="connsiteX66" y="connsiteY66"/>
-              </a:cxn>
-              <a:cxn ang="0">
-                <a:pos x="connsiteX67" y="connsiteY67"/>
-              </a:cxn>
-              <a:cxn ang="0">
-                <a:pos x="connsiteX68" y="connsiteY68"/>
-              </a:cxn>
-              <a:cxn ang="0">
-                <a:pos x="connsiteX69" y="connsiteY69"/>
-              </a:cxn>
-              <a:cxn ang="0">
-                <a:pos x="connsiteX70" y="connsiteY70"/>
-              </a:cxn>
-              <a:cxn ang="0">
-                <a:pos x="connsiteX71" y="connsiteY71"/>
-              </a:cxn>
-              <a:cxn ang="0">
-                <a:pos x="connsiteX72" y="connsiteY72"/>
-              </a:cxn>
-              <a:cxn ang="0">
-                <a:pos x="connsiteX73" y="connsiteY73"/>
-              </a:cxn>
-              <a:cxn ang="0">
-                <a:pos x="connsiteX74" y="connsiteY74"/>
-              </a:cxn>
-              <a:cxn ang="0">
-                <a:pos x="connsiteX75" y="connsiteY75"/>
-              </a:cxn>
-              <a:cxn ang="0">
-                <a:pos x="connsiteX76" y="connsiteY76"/>
-              </a:cxn>
-              <a:cxn ang="0">
-                <a:pos x="connsiteX77" y="connsiteY77"/>
-              </a:cxn>
-            </a:cxnLst>
-            <a:rect l="l" t="t" r="r" b="b"/>
-            <a:pathLst>
-              <a:path w="3475907" h="3740727">
-                <a:moveTo>
-                  <a:pt x="1529541" y="798021"/>
-                </a:moveTo>
-                <a:cubicBezTo>
-                  <a:pt x="1601585" y="778625"/>
-                  <a:pt x="1903277" y="866189"/>
-                  <a:pt x="2044930" y="748145"/>
-                </a:cubicBezTo>
-                <a:cubicBezTo>
-                  <a:pt x="2062992" y="733093"/>
-                  <a:pt x="2078181" y="714894"/>
-                  <a:pt x="2094807" y="698269"/>
-                </a:cubicBezTo>
-                <a:cubicBezTo>
-                  <a:pt x="2127172" y="601171"/>
-                  <a:pt x="2090969" y="695200"/>
-                  <a:pt x="2144683" y="598516"/>
-                </a:cubicBezTo>
-                <a:cubicBezTo>
-                  <a:pt x="2162737" y="566019"/>
-                  <a:pt x="2177934" y="532014"/>
-                  <a:pt x="2194560" y="498763"/>
-                </a:cubicBezTo>
-                <a:cubicBezTo>
-                  <a:pt x="2228144" y="162913"/>
-                  <a:pt x="2185095" y="470128"/>
-                  <a:pt x="2244436" y="232756"/>
-                </a:cubicBezTo>
-                <a:cubicBezTo>
-                  <a:pt x="2249978" y="210589"/>
-                  <a:pt x="2249724" y="186093"/>
-                  <a:pt x="2261061" y="166254"/>
-                </a:cubicBezTo>
-                <a:cubicBezTo>
-                  <a:pt x="2272726" y="145840"/>
-                  <a:pt x="2292379" y="130813"/>
-                  <a:pt x="2310938" y="116378"/>
-                </a:cubicBezTo>
-                <a:cubicBezTo>
-                  <a:pt x="2342482" y="91843"/>
-                  <a:pt x="2372778" y="62513"/>
-                  <a:pt x="2410690" y="49876"/>
-                </a:cubicBezTo>
-                <a:cubicBezTo>
-                  <a:pt x="2484079" y="25414"/>
-                  <a:pt x="2444892" y="41088"/>
-                  <a:pt x="2527069" y="0"/>
-                </a:cubicBezTo>
-                <a:cubicBezTo>
-                  <a:pt x="2621280" y="5542"/>
-                  <a:pt x="2718384" y="-7197"/>
-                  <a:pt x="2809701" y="16625"/>
-                </a:cubicBezTo>
-                <a:cubicBezTo>
-                  <a:pt x="2851582" y="27551"/>
-                  <a:pt x="2877104" y="70996"/>
-                  <a:pt x="2909454" y="99752"/>
-                </a:cubicBezTo>
-                <a:cubicBezTo>
-                  <a:pt x="2998570" y="178966"/>
-                  <a:pt x="2925926" y="116148"/>
-                  <a:pt x="2992581" y="216131"/>
-                </a:cubicBezTo>
-                <a:cubicBezTo>
-                  <a:pt x="3012265" y="245656"/>
-                  <a:pt x="3036916" y="271549"/>
-                  <a:pt x="3059083" y="299258"/>
-                </a:cubicBezTo>
-                <a:cubicBezTo>
-                  <a:pt x="3080403" y="363219"/>
-                  <a:pt x="3090637" y="409595"/>
-                  <a:pt x="3125585" y="465512"/>
-                </a:cubicBezTo>
-                <a:cubicBezTo>
-                  <a:pt x="3140271" y="489009"/>
-                  <a:pt x="3154608" y="513767"/>
-                  <a:pt x="3175461" y="532014"/>
-                </a:cubicBezTo>
-                <a:cubicBezTo>
-                  <a:pt x="3219830" y="570837"/>
-                  <a:pt x="3266262" y="577158"/>
-                  <a:pt x="3308465" y="615141"/>
-                </a:cubicBezTo>
-                <a:cubicBezTo>
-                  <a:pt x="3417219" y="713020"/>
-                  <a:pt x="3402334" y="697757"/>
-                  <a:pt x="3458094" y="781396"/>
-                </a:cubicBezTo>
-                <a:cubicBezTo>
-                  <a:pt x="3472224" y="866173"/>
-                  <a:pt x="3489878" y="910121"/>
-                  <a:pt x="3458094" y="997527"/>
-                </a:cubicBezTo>
-                <a:cubicBezTo>
-                  <a:pt x="3448625" y="1023568"/>
-                  <a:pt x="3427012" y="1043668"/>
-                  <a:pt x="3408218" y="1064029"/>
-                </a:cubicBezTo>
-                <a:cubicBezTo>
-                  <a:pt x="3360375" y="1115859"/>
-                  <a:pt x="3313668" y="1169595"/>
-                  <a:pt x="3258589" y="1213658"/>
-                </a:cubicBezTo>
-                <a:cubicBezTo>
-                  <a:pt x="3203171" y="1257992"/>
-                  <a:pt x="3142517" y="1296477"/>
-                  <a:pt x="3092334" y="1346661"/>
-                </a:cubicBezTo>
-                <a:cubicBezTo>
-                  <a:pt x="3053541" y="1385454"/>
-                  <a:pt x="3022999" y="1434814"/>
-                  <a:pt x="2975956" y="1463040"/>
-                </a:cubicBezTo>
-                <a:cubicBezTo>
-                  <a:pt x="2948247" y="1479665"/>
-                  <a:pt x="2918336" y="1493077"/>
-                  <a:pt x="2892829" y="1512916"/>
-                </a:cubicBezTo>
-                <a:cubicBezTo>
-                  <a:pt x="2868083" y="1532163"/>
-                  <a:pt x="2851230" y="1560375"/>
-                  <a:pt x="2826327" y="1579418"/>
-                </a:cubicBezTo>
-                <a:cubicBezTo>
-                  <a:pt x="2756722" y="1632645"/>
-                  <a:pt x="2672155" y="1667088"/>
-                  <a:pt x="2610196" y="1729047"/>
-                </a:cubicBezTo>
-                <a:lnTo>
-                  <a:pt x="2510443" y="1828800"/>
-                </a:lnTo>
-                <a:cubicBezTo>
-                  <a:pt x="2488276" y="1850967"/>
-                  <a:pt x="2470025" y="1877912"/>
-                  <a:pt x="2443941" y="1895301"/>
-                </a:cubicBezTo>
-                <a:lnTo>
-                  <a:pt x="2394065" y="1928552"/>
-                </a:lnTo>
-                <a:cubicBezTo>
-                  <a:pt x="2310741" y="2053540"/>
-                  <a:pt x="2430516" y="1880940"/>
-                  <a:pt x="2277687" y="2061556"/>
-                </a:cubicBezTo>
-                <a:cubicBezTo>
-                  <a:pt x="2241890" y="2103862"/>
-                  <a:pt x="2211185" y="2150225"/>
-                  <a:pt x="2177934" y="2194560"/>
-                </a:cubicBezTo>
-                <a:cubicBezTo>
-                  <a:pt x="2158546" y="2220411"/>
-                  <a:pt x="2147446" y="2251836"/>
-                  <a:pt x="2128058" y="2277687"/>
-                </a:cubicBezTo>
-                <a:cubicBezTo>
-                  <a:pt x="2113951" y="2296497"/>
-                  <a:pt x="2093482" y="2309711"/>
-                  <a:pt x="2078181" y="2327563"/>
-                </a:cubicBezTo>
-                <a:cubicBezTo>
-                  <a:pt x="1995692" y="2423800"/>
-                  <a:pt x="2066233" y="2368780"/>
-                  <a:pt x="1978429" y="2427316"/>
-                </a:cubicBezTo>
-                <a:cubicBezTo>
-                  <a:pt x="1928878" y="2501642"/>
-                  <a:pt x="1967020" y="2458283"/>
-                  <a:pt x="1895301" y="2510443"/>
-                </a:cubicBezTo>
-                <a:cubicBezTo>
-                  <a:pt x="1850482" y="2543038"/>
-                  <a:pt x="1762298" y="2610196"/>
-                  <a:pt x="1762298" y="2610196"/>
-                </a:cubicBezTo>
-                <a:cubicBezTo>
-                  <a:pt x="1634001" y="2824021"/>
-                  <a:pt x="1827569" y="2528299"/>
-                  <a:pt x="1562792" y="2793076"/>
-                </a:cubicBezTo>
-                <a:cubicBezTo>
-                  <a:pt x="1410612" y="2945256"/>
-                  <a:pt x="1595885" y="2764394"/>
-                  <a:pt x="1313410" y="3009207"/>
-                </a:cubicBezTo>
-                <a:cubicBezTo>
-                  <a:pt x="1225272" y="3085594"/>
-                  <a:pt x="1262583" y="3068443"/>
-                  <a:pt x="1180407" y="3158836"/>
-                </a:cubicBezTo>
-                <a:cubicBezTo>
-                  <a:pt x="1148775" y="3193631"/>
-                  <a:pt x="1113905" y="3225338"/>
-                  <a:pt x="1080654" y="3258589"/>
-                </a:cubicBezTo>
-                <a:cubicBezTo>
-                  <a:pt x="1052945" y="3286298"/>
-                  <a:pt x="1030132" y="3319979"/>
-                  <a:pt x="997527" y="3341716"/>
-                </a:cubicBezTo>
-                <a:cubicBezTo>
-                  <a:pt x="980901" y="3352800"/>
-                  <a:pt x="963000" y="3362175"/>
-                  <a:pt x="947650" y="3374967"/>
-                </a:cubicBezTo>
-                <a:cubicBezTo>
-                  <a:pt x="929588" y="3390019"/>
-                  <a:pt x="912826" y="3406781"/>
-                  <a:pt x="897774" y="3424843"/>
-                </a:cubicBezTo>
-                <a:cubicBezTo>
-                  <a:pt x="884982" y="3440193"/>
-                  <a:pt x="879694" y="3461716"/>
-                  <a:pt x="864523" y="3474720"/>
-                </a:cubicBezTo>
-                <a:cubicBezTo>
-                  <a:pt x="839988" y="3495750"/>
-                  <a:pt x="807529" y="3505590"/>
-                  <a:pt x="781396" y="3524596"/>
-                </a:cubicBezTo>
-                <a:cubicBezTo>
-                  <a:pt x="746391" y="3550054"/>
-                  <a:pt x="717102" y="3582902"/>
-                  <a:pt x="681643" y="3607723"/>
-                </a:cubicBezTo>
-                <a:cubicBezTo>
-                  <a:pt x="661339" y="3621936"/>
-                  <a:pt x="636659" y="3628678"/>
-                  <a:pt x="615141" y="3640974"/>
-                </a:cubicBezTo>
-                <a:cubicBezTo>
-                  <a:pt x="531657" y="3688679"/>
-                  <a:pt x="599245" y="3664413"/>
-                  <a:pt x="498763" y="3707476"/>
-                </a:cubicBezTo>
-                <a:cubicBezTo>
-                  <a:pt x="465375" y="3721785"/>
-                  <a:pt x="416126" y="3732292"/>
-                  <a:pt x="382385" y="3740727"/>
-                </a:cubicBezTo>
-                <a:cubicBezTo>
-                  <a:pt x="343592" y="3729643"/>
-                  <a:pt x="302093" y="3725519"/>
-                  <a:pt x="266007" y="3707476"/>
-                </a:cubicBezTo>
-                <a:cubicBezTo>
-                  <a:pt x="244977" y="3696961"/>
-                  <a:pt x="229172" y="3677163"/>
-                  <a:pt x="216130" y="3657600"/>
-                </a:cubicBezTo>
-                <a:cubicBezTo>
-                  <a:pt x="204647" y="3640376"/>
-                  <a:pt x="187630" y="3553888"/>
-                  <a:pt x="182880" y="3541221"/>
-                </a:cubicBezTo>
-                <a:cubicBezTo>
-                  <a:pt x="174178" y="3518015"/>
-                  <a:pt x="158331" y="3497925"/>
-                  <a:pt x="149629" y="3474720"/>
-                </a:cubicBezTo>
-                <a:cubicBezTo>
-                  <a:pt x="103617" y="3352023"/>
-                  <a:pt x="167137" y="3459420"/>
-                  <a:pt x="99752" y="3358341"/>
-                </a:cubicBezTo>
-                <a:cubicBezTo>
-                  <a:pt x="83127" y="3308465"/>
-                  <a:pt x="60187" y="3260265"/>
-                  <a:pt x="49876" y="3208712"/>
-                </a:cubicBezTo>
-                <a:cubicBezTo>
-                  <a:pt x="28389" y="3101283"/>
-                  <a:pt x="45887" y="3150860"/>
-                  <a:pt x="0" y="3059083"/>
-                </a:cubicBezTo>
-                <a:cubicBezTo>
-                  <a:pt x="5542" y="2998123"/>
-                  <a:pt x="3800" y="2936056"/>
-                  <a:pt x="16625" y="2876203"/>
-                </a:cubicBezTo>
-                <a:cubicBezTo>
-                  <a:pt x="21429" y="2853784"/>
-                  <a:pt x="84567" y="2785128"/>
-                  <a:pt x="99752" y="2776451"/>
-                </a:cubicBezTo>
-                <a:cubicBezTo>
-                  <a:pt x="119591" y="2765114"/>
-                  <a:pt x="144859" y="2767848"/>
-                  <a:pt x="166254" y="2759825"/>
-                </a:cubicBezTo>
-                <a:cubicBezTo>
-                  <a:pt x="329542" y="2698592"/>
-                  <a:pt x="110114" y="2749563"/>
-                  <a:pt x="349134" y="2693323"/>
-                </a:cubicBezTo>
-                <a:cubicBezTo>
-                  <a:pt x="404147" y="2680379"/>
-                  <a:pt x="459971" y="2671156"/>
-                  <a:pt x="515389" y="2660072"/>
-                </a:cubicBezTo>
-                <a:cubicBezTo>
-                  <a:pt x="543098" y="2654530"/>
-                  <a:pt x="571708" y="2652383"/>
-                  <a:pt x="598516" y="2643447"/>
-                </a:cubicBezTo>
-                <a:cubicBezTo>
-                  <a:pt x="723880" y="2601657"/>
-                  <a:pt x="569353" y="2658028"/>
-                  <a:pt x="698269" y="2593571"/>
-                </a:cubicBezTo>
-                <a:cubicBezTo>
-                  <a:pt x="713944" y="2585734"/>
-                  <a:pt x="732233" y="2584289"/>
-                  <a:pt x="748145" y="2576945"/>
-                </a:cubicBezTo>
-                <a:cubicBezTo>
-                  <a:pt x="804402" y="2550980"/>
-                  <a:pt x="855620" y="2513412"/>
-                  <a:pt x="914400" y="2493818"/>
-                </a:cubicBezTo>
-                <a:cubicBezTo>
-                  <a:pt x="985953" y="2469966"/>
-                  <a:pt x="947275" y="2481442"/>
-                  <a:pt x="1030778" y="2460567"/>
-                </a:cubicBezTo>
-                <a:cubicBezTo>
-                  <a:pt x="1097280" y="2416232"/>
-                  <a:pt x="1161748" y="2368684"/>
-                  <a:pt x="1230283" y="2327563"/>
-                </a:cubicBezTo>
-                <a:cubicBezTo>
-                  <a:pt x="1337405" y="2263290"/>
-                  <a:pt x="1221923" y="2367781"/>
-                  <a:pt x="1330036" y="2277687"/>
-                </a:cubicBezTo>
-                <a:cubicBezTo>
-                  <a:pt x="1384831" y="2232025"/>
-                  <a:pt x="1374698" y="2231786"/>
-                  <a:pt x="1413163" y="2177934"/>
-                </a:cubicBezTo>
-                <a:cubicBezTo>
-                  <a:pt x="1429269" y="2155386"/>
-                  <a:pt x="1446414" y="2133599"/>
-                  <a:pt x="1463040" y="2111432"/>
-                </a:cubicBezTo>
-                <a:cubicBezTo>
-                  <a:pt x="1468582" y="2094807"/>
-                  <a:pt x="1471828" y="2077230"/>
-                  <a:pt x="1479665" y="2061556"/>
-                </a:cubicBezTo>
-                <a:cubicBezTo>
-                  <a:pt x="1488601" y="2043684"/>
-                  <a:pt x="1505045" y="2030046"/>
-                  <a:pt x="1512916" y="2011680"/>
-                </a:cubicBezTo>
-                <a:cubicBezTo>
-                  <a:pt x="1521718" y="1991141"/>
-                  <a:pt x="1543209" y="1876839"/>
-                  <a:pt x="1546167" y="1862051"/>
-                </a:cubicBezTo>
-                <a:cubicBezTo>
-                  <a:pt x="1551709" y="1717964"/>
-                  <a:pt x="1553508" y="1573684"/>
-                  <a:pt x="1562792" y="1429789"/>
-                </a:cubicBezTo>
-                <a:cubicBezTo>
-                  <a:pt x="1565557" y="1386933"/>
-                  <a:pt x="1587396" y="1323395"/>
-                  <a:pt x="1596043" y="1280160"/>
-                </a:cubicBezTo>
-                <a:cubicBezTo>
-                  <a:pt x="1636808" y="1076336"/>
-                  <a:pt x="1590677" y="1268376"/>
-                  <a:pt x="1629294" y="1113905"/>
-                </a:cubicBezTo>
-                <a:cubicBezTo>
-                  <a:pt x="1623752" y="1030778"/>
-                  <a:pt x="1630742" y="945851"/>
-                  <a:pt x="1612669" y="864523"/>
-                </a:cubicBezTo>
-                <a:cubicBezTo>
-                  <a:pt x="1600715" y="810728"/>
-                  <a:pt x="1457497" y="817417"/>
-                  <a:pt x="1529541" y="798021"/>
-                </a:cubicBezTo>
-                <a:close/>
-              </a:path>
-            </a:pathLst>
-          </a:custGeom>
-          <a:solidFill>
-            <a:srgbClr val="2C700F"/>
-          </a:solidFill>
-        </p:spPr>
-        <p:style>
-          <a:lnRef idx="2">
-            <a:schemeClr val="accent1">
-              <a:shade val="50000"/>
-            </a:schemeClr>
-          </a:lnRef>
-          <a:fillRef idx="1">
-            <a:schemeClr val="accent1"/>
-          </a:fillRef>
-          <a:effectRef idx="0">
-            <a:schemeClr val="accent1"/>
-          </a:effectRef>
-          <a:fontRef idx="minor">
-            <a:schemeClr val="lt1"/>
-          </a:fontRef>
-        </p:style>
-        <p:txBody>
-          <a:bodyPr rtlCol="0" anchor="ctr"/>
-          <a:lstStyle/>
-          <a:p>
-            <a:pPr algn="ctr"/>
-            <a:endParaRPr lang="en-GB"/>
-          </a:p>
-        </p:txBody>
-      </p:sp>
-      <p:sp>
-        <p:nvSpPr>
           <p:cNvPr id="28" name="Freeform: Shape 27">
             <a:extLst>
               <a:ext uri="{FF2B5EF4-FFF2-40B4-BE49-F238E27FC236}">
@@ -9733,7 +7482,7 @@
         </p:nvSpPr>
         <p:spPr>
           <a:xfrm>
-            <a:off x="4189615" y="4405745"/>
+            <a:off x="3885505" y="4461725"/>
             <a:ext cx="1197032" cy="1895302"/>
           </a:xfrm>
           <a:custGeom>
@@ -9946,10 +7695,10 @@
       </p:sp>
       <p:sp>
         <p:nvSpPr>
-          <p:cNvPr id="29" name="Freeform: Shape 28">
+          <p:cNvPr id="3" name="Freeform: Shape 2">
             <a:extLst>
               <a:ext uri="{FF2B5EF4-FFF2-40B4-BE49-F238E27FC236}">
-                <a16:creationId xmlns:a16="http://schemas.microsoft.com/office/drawing/2014/main" id="{2971B178-8640-466A-911F-A3940F0CB775}"/>
+                <a16:creationId xmlns:a16="http://schemas.microsoft.com/office/drawing/2014/main" id="{CDF176E5-4E7B-4869-A1E5-9DCEA7950740}"/>
               </a:ext>
             </a:extLst>
           </p:cNvPr>
@@ -9958,424 +7707,40 @@
         </p:nvSpPr>
         <p:spPr>
           <a:xfrm>
-            <a:off x="5077981" y="4139737"/>
-            <a:ext cx="1937961" cy="2161309"/>
+            <a:off x="4891314" y="3860800"/>
+            <a:ext cx="2046515" cy="2148114"/>
           </a:xfrm>
           <a:custGeom>
             <a:avLst/>
             <a:gdLst>
-              <a:gd name="connsiteX0" fmla="*/ 116378 w 2079870"/>
-              <a:gd name="connsiteY0" fmla="*/ 49877 h 2310938"/>
-              <a:gd name="connsiteX1" fmla="*/ 83127 w 2079870"/>
-              <a:gd name="connsiteY1" fmla="*/ 149629 h 2310938"/>
-              <a:gd name="connsiteX2" fmla="*/ 66502 w 2079870"/>
-              <a:gd name="connsiteY2" fmla="*/ 232757 h 2310938"/>
-              <a:gd name="connsiteX3" fmla="*/ 133004 w 2079870"/>
-              <a:gd name="connsiteY3" fmla="*/ 565266 h 2310938"/>
-              <a:gd name="connsiteX4" fmla="*/ 282633 w 2079870"/>
-              <a:gd name="connsiteY4" fmla="*/ 681644 h 2310938"/>
-              <a:gd name="connsiteX5" fmla="*/ 332509 w 2079870"/>
-              <a:gd name="connsiteY5" fmla="*/ 731520 h 2310938"/>
-              <a:gd name="connsiteX6" fmla="*/ 382385 w 2079870"/>
-              <a:gd name="connsiteY6" fmla="*/ 914400 h 2310938"/>
-              <a:gd name="connsiteX7" fmla="*/ 415636 w 2079870"/>
-              <a:gd name="connsiteY7" fmla="*/ 1014153 h 2310938"/>
-              <a:gd name="connsiteX8" fmla="*/ 448887 w 2079870"/>
-              <a:gd name="connsiteY8" fmla="*/ 1213658 h 2310938"/>
-              <a:gd name="connsiteX9" fmla="*/ 465513 w 2079870"/>
-              <a:gd name="connsiteY9" fmla="*/ 1379913 h 2310938"/>
-              <a:gd name="connsiteX10" fmla="*/ 482138 w 2079870"/>
-              <a:gd name="connsiteY10" fmla="*/ 1496291 h 2310938"/>
-              <a:gd name="connsiteX11" fmla="*/ 498764 w 2079870"/>
-              <a:gd name="connsiteY11" fmla="*/ 1712422 h 2310938"/>
-              <a:gd name="connsiteX12" fmla="*/ 532014 w 2079870"/>
-              <a:gd name="connsiteY12" fmla="*/ 1778924 h 2310938"/>
-              <a:gd name="connsiteX13" fmla="*/ 565265 w 2079870"/>
-              <a:gd name="connsiteY13" fmla="*/ 1862051 h 2310938"/>
-              <a:gd name="connsiteX14" fmla="*/ 598516 w 2079870"/>
-              <a:gd name="connsiteY14" fmla="*/ 1961804 h 2310938"/>
-              <a:gd name="connsiteX15" fmla="*/ 648393 w 2079870"/>
-              <a:gd name="connsiteY15" fmla="*/ 2011680 h 2310938"/>
-              <a:gd name="connsiteX16" fmla="*/ 748145 w 2079870"/>
-              <a:gd name="connsiteY16" fmla="*/ 2177935 h 2310938"/>
-              <a:gd name="connsiteX17" fmla="*/ 831273 w 2079870"/>
-              <a:gd name="connsiteY17" fmla="*/ 2310938 h 2310938"/>
-              <a:gd name="connsiteX18" fmla="*/ 947651 w 2079870"/>
-              <a:gd name="connsiteY18" fmla="*/ 2294313 h 2310938"/>
-              <a:gd name="connsiteX19" fmla="*/ 997527 w 2079870"/>
-              <a:gd name="connsiteY19" fmla="*/ 2261062 h 2310938"/>
-              <a:gd name="connsiteX20" fmla="*/ 1113905 w 2079870"/>
-              <a:gd name="connsiteY20" fmla="*/ 2211186 h 2310938"/>
-              <a:gd name="connsiteX21" fmla="*/ 1163782 w 2079870"/>
-              <a:gd name="connsiteY21" fmla="*/ 2177935 h 2310938"/>
-              <a:gd name="connsiteX22" fmla="*/ 1197033 w 2079870"/>
-              <a:gd name="connsiteY22" fmla="*/ 2128058 h 2310938"/>
-              <a:gd name="connsiteX23" fmla="*/ 1280160 w 2079870"/>
-              <a:gd name="connsiteY23" fmla="*/ 1995055 h 2310938"/>
-              <a:gd name="connsiteX24" fmla="*/ 1296785 w 2079870"/>
-              <a:gd name="connsiteY24" fmla="*/ 1911928 h 2310938"/>
-              <a:gd name="connsiteX25" fmla="*/ 1313411 w 2079870"/>
-              <a:gd name="connsiteY25" fmla="*/ 1795549 h 2310938"/>
-              <a:gd name="connsiteX26" fmla="*/ 1330036 w 2079870"/>
-              <a:gd name="connsiteY26" fmla="*/ 1745673 h 2310938"/>
-              <a:gd name="connsiteX27" fmla="*/ 1363287 w 2079870"/>
-              <a:gd name="connsiteY27" fmla="*/ 1629295 h 2310938"/>
-              <a:gd name="connsiteX28" fmla="*/ 1379913 w 2079870"/>
-              <a:gd name="connsiteY28" fmla="*/ 1512917 h 2310938"/>
-              <a:gd name="connsiteX29" fmla="*/ 1396538 w 2079870"/>
-              <a:gd name="connsiteY29" fmla="*/ 1263535 h 2310938"/>
-              <a:gd name="connsiteX30" fmla="*/ 1429789 w 2079870"/>
-              <a:gd name="connsiteY30" fmla="*/ 1163782 h 2310938"/>
-              <a:gd name="connsiteX31" fmla="*/ 1529542 w 2079870"/>
-              <a:gd name="connsiteY31" fmla="*/ 1130531 h 2310938"/>
-              <a:gd name="connsiteX32" fmla="*/ 1629294 w 2079870"/>
-              <a:gd name="connsiteY32" fmla="*/ 1080655 h 2310938"/>
-              <a:gd name="connsiteX33" fmla="*/ 1695796 w 2079870"/>
-              <a:gd name="connsiteY33" fmla="*/ 1030778 h 2310938"/>
-              <a:gd name="connsiteX34" fmla="*/ 1745673 w 2079870"/>
-              <a:gd name="connsiteY34" fmla="*/ 997528 h 2310938"/>
-              <a:gd name="connsiteX35" fmla="*/ 1862051 w 2079870"/>
-              <a:gd name="connsiteY35" fmla="*/ 831273 h 2310938"/>
-              <a:gd name="connsiteX36" fmla="*/ 1878676 w 2079870"/>
-              <a:gd name="connsiteY36" fmla="*/ 781397 h 2310938"/>
-              <a:gd name="connsiteX37" fmla="*/ 1928553 w 2079870"/>
-              <a:gd name="connsiteY37" fmla="*/ 698269 h 2310938"/>
-              <a:gd name="connsiteX38" fmla="*/ 1995054 w 2079870"/>
-              <a:gd name="connsiteY38" fmla="*/ 498764 h 2310938"/>
-              <a:gd name="connsiteX39" fmla="*/ 2061556 w 2079870"/>
-              <a:gd name="connsiteY39" fmla="*/ 382386 h 2310938"/>
-              <a:gd name="connsiteX40" fmla="*/ 2061556 w 2079870"/>
-              <a:gd name="connsiteY40" fmla="*/ 249382 h 2310938"/>
-              <a:gd name="connsiteX41" fmla="*/ 1961804 w 2079870"/>
-              <a:gd name="connsiteY41" fmla="*/ 232757 h 2310938"/>
-              <a:gd name="connsiteX42" fmla="*/ 1878676 w 2079870"/>
-              <a:gd name="connsiteY42" fmla="*/ 199506 h 2310938"/>
-              <a:gd name="connsiteX43" fmla="*/ 1812174 w 2079870"/>
-              <a:gd name="connsiteY43" fmla="*/ 166255 h 2310938"/>
-              <a:gd name="connsiteX44" fmla="*/ 1512916 w 2079870"/>
-              <a:gd name="connsiteY44" fmla="*/ 116378 h 2310938"/>
-              <a:gd name="connsiteX45" fmla="*/ 1363287 w 2079870"/>
-              <a:gd name="connsiteY45" fmla="*/ 66502 h 2310938"/>
-              <a:gd name="connsiteX46" fmla="*/ 1180407 w 2079870"/>
-              <a:gd name="connsiteY46" fmla="*/ 33251 h 2310938"/>
-              <a:gd name="connsiteX47" fmla="*/ 1047404 w 2079870"/>
-              <a:gd name="connsiteY47" fmla="*/ 16626 h 2310938"/>
-              <a:gd name="connsiteX48" fmla="*/ 931025 w 2079870"/>
-              <a:gd name="connsiteY48" fmla="*/ 0 h 2310938"/>
-              <a:gd name="connsiteX49" fmla="*/ 332509 w 2079870"/>
-              <a:gd name="connsiteY49" fmla="*/ 16626 h 2310938"/>
-              <a:gd name="connsiteX50" fmla="*/ 282633 w 2079870"/>
-              <a:gd name="connsiteY50" fmla="*/ 66502 h 2310938"/>
-              <a:gd name="connsiteX51" fmla="*/ 199505 w 2079870"/>
-              <a:gd name="connsiteY51" fmla="*/ 166255 h 2310938"/>
-              <a:gd name="connsiteX52" fmla="*/ 0 w 2079870"/>
-              <a:gd name="connsiteY52" fmla="*/ 166255 h 2310938"/>
-              <a:gd name="connsiteX0" fmla="*/ 49984 w 2013476"/>
-              <a:gd name="connsiteY0" fmla="*/ 49877 h 2310938"/>
-              <a:gd name="connsiteX1" fmla="*/ 16733 w 2013476"/>
-              <a:gd name="connsiteY1" fmla="*/ 149629 h 2310938"/>
-              <a:gd name="connsiteX2" fmla="*/ 108 w 2013476"/>
-              <a:gd name="connsiteY2" fmla="*/ 232757 h 2310938"/>
-              <a:gd name="connsiteX3" fmla="*/ 66610 w 2013476"/>
-              <a:gd name="connsiteY3" fmla="*/ 565266 h 2310938"/>
-              <a:gd name="connsiteX4" fmla="*/ 216239 w 2013476"/>
-              <a:gd name="connsiteY4" fmla="*/ 681644 h 2310938"/>
-              <a:gd name="connsiteX5" fmla="*/ 266115 w 2013476"/>
-              <a:gd name="connsiteY5" fmla="*/ 731520 h 2310938"/>
-              <a:gd name="connsiteX6" fmla="*/ 315991 w 2013476"/>
-              <a:gd name="connsiteY6" fmla="*/ 914400 h 2310938"/>
-              <a:gd name="connsiteX7" fmla="*/ 349242 w 2013476"/>
-              <a:gd name="connsiteY7" fmla="*/ 1014153 h 2310938"/>
-              <a:gd name="connsiteX8" fmla="*/ 382493 w 2013476"/>
-              <a:gd name="connsiteY8" fmla="*/ 1213658 h 2310938"/>
-              <a:gd name="connsiteX9" fmla="*/ 399119 w 2013476"/>
-              <a:gd name="connsiteY9" fmla="*/ 1379913 h 2310938"/>
-              <a:gd name="connsiteX10" fmla="*/ 415744 w 2013476"/>
-              <a:gd name="connsiteY10" fmla="*/ 1496291 h 2310938"/>
-              <a:gd name="connsiteX11" fmla="*/ 432370 w 2013476"/>
-              <a:gd name="connsiteY11" fmla="*/ 1712422 h 2310938"/>
-              <a:gd name="connsiteX12" fmla="*/ 465620 w 2013476"/>
-              <a:gd name="connsiteY12" fmla="*/ 1778924 h 2310938"/>
-              <a:gd name="connsiteX13" fmla="*/ 498871 w 2013476"/>
-              <a:gd name="connsiteY13" fmla="*/ 1862051 h 2310938"/>
-              <a:gd name="connsiteX14" fmla="*/ 532122 w 2013476"/>
-              <a:gd name="connsiteY14" fmla="*/ 1961804 h 2310938"/>
-              <a:gd name="connsiteX15" fmla="*/ 581999 w 2013476"/>
-              <a:gd name="connsiteY15" fmla="*/ 2011680 h 2310938"/>
-              <a:gd name="connsiteX16" fmla="*/ 681751 w 2013476"/>
-              <a:gd name="connsiteY16" fmla="*/ 2177935 h 2310938"/>
-              <a:gd name="connsiteX17" fmla="*/ 764879 w 2013476"/>
-              <a:gd name="connsiteY17" fmla="*/ 2310938 h 2310938"/>
-              <a:gd name="connsiteX18" fmla="*/ 881257 w 2013476"/>
-              <a:gd name="connsiteY18" fmla="*/ 2294313 h 2310938"/>
-              <a:gd name="connsiteX19" fmla="*/ 931133 w 2013476"/>
-              <a:gd name="connsiteY19" fmla="*/ 2261062 h 2310938"/>
-              <a:gd name="connsiteX20" fmla="*/ 1047511 w 2013476"/>
-              <a:gd name="connsiteY20" fmla="*/ 2211186 h 2310938"/>
-              <a:gd name="connsiteX21" fmla="*/ 1097388 w 2013476"/>
-              <a:gd name="connsiteY21" fmla="*/ 2177935 h 2310938"/>
-              <a:gd name="connsiteX22" fmla="*/ 1130639 w 2013476"/>
-              <a:gd name="connsiteY22" fmla="*/ 2128058 h 2310938"/>
-              <a:gd name="connsiteX23" fmla="*/ 1213766 w 2013476"/>
-              <a:gd name="connsiteY23" fmla="*/ 1995055 h 2310938"/>
-              <a:gd name="connsiteX24" fmla="*/ 1230391 w 2013476"/>
-              <a:gd name="connsiteY24" fmla="*/ 1911928 h 2310938"/>
-              <a:gd name="connsiteX25" fmla="*/ 1247017 w 2013476"/>
-              <a:gd name="connsiteY25" fmla="*/ 1795549 h 2310938"/>
-              <a:gd name="connsiteX26" fmla="*/ 1263642 w 2013476"/>
-              <a:gd name="connsiteY26" fmla="*/ 1745673 h 2310938"/>
-              <a:gd name="connsiteX27" fmla="*/ 1296893 w 2013476"/>
-              <a:gd name="connsiteY27" fmla="*/ 1629295 h 2310938"/>
-              <a:gd name="connsiteX28" fmla="*/ 1313519 w 2013476"/>
-              <a:gd name="connsiteY28" fmla="*/ 1512917 h 2310938"/>
-              <a:gd name="connsiteX29" fmla="*/ 1330144 w 2013476"/>
-              <a:gd name="connsiteY29" fmla="*/ 1263535 h 2310938"/>
-              <a:gd name="connsiteX30" fmla="*/ 1363395 w 2013476"/>
-              <a:gd name="connsiteY30" fmla="*/ 1163782 h 2310938"/>
-              <a:gd name="connsiteX31" fmla="*/ 1463148 w 2013476"/>
-              <a:gd name="connsiteY31" fmla="*/ 1130531 h 2310938"/>
-              <a:gd name="connsiteX32" fmla="*/ 1562900 w 2013476"/>
-              <a:gd name="connsiteY32" fmla="*/ 1080655 h 2310938"/>
-              <a:gd name="connsiteX33" fmla="*/ 1629402 w 2013476"/>
-              <a:gd name="connsiteY33" fmla="*/ 1030778 h 2310938"/>
-              <a:gd name="connsiteX34" fmla="*/ 1679279 w 2013476"/>
-              <a:gd name="connsiteY34" fmla="*/ 997528 h 2310938"/>
-              <a:gd name="connsiteX35" fmla="*/ 1795657 w 2013476"/>
-              <a:gd name="connsiteY35" fmla="*/ 831273 h 2310938"/>
-              <a:gd name="connsiteX36" fmla="*/ 1812282 w 2013476"/>
-              <a:gd name="connsiteY36" fmla="*/ 781397 h 2310938"/>
-              <a:gd name="connsiteX37" fmla="*/ 1862159 w 2013476"/>
-              <a:gd name="connsiteY37" fmla="*/ 698269 h 2310938"/>
-              <a:gd name="connsiteX38" fmla="*/ 1928660 w 2013476"/>
-              <a:gd name="connsiteY38" fmla="*/ 498764 h 2310938"/>
-              <a:gd name="connsiteX39" fmla="*/ 1995162 w 2013476"/>
-              <a:gd name="connsiteY39" fmla="*/ 382386 h 2310938"/>
-              <a:gd name="connsiteX40" fmla="*/ 1995162 w 2013476"/>
-              <a:gd name="connsiteY40" fmla="*/ 249382 h 2310938"/>
-              <a:gd name="connsiteX41" fmla="*/ 1895410 w 2013476"/>
-              <a:gd name="connsiteY41" fmla="*/ 232757 h 2310938"/>
-              <a:gd name="connsiteX42" fmla="*/ 1812282 w 2013476"/>
-              <a:gd name="connsiteY42" fmla="*/ 199506 h 2310938"/>
-              <a:gd name="connsiteX43" fmla="*/ 1745780 w 2013476"/>
-              <a:gd name="connsiteY43" fmla="*/ 166255 h 2310938"/>
-              <a:gd name="connsiteX44" fmla="*/ 1446522 w 2013476"/>
-              <a:gd name="connsiteY44" fmla="*/ 116378 h 2310938"/>
-              <a:gd name="connsiteX45" fmla="*/ 1296893 w 2013476"/>
-              <a:gd name="connsiteY45" fmla="*/ 66502 h 2310938"/>
-              <a:gd name="connsiteX46" fmla="*/ 1114013 w 2013476"/>
-              <a:gd name="connsiteY46" fmla="*/ 33251 h 2310938"/>
-              <a:gd name="connsiteX47" fmla="*/ 981010 w 2013476"/>
-              <a:gd name="connsiteY47" fmla="*/ 16626 h 2310938"/>
-              <a:gd name="connsiteX48" fmla="*/ 864631 w 2013476"/>
-              <a:gd name="connsiteY48" fmla="*/ 0 h 2310938"/>
-              <a:gd name="connsiteX49" fmla="*/ 266115 w 2013476"/>
-              <a:gd name="connsiteY49" fmla="*/ 16626 h 2310938"/>
-              <a:gd name="connsiteX50" fmla="*/ 216239 w 2013476"/>
-              <a:gd name="connsiteY50" fmla="*/ 66502 h 2310938"/>
-              <a:gd name="connsiteX51" fmla="*/ 133111 w 2013476"/>
-              <a:gd name="connsiteY51" fmla="*/ 166255 h 2310938"/>
-              <a:gd name="connsiteX0" fmla="*/ 33465 w 1996957"/>
-              <a:gd name="connsiteY0" fmla="*/ 49877 h 2310938"/>
-              <a:gd name="connsiteX1" fmla="*/ 214 w 1996957"/>
-              <a:gd name="connsiteY1" fmla="*/ 149629 h 2310938"/>
-              <a:gd name="connsiteX2" fmla="*/ 50091 w 1996957"/>
-              <a:gd name="connsiteY2" fmla="*/ 565266 h 2310938"/>
-              <a:gd name="connsiteX3" fmla="*/ 199720 w 1996957"/>
-              <a:gd name="connsiteY3" fmla="*/ 681644 h 2310938"/>
-              <a:gd name="connsiteX4" fmla="*/ 249596 w 1996957"/>
-              <a:gd name="connsiteY4" fmla="*/ 731520 h 2310938"/>
-              <a:gd name="connsiteX5" fmla="*/ 299472 w 1996957"/>
-              <a:gd name="connsiteY5" fmla="*/ 914400 h 2310938"/>
-              <a:gd name="connsiteX6" fmla="*/ 332723 w 1996957"/>
-              <a:gd name="connsiteY6" fmla="*/ 1014153 h 2310938"/>
-              <a:gd name="connsiteX7" fmla="*/ 365974 w 1996957"/>
-              <a:gd name="connsiteY7" fmla="*/ 1213658 h 2310938"/>
-              <a:gd name="connsiteX8" fmla="*/ 382600 w 1996957"/>
-              <a:gd name="connsiteY8" fmla="*/ 1379913 h 2310938"/>
-              <a:gd name="connsiteX9" fmla="*/ 399225 w 1996957"/>
-              <a:gd name="connsiteY9" fmla="*/ 1496291 h 2310938"/>
-              <a:gd name="connsiteX10" fmla="*/ 415851 w 1996957"/>
-              <a:gd name="connsiteY10" fmla="*/ 1712422 h 2310938"/>
-              <a:gd name="connsiteX11" fmla="*/ 449101 w 1996957"/>
-              <a:gd name="connsiteY11" fmla="*/ 1778924 h 2310938"/>
-              <a:gd name="connsiteX12" fmla="*/ 482352 w 1996957"/>
-              <a:gd name="connsiteY12" fmla="*/ 1862051 h 2310938"/>
-              <a:gd name="connsiteX13" fmla="*/ 515603 w 1996957"/>
-              <a:gd name="connsiteY13" fmla="*/ 1961804 h 2310938"/>
-              <a:gd name="connsiteX14" fmla="*/ 565480 w 1996957"/>
-              <a:gd name="connsiteY14" fmla="*/ 2011680 h 2310938"/>
-              <a:gd name="connsiteX15" fmla="*/ 665232 w 1996957"/>
-              <a:gd name="connsiteY15" fmla="*/ 2177935 h 2310938"/>
-              <a:gd name="connsiteX16" fmla="*/ 748360 w 1996957"/>
-              <a:gd name="connsiteY16" fmla="*/ 2310938 h 2310938"/>
-              <a:gd name="connsiteX17" fmla="*/ 864738 w 1996957"/>
-              <a:gd name="connsiteY17" fmla="*/ 2294313 h 2310938"/>
-              <a:gd name="connsiteX18" fmla="*/ 914614 w 1996957"/>
-              <a:gd name="connsiteY18" fmla="*/ 2261062 h 2310938"/>
-              <a:gd name="connsiteX19" fmla="*/ 1030992 w 1996957"/>
-              <a:gd name="connsiteY19" fmla="*/ 2211186 h 2310938"/>
-              <a:gd name="connsiteX20" fmla="*/ 1080869 w 1996957"/>
-              <a:gd name="connsiteY20" fmla="*/ 2177935 h 2310938"/>
-              <a:gd name="connsiteX21" fmla="*/ 1114120 w 1996957"/>
-              <a:gd name="connsiteY21" fmla="*/ 2128058 h 2310938"/>
-              <a:gd name="connsiteX22" fmla="*/ 1197247 w 1996957"/>
-              <a:gd name="connsiteY22" fmla="*/ 1995055 h 2310938"/>
-              <a:gd name="connsiteX23" fmla="*/ 1213872 w 1996957"/>
-              <a:gd name="connsiteY23" fmla="*/ 1911928 h 2310938"/>
-              <a:gd name="connsiteX24" fmla="*/ 1230498 w 1996957"/>
-              <a:gd name="connsiteY24" fmla="*/ 1795549 h 2310938"/>
-              <a:gd name="connsiteX25" fmla="*/ 1247123 w 1996957"/>
-              <a:gd name="connsiteY25" fmla="*/ 1745673 h 2310938"/>
-              <a:gd name="connsiteX26" fmla="*/ 1280374 w 1996957"/>
-              <a:gd name="connsiteY26" fmla="*/ 1629295 h 2310938"/>
-              <a:gd name="connsiteX27" fmla="*/ 1297000 w 1996957"/>
-              <a:gd name="connsiteY27" fmla="*/ 1512917 h 2310938"/>
-              <a:gd name="connsiteX28" fmla="*/ 1313625 w 1996957"/>
-              <a:gd name="connsiteY28" fmla="*/ 1263535 h 2310938"/>
-              <a:gd name="connsiteX29" fmla="*/ 1346876 w 1996957"/>
-              <a:gd name="connsiteY29" fmla="*/ 1163782 h 2310938"/>
-              <a:gd name="connsiteX30" fmla="*/ 1446629 w 1996957"/>
-              <a:gd name="connsiteY30" fmla="*/ 1130531 h 2310938"/>
-              <a:gd name="connsiteX31" fmla="*/ 1546381 w 1996957"/>
-              <a:gd name="connsiteY31" fmla="*/ 1080655 h 2310938"/>
-              <a:gd name="connsiteX32" fmla="*/ 1612883 w 1996957"/>
-              <a:gd name="connsiteY32" fmla="*/ 1030778 h 2310938"/>
-              <a:gd name="connsiteX33" fmla="*/ 1662760 w 1996957"/>
-              <a:gd name="connsiteY33" fmla="*/ 997528 h 2310938"/>
-              <a:gd name="connsiteX34" fmla="*/ 1779138 w 1996957"/>
-              <a:gd name="connsiteY34" fmla="*/ 831273 h 2310938"/>
-              <a:gd name="connsiteX35" fmla="*/ 1795763 w 1996957"/>
-              <a:gd name="connsiteY35" fmla="*/ 781397 h 2310938"/>
-              <a:gd name="connsiteX36" fmla="*/ 1845640 w 1996957"/>
-              <a:gd name="connsiteY36" fmla="*/ 698269 h 2310938"/>
-              <a:gd name="connsiteX37" fmla="*/ 1912141 w 1996957"/>
-              <a:gd name="connsiteY37" fmla="*/ 498764 h 2310938"/>
-              <a:gd name="connsiteX38" fmla="*/ 1978643 w 1996957"/>
-              <a:gd name="connsiteY38" fmla="*/ 382386 h 2310938"/>
-              <a:gd name="connsiteX39" fmla="*/ 1978643 w 1996957"/>
-              <a:gd name="connsiteY39" fmla="*/ 249382 h 2310938"/>
-              <a:gd name="connsiteX40" fmla="*/ 1878891 w 1996957"/>
-              <a:gd name="connsiteY40" fmla="*/ 232757 h 2310938"/>
-              <a:gd name="connsiteX41" fmla="*/ 1795763 w 1996957"/>
-              <a:gd name="connsiteY41" fmla="*/ 199506 h 2310938"/>
-              <a:gd name="connsiteX42" fmla="*/ 1729261 w 1996957"/>
-              <a:gd name="connsiteY42" fmla="*/ 166255 h 2310938"/>
-              <a:gd name="connsiteX43" fmla="*/ 1430003 w 1996957"/>
-              <a:gd name="connsiteY43" fmla="*/ 116378 h 2310938"/>
-              <a:gd name="connsiteX44" fmla="*/ 1280374 w 1996957"/>
-              <a:gd name="connsiteY44" fmla="*/ 66502 h 2310938"/>
-              <a:gd name="connsiteX45" fmla="*/ 1097494 w 1996957"/>
-              <a:gd name="connsiteY45" fmla="*/ 33251 h 2310938"/>
-              <a:gd name="connsiteX46" fmla="*/ 964491 w 1996957"/>
-              <a:gd name="connsiteY46" fmla="*/ 16626 h 2310938"/>
-              <a:gd name="connsiteX47" fmla="*/ 848112 w 1996957"/>
-              <a:gd name="connsiteY47" fmla="*/ 0 h 2310938"/>
-              <a:gd name="connsiteX48" fmla="*/ 249596 w 1996957"/>
-              <a:gd name="connsiteY48" fmla="*/ 16626 h 2310938"/>
-              <a:gd name="connsiteX49" fmla="*/ 199720 w 1996957"/>
-              <a:gd name="connsiteY49" fmla="*/ 66502 h 2310938"/>
-              <a:gd name="connsiteX50" fmla="*/ 116592 w 1996957"/>
-              <a:gd name="connsiteY50" fmla="*/ 166255 h 2310938"/>
-              <a:gd name="connsiteX0" fmla="*/ 0 w 1996743"/>
-              <a:gd name="connsiteY0" fmla="*/ 149629 h 2310938"/>
-              <a:gd name="connsiteX1" fmla="*/ 49877 w 1996743"/>
-              <a:gd name="connsiteY1" fmla="*/ 565266 h 2310938"/>
-              <a:gd name="connsiteX2" fmla="*/ 199506 w 1996743"/>
-              <a:gd name="connsiteY2" fmla="*/ 681644 h 2310938"/>
-              <a:gd name="connsiteX3" fmla="*/ 249382 w 1996743"/>
-              <a:gd name="connsiteY3" fmla="*/ 731520 h 2310938"/>
-              <a:gd name="connsiteX4" fmla="*/ 299258 w 1996743"/>
-              <a:gd name="connsiteY4" fmla="*/ 914400 h 2310938"/>
-              <a:gd name="connsiteX5" fmla="*/ 332509 w 1996743"/>
-              <a:gd name="connsiteY5" fmla="*/ 1014153 h 2310938"/>
-              <a:gd name="connsiteX6" fmla="*/ 365760 w 1996743"/>
-              <a:gd name="connsiteY6" fmla="*/ 1213658 h 2310938"/>
-              <a:gd name="connsiteX7" fmla="*/ 382386 w 1996743"/>
-              <a:gd name="connsiteY7" fmla="*/ 1379913 h 2310938"/>
-              <a:gd name="connsiteX8" fmla="*/ 399011 w 1996743"/>
-              <a:gd name="connsiteY8" fmla="*/ 1496291 h 2310938"/>
-              <a:gd name="connsiteX9" fmla="*/ 415637 w 1996743"/>
-              <a:gd name="connsiteY9" fmla="*/ 1712422 h 2310938"/>
-              <a:gd name="connsiteX10" fmla="*/ 448887 w 1996743"/>
-              <a:gd name="connsiteY10" fmla="*/ 1778924 h 2310938"/>
-              <a:gd name="connsiteX11" fmla="*/ 482138 w 1996743"/>
-              <a:gd name="connsiteY11" fmla="*/ 1862051 h 2310938"/>
-              <a:gd name="connsiteX12" fmla="*/ 515389 w 1996743"/>
-              <a:gd name="connsiteY12" fmla="*/ 1961804 h 2310938"/>
-              <a:gd name="connsiteX13" fmla="*/ 565266 w 1996743"/>
-              <a:gd name="connsiteY13" fmla="*/ 2011680 h 2310938"/>
-              <a:gd name="connsiteX14" fmla="*/ 665018 w 1996743"/>
-              <a:gd name="connsiteY14" fmla="*/ 2177935 h 2310938"/>
-              <a:gd name="connsiteX15" fmla="*/ 748146 w 1996743"/>
-              <a:gd name="connsiteY15" fmla="*/ 2310938 h 2310938"/>
-              <a:gd name="connsiteX16" fmla="*/ 864524 w 1996743"/>
-              <a:gd name="connsiteY16" fmla="*/ 2294313 h 2310938"/>
-              <a:gd name="connsiteX17" fmla="*/ 914400 w 1996743"/>
-              <a:gd name="connsiteY17" fmla="*/ 2261062 h 2310938"/>
-              <a:gd name="connsiteX18" fmla="*/ 1030778 w 1996743"/>
-              <a:gd name="connsiteY18" fmla="*/ 2211186 h 2310938"/>
-              <a:gd name="connsiteX19" fmla="*/ 1080655 w 1996743"/>
-              <a:gd name="connsiteY19" fmla="*/ 2177935 h 2310938"/>
-              <a:gd name="connsiteX20" fmla="*/ 1113906 w 1996743"/>
-              <a:gd name="connsiteY20" fmla="*/ 2128058 h 2310938"/>
-              <a:gd name="connsiteX21" fmla="*/ 1197033 w 1996743"/>
-              <a:gd name="connsiteY21" fmla="*/ 1995055 h 2310938"/>
-              <a:gd name="connsiteX22" fmla="*/ 1213658 w 1996743"/>
-              <a:gd name="connsiteY22" fmla="*/ 1911928 h 2310938"/>
-              <a:gd name="connsiteX23" fmla="*/ 1230284 w 1996743"/>
-              <a:gd name="connsiteY23" fmla="*/ 1795549 h 2310938"/>
-              <a:gd name="connsiteX24" fmla="*/ 1246909 w 1996743"/>
-              <a:gd name="connsiteY24" fmla="*/ 1745673 h 2310938"/>
-              <a:gd name="connsiteX25" fmla="*/ 1280160 w 1996743"/>
-              <a:gd name="connsiteY25" fmla="*/ 1629295 h 2310938"/>
-              <a:gd name="connsiteX26" fmla="*/ 1296786 w 1996743"/>
-              <a:gd name="connsiteY26" fmla="*/ 1512917 h 2310938"/>
-              <a:gd name="connsiteX27" fmla="*/ 1313411 w 1996743"/>
-              <a:gd name="connsiteY27" fmla="*/ 1263535 h 2310938"/>
-              <a:gd name="connsiteX28" fmla="*/ 1346662 w 1996743"/>
-              <a:gd name="connsiteY28" fmla="*/ 1163782 h 2310938"/>
-              <a:gd name="connsiteX29" fmla="*/ 1446415 w 1996743"/>
-              <a:gd name="connsiteY29" fmla="*/ 1130531 h 2310938"/>
-              <a:gd name="connsiteX30" fmla="*/ 1546167 w 1996743"/>
-              <a:gd name="connsiteY30" fmla="*/ 1080655 h 2310938"/>
-              <a:gd name="connsiteX31" fmla="*/ 1612669 w 1996743"/>
-              <a:gd name="connsiteY31" fmla="*/ 1030778 h 2310938"/>
-              <a:gd name="connsiteX32" fmla="*/ 1662546 w 1996743"/>
-              <a:gd name="connsiteY32" fmla="*/ 997528 h 2310938"/>
-              <a:gd name="connsiteX33" fmla="*/ 1778924 w 1996743"/>
-              <a:gd name="connsiteY33" fmla="*/ 831273 h 2310938"/>
-              <a:gd name="connsiteX34" fmla="*/ 1795549 w 1996743"/>
-              <a:gd name="connsiteY34" fmla="*/ 781397 h 2310938"/>
-              <a:gd name="connsiteX35" fmla="*/ 1845426 w 1996743"/>
-              <a:gd name="connsiteY35" fmla="*/ 698269 h 2310938"/>
-              <a:gd name="connsiteX36" fmla="*/ 1911927 w 1996743"/>
-              <a:gd name="connsiteY36" fmla="*/ 498764 h 2310938"/>
-              <a:gd name="connsiteX37" fmla="*/ 1978429 w 1996743"/>
-              <a:gd name="connsiteY37" fmla="*/ 382386 h 2310938"/>
-              <a:gd name="connsiteX38" fmla="*/ 1978429 w 1996743"/>
-              <a:gd name="connsiteY38" fmla="*/ 249382 h 2310938"/>
-              <a:gd name="connsiteX39" fmla="*/ 1878677 w 1996743"/>
-              <a:gd name="connsiteY39" fmla="*/ 232757 h 2310938"/>
-              <a:gd name="connsiteX40" fmla="*/ 1795549 w 1996743"/>
-              <a:gd name="connsiteY40" fmla="*/ 199506 h 2310938"/>
-              <a:gd name="connsiteX41" fmla="*/ 1729047 w 1996743"/>
-              <a:gd name="connsiteY41" fmla="*/ 166255 h 2310938"/>
-              <a:gd name="connsiteX42" fmla="*/ 1429789 w 1996743"/>
-              <a:gd name="connsiteY42" fmla="*/ 116378 h 2310938"/>
-              <a:gd name="connsiteX43" fmla="*/ 1280160 w 1996743"/>
-              <a:gd name="connsiteY43" fmla="*/ 66502 h 2310938"/>
-              <a:gd name="connsiteX44" fmla="*/ 1097280 w 1996743"/>
-              <a:gd name="connsiteY44" fmla="*/ 33251 h 2310938"/>
-              <a:gd name="connsiteX45" fmla="*/ 964277 w 1996743"/>
-              <a:gd name="connsiteY45" fmla="*/ 16626 h 2310938"/>
-              <a:gd name="connsiteX46" fmla="*/ 847898 w 1996743"/>
-              <a:gd name="connsiteY46" fmla="*/ 0 h 2310938"/>
-              <a:gd name="connsiteX47" fmla="*/ 249382 w 1996743"/>
-              <a:gd name="connsiteY47" fmla="*/ 16626 h 2310938"/>
-              <a:gd name="connsiteX48" fmla="*/ 199506 w 1996743"/>
-              <a:gd name="connsiteY48" fmla="*/ 66502 h 2310938"/>
-              <a:gd name="connsiteX49" fmla="*/ 116378 w 1996743"/>
-              <a:gd name="connsiteY49" fmla="*/ 166255 h 2310938"/>
+              <a:gd name="connsiteX0" fmla="*/ 595086 w 2046515"/>
+              <a:gd name="connsiteY0" fmla="*/ 2148114 h 2148114"/>
+              <a:gd name="connsiteX1" fmla="*/ 1407886 w 2046515"/>
+              <a:gd name="connsiteY1" fmla="*/ 2119086 h 2148114"/>
+              <a:gd name="connsiteX2" fmla="*/ 1393372 w 2046515"/>
+              <a:gd name="connsiteY2" fmla="*/ 1335314 h 2148114"/>
+              <a:gd name="connsiteX3" fmla="*/ 1625600 w 2046515"/>
+              <a:gd name="connsiteY3" fmla="*/ 1190171 h 2148114"/>
+              <a:gd name="connsiteX4" fmla="*/ 2046515 w 2046515"/>
+              <a:gd name="connsiteY4" fmla="*/ 624114 h 2148114"/>
+              <a:gd name="connsiteX5" fmla="*/ 1901372 w 2046515"/>
+              <a:gd name="connsiteY5" fmla="*/ 435429 h 2148114"/>
+              <a:gd name="connsiteX6" fmla="*/ 856343 w 2046515"/>
+              <a:gd name="connsiteY6" fmla="*/ 0 h 2148114"/>
+              <a:gd name="connsiteX7" fmla="*/ 740229 w 2046515"/>
+              <a:gd name="connsiteY7" fmla="*/ 188686 h 2148114"/>
+              <a:gd name="connsiteX8" fmla="*/ 406400 w 2046515"/>
+              <a:gd name="connsiteY8" fmla="*/ 333829 h 2148114"/>
+              <a:gd name="connsiteX9" fmla="*/ 145143 w 2046515"/>
+              <a:gd name="connsiteY9" fmla="*/ 362857 h 2148114"/>
+              <a:gd name="connsiteX10" fmla="*/ 0 w 2046515"/>
+              <a:gd name="connsiteY10" fmla="*/ 841829 h 2148114"/>
+              <a:gd name="connsiteX11" fmla="*/ 638629 w 2046515"/>
+              <a:gd name="connsiteY11" fmla="*/ 1103086 h 2148114"/>
+              <a:gd name="connsiteX12" fmla="*/ 537029 w 2046515"/>
+              <a:gd name="connsiteY12" fmla="*/ 1625600 h 2148114"/>
+              <a:gd name="connsiteX13" fmla="*/ 595086 w 2046515"/>
+              <a:gd name="connsiteY13" fmla="*/ 2148114 h 2148114"/>
             </a:gdLst>
             <a:ahLst/>
             <a:cxnLst>
@@ -10421,362 +7786,53 @@
               <a:cxn ang="0">
                 <a:pos x="connsiteX13" y="connsiteY13"/>
               </a:cxn>
-              <a:cxn ang="0">
-                <a:pos x="connsiteX14" y="connsiteY14"/>
-              </a:cxn>
-              <a:cxn ang="0">
-                <a:pos x="connsiteX15" y="connsiteY15"/>
-              </a:cxn>
-              <a:cxn ang="0">
-                <a:pos x="connsiteX16" y="connsiteY16"/>
-              </a:cxn>
-              <a:cxn ang="0">
-                <a:pos x="connsiteX17" y="connsiteY17"/>
-              </a:cxn>
-              <a:cxn ang="0">
-                <a:pos x="connsiteX18" y="connsiteY18"/>
-              </a:cxn>
-              <a:cxn ang="0">
-                <a:pos x="connsiteX19" y="connsiteY19"/>
-              </a:cxn>
-              <a:cxn ang="0">
-                <a:pos x="connsiteX20" y="connsiteY20"/>
-              </a:cxn>
-              <a:cxn ang="0">
-                <a:pos x="connsiteX21" y="connsiteY21"/>
-              </a:cxn>
-              <a:cxn ang="0">
-                <a:pos x="connsiteX22" y="connsiteY22"/>
-              </a:cxn>
-              <a:cxn ang="0">
-                <a:pos x="connsiteX23" y="connsiteY23"/>
-              </a:cxn>
-              <a:cxn ang="0">
-                <a:pos x="connsiteX24" y="connsiteY24"/>
-              </a:cxn>
-              <a:cxn ang="0">
-                <a:pos x="connsiteX25" y="connsiteY25"/>
-              </a:cxn>
-              <a:cxn ang="0">
-                <a:pos x="connsiteX26" y="connsiteY26"/>
-              </a:cxn>
-              <a:cxn ang="0">
-                <a:pos x="connsiteX27" y="connsiteY27"/>
-              </a:cxn>
-              <a:cxn ang="0">
-                <a:pos x="connsiteX28" y="connsiteY28"/>
-              </a:cxn>
-              <a:cxn ang="0">
-                <a:pos x="connsiteX29" y="connsiteY29"/>
-              </a:cxn>
-              <a:cxn ang="0">
-                <a:pos x="connsiteX30" y="connsiteY30"/>
-              </a:cxn>
-              <a:cxn ang="0">
-                <a:pos x="connsiteX31" y="connsiteY31"/>
-              </a:cxn>
-              <a:cxn ang="0">
-                <a:pos x="connsiteX32" y="connsiteY32"/>
-              </a:cxn>
-              <a:cxn ang="0">
-                <a:pos x="connsiteX33" y="connsiteY33"/>
-              </a:cxn>
-              <a:cxn ang="0">
-                <a:pos x="connsiteX34" y="connsiteY34"/>
-              </a:cxn>
-              <a:cxn ang="0">
-                <a:pos x="connsiteX35" y="connsiteY35"/>
-              </a:cxn>
-              <a:cxn ang="0">
-                <a:pos x="connsiteX36" y="connsiteY36"/>
-              </a:cxn>
-              <a:cxn ang="0">
-                <a:pos x="connsiteX37" y="connsiteY37"/>
-              </a:cxn>
-              <a:cxn ang="0">
-                <a:pos x="connsiteX38" y="connsiteY38"/>
-              </a:cxn>
-              <a:cxn ang="0">
-                <a:pos x="connsiteX39" y="connsiteY39"/>
-              </a:cxn>
-              <a:cxn ang="0">
-                <a:pos x="connsiteX40" y="connsiteY40"/>
-              </a:cxn>
-              <a:cxn ang="0">
-                <a:pos x="connsiteX41" y="connsiteY41"/>
-              </a:cxn>
-              <a:cxn ang="0">
-                <a:pos x="connsiteX42" y="connsiteY42"/>
-              </a:cxn>
-              <a:cxn ang="0">
-                <a:pos x="connsiteX43" y="connsiteY43"/>
-              </a:cxn>
-              <a:cxn ang="0">
-                <a:pos x="connsiteX44" y="connsiteY44"/>
-              </a:cxn>
-              <a:cxn ang="0">
-                <a:pos x="connsiteX45" y="connsiteY45"/>
-              </a:cxn>
-              <a:cxn ang="0">
-                <a:pos x="connsiteX46" y="connsiteY46"/>
-              </a:cxn>
-              <a:cxn ang="0">
-                <a:pos x="connsiteX47" y="connsiteY47"/>
-              </a:cxn>
-              <a:cxn ang="0">
-                <a:pos x="connsiteX48" y="connsiteY48"/>
-              </a:cxn>
-              <a:cxn ang="0">
-                <a:pos x="connsiteX49" y="connsiteY49"/>
-              </a:cxn>
             </a:cxnLst>
             <a:rect l="l" t="t" r="r" b="b"/>
             <a:pathLst>
-              <a:path w="1996743" h="2310938">
+              <a:path w="2046515" h="2148114">
                 <a:moveTo>
-                  <a:pt x="0" y="149629"/>
+                  <a:pt x="595086" y="2148114"/>
                 </a:moveTo>
-                <a:cubicBezTo>
-                  <a:pt x="2771" y="235527"/>
-                  <a:pt x="16626" y="476597"/>
-                  <a:pt x="49877" y="565266"/>
-                </a:cubicBezTo>
-                <a:cubicBezTo>
-                  <a:pt x="83128" y="653935"/>
-                  <a:pt x="14141" y="496279"/>
-                  <a:pt x="199506" y="681644"/>
-                </a:cubicBezTo>
                 <a:lnTo>
-                  <a:pt x="249382" y="731520"/>
+                  <a:pt x="1407886" y="2119086"/>
                 </a:lnTo>
-                <a:cubicBezTo>
-                  <a:pt x="272880" y="849016"/>
-                  <a:pt x="257071" y="787841"/>
-                  <a:pt x="299258" y="914400"/>
-                </a:cubicBezTo>
-                <a:cubicBezTo>
-                  <a:pt x="299259" y="914404"/>
-                  <a:pt x="332508" y="1014148"/>
-                  <a:pt x="332509" y="1014153"/>
-                </a:cubicBezTo>
-                <a:cubicBezTo>
-                  <a:pt x="343593" y="1080655"/>
-                  <a:pt x="359051" y="1146574"/>
-                  <a:pt x="365760" y="1213658"/>
-                </a:cubicBezTo>
-                <a:cubicBezTo>
-                  <a:pt x="371302" y="1269076"/>
-                  <a:pt x="375879" y="1324600"/>
-                  <a:pt x="382386" y="1379913"/>
-                </a:cubicBezTo>
-                <a:cubicBezTo>
-                  <a:pt x="386965" y="1418831"/>
-                  <a:pt x="395112" y="1457299"/>
-                  <a:pt x="399011" y="1496291"/>
-                </a:cubicBezTo>
-                <a:cubicBezTo>
-                  <a:pt x="406201" y="1568189"/>
-                  <a:pt x="403080" y="1641265"/>
-                  <a:pt x="415637" y="1712422"/>
-                </a:cubicBezTo>
-                <a:cubicBezTo>
-                  <a:pt x="419944" y="1736829"/>
-                  <a:pt x="438821" y="1756276"/>
-                  <a:pt x="448887" y="1778924"/>
-                </a:cubicBezTo>
-                <a:cubicBezTo>
-                  <a:pt x="461007" y="1806195"/>
-                  <a:pt x="471939" y="1834004"/>
-                  <a:pt x="482138" y="1862051"/>
-                </a:cubicBezTo>
-                <a:cubicBezTo>
-                  <a:pt x="494116" y="1894990"/>
-                  <a:pt x="498367" y="1931165"/>
-                  <a:pt x="515389" y="1961804"/>
-                </a:cubicBezTo>
-                <a:cubicBezTo>
-                  <a:pt x="526808" y="1982357"/>
-                  <a:pt x="550831" y="1993121"/>
-                  <a:pt x="565266" y="2011680"/>
-                </a:cubicBezTo>
-                <a:cubicBezTo>
-                  <a:pt x="597409" y="2053006"/>
-                  <a:pt x="643729" y="2124713"/>
-                  <a:pt x="665018" y="2177935"/>
-                </a:cubicBezTo>
-                <a:cubicBezTo>
-                  <a:pt x="715379" y="2303838"/>
-                  <a:pt x="662953" y="2254145"/>
-                  <a:pt x="748146" y="2310938"/>
-                </a:cubicBezTo>
-                <a:cubicBezTo>
-                  <a:pt x="786939" y="2305396"/>
-                  <a:pt x="826990" y="2305573"/>
-                  <a:pt x="864524" y="2294313"/>
-                </a:cubicBezTo>
-                <a:cubicBezTo>
-                  <a:pt x="883663" y="2288571"/>
-                  <a:pt x="897051" y="2270975"/>
-                  <a:pt x="914400" y="2261062"/>
-                </a:cubicBezTo>
-                <a:cubicBezTo>
-                  <a:pt x="971924" y="2228191"/>
-                  <a:pt x="974822" y="2229838"/>
-                  <a:pt x="1030778" y="2211186"/>
-                </a:cubicBezTo>
-                <a:cubicBezTo>
-                  <a:pt x="1047404" y="2200102"/>
-                  <a:pt x="1066526" y="2192064"/>
-                  <a:pt x="1080655" y="2177935"/>
-                </a:cubicBezTo>
-                <a:cubicBezTo>
-                  <a:pt x="1094784" y="2163806"/>
-                  <a:pt x="1102292" y="2144318"/>
-                  <a:pt x="1113906" y="2128058"/>
-                </a:cubicBezTo>
-                <a:cubicBezTo>
-                  <a:pt x="1185847" y="2027340"/>
-                  <a:pt x="1144955" y="2099212"/>
-                  <a:pt x="1197033" y="1995055"/>
-                </a:cubicBezTo>
-                <a:cubicBezTo>
-                  <a:pt x="1202575" y="1967346"/>
-                  <a:pt x="1209012" y="1939801"/>
-                  <a:pt x="1213658" y="1911928"/>
-                </a:cubicBezTo>
-                <a:cubicBezTo>
-                  <a:pt x="1220100" y="1873274"/>
-                  <a:pt x="1222599" y="1833975"/>
-                  <a:pt x="1230284" y="1795549"/>
-                </a:cubicBezTo>
-                <a:cubicBezTo>
-                  <a:pt x="1233721" y="1778365"/>
-                  <a:pt x="1242095" y="1762523"/>
-                  <a:pt x="1246909" y="1745673"/>
-                </a:cubicBezTo>
-                <a:cubicBezTo>
-                  <a:pt x="1288661" y="1599543"/>
-                  <a:pt x="1240299" y="1748880"/>
-                  <a:pt x="1280160" y="1629295"/>
-                </a:cubicBezTo>
-                <a:cubicBezTo>
-                  <a:pt x="1285702" y="1590502"/>
-                  <a:pt x="1293238" y="1551943"/>
-                  <a:pt x="1296786" y="1512917"/>
-                </a:cubicBezTo>
-                <a:cubicBezTo>
-                  <a:pt x="1304329" y="1429947"/>
-                  <a:pt x="1301629" y="1346010"/>
-                  <a:pt x="1313411" y="1263535"/>
-                </a:cubicBezTo>
-                <a:cubicBezTo>
-                  <a:pt x="1318368" y="1228838"/>
-                  <a:pt x="1313411" y="1174866"/>
-                  <a:pt x="1346662" y="1163782"/>
-                </a:cubicBezTo>
-                <a:cubicBezTo>
-                  <a:pt x="1379913" y="1152698"/>
-                  <a:pt x="1417252" y="1149973"/>
-                  <a:pt x="1446415" y="1130531"/>
-                </a:cubicBezTo>
-                <a:cubicBezTo>
-                  <a:pt x="1510872" y="1087559"/>
-                  <a:pt x="1477335" y="1103599"/>
-                  <a:pt x="1546167" y="1080655"/>
-                </a:cubicBezTo>
-                <a:cubicBezTo>
-                  <a:pt x="1568334" y="1064029"/>
-                  <a:pt x="1590121" y="1046884"/>
-                  <a:pt x="1612669" y="1030778"/>
-                </a:cubicBezTo>
-                <a:cubicBezTo>
-                  <a:pt x="1628929" y="1019164"/>
-                  <a:pt x="1648417" y="1011657"/>
-                  <a:pt x="1662546" y="997528"/>
-                </a:cubicBezTo>
-                <a:cubicBezTo>
-                  <a:pt x="1702618" y="957456"/>
-                  <a:pt x="1753240" y="882641"/>
-                  <a:pt x="1778924" y="831273"/>
-                </a:cubicBezTo>
-                <a:cubicBezTo>
-                  <a:pt x="1786761" y="815599"/>
-                  <a:pt x="1787712" y="797071"/>
-                  <a:pt x="1795549" y="781397"/>
-                </a:cubicBezTo>
-                <a:cubicBezTo>
-                  <a:pt x="1810000" y="752494"/>
-                  <a:pt x="1831884" y="727609"/>
-                  <a:pt x="1845426" y="698269"/>
-                </a:cubicBezTo>
-                <a:cubicBezTo>
-                  <a:pt x="2000754" y="361725"/>
-                  <a:pt x="1836801" y="699101"/>
-                  <a:pt x="1911927" y="498764"/>
-                </a:cubicBezTo>
-                <a:cubicBezTo>
-                  <a:pt x="1930007" y="450550"/>
-                  <a:pt x="1950866" y="423730"/>
-                  <a:pt x="1978429" y="382386"/>
-                </a:cubicBezTo>
-                <a:cubicBezTo>
-                  <a:pt x="1985147" y="355516"/>
-                  <a:pt x="2016047" y="276252"/>
-                  <a:pt x="1978429" y="249382"/>
-                </a:cubicBezTo>
-                <a:cubicBezTo>
-                  <a:pt x="1950999" y="229789"/>
-                  <a:pt x="1911928" y="238299"/>
-                  <a:pt x="1878677" y="232757"/>
-                </a:cubicBezTo>
-                <a:cubicBezTo>
-                  <a:pt x="1850968" y="221673"/>
-                  <a:pt x="1822821" y="211627"/>
-                  <a:pt x="1795549" y="199506"/>
-                </a:cubicBezTo>
-                <a:cubicBezTo>
-                  <a:pt x="1772901" y="189440"/>
-                  <a:pt x="1752735" y="173544"/>
-                  <a:pt x="1729047" y="166255"/>
-                </a:cubicBezTo>
-                <a:cubicBezTo>
-                  <a:pt x="1616786" y="131713"/>
-                  <a:pt x="1545379" y="129222"/>
-                  <a:pt x="1429789" y="116378"/>
-                </a:cubicBezTo>
-                <a:cubicBezTo>
-                  <a:pt x="1379913" y="99753"/>
-                  <a:pt x="1331713" y="76812"/>
-                  <a:pt x="1280160" y="66502"/>
-                </a:cubicBezTo>
-                <a:cubicBezTo>
-                  <a:pt x="1208567" y="52184"/>
-                  <a:pt x="1171714" y="43884"/>
-                  <a:pt x="1097280" y="33251"/>
-                </a:cubicBezTo>
-                <a:cubicBezTo>
-                  <a:pt x="1053050" y="26932"/>
-                  <a:pt x="1008564" y="22531"/>
-                  <a:pt x="964277" y="16626"/>
-                </a:cubicBezTo>
                 <a:lnTo>
-                  <a:pt x="847898" y="0"/>
+                  <a:pt x="1393372" y="1335314"/>
                 </a:lnTo>
-                <a:cubicBezTo>
-                  <a:pt x="648393" y="5542"/>
-                  <a:pt x="447923" y="-3737"/>
-                  <a:pt x="249382" y="16626"/>
-                </a:cubicBezTo>
-                <a:cubicBezTo>
-                  <a:pt x="225993" y="19025"/>
-                  <a:pt x="214558" y="48440"/>
-                  <a:pt x="199506" y="66502"/>
-                </a:cubicBezTo>
-                <a:cubicBezTo>
-                  <a:pt x="182840" y="86501"/>
-                  <a:pt x="145521" y="160426"/>
-                  <a:pt x="116378" y="166255"/>
-                </a:cubicBezTo>
+                <a:lnTo>
+                  <a:pt x="1625600" y="1190171"/>
+                </a:lnTo>
+                <a:lnTo>
+                  <a:pt x="2046515" y="624114"/>
+                </a:lnTo>
+                <a:lnTo>
+                  <a:pt x="1901372" y="435429"/>
+                </a:lnTo>
+                <a:lnTo>
+                  <a:pt x="856343" y="0"/>
+                </a:lnTo>
+                <a:lnTo>
+                  <a:pt x="740229" y="188686"/>
+                </a:lnTo>
+                <a:lnTo>
+                  <a:pt x="406400" y="333829"/>
+                </a:lnTo>
+                <a:lnTo>
+                  <a:pt x="145143" y="362857"/>
+                </a:lnTo>
+                <a:lnTo>
+                  <a:pt x="0" y="841829"/>
+                </a:lnTo>
+                <a:lnTo>
+                  <a:pt x="638629" y="1103086"/>
+                </a:lnTo>
+                <a:lnTo>
+                  <a:pt x="537029" y="1625600"/>
+                </a:lnTo>
+                <a:lnTo>
+                  <a:pt x="595086" y="2148114"/>
+                </a:lnTo>
+                <a:close/>
               </a:path>
             </a:pathLst>
           </a:custGeom>
@@ -10812,6 +7868,501 @@
           </a:p>
         </p:txBody>
       </p:sp>
+      <p:sp>
+        <p:nvSpPr>
+          <p:cNvPr id="4" name="Freeform: Shape 3">
+            <a:extLst>
+              <a:ext uri="{FF2B5EF4-FFF2-40B4-BE49-F238E27FC236}">
+                <a16:creationId xmlns:a16="http://schemas.microsoft.com/office/drawing/2014/main" id="{57F3D00A-B1E9-4BE6-8E57-6EBA8368C50B}"/>
+              </a:ext>
+            </a:extLst>
+          </p:cNvPr>
+          <p:cNvSpPr/>
+          <p:nvPr/>
+        </p:nvSpPr>
+        <p:spPr>
+          <a:xfrm>
+            <a:off x="4775200" y="4789714"/>
+            <a:ext cx="4064000" cy="3846286"/>
+          </a:xfrm>
+          <a:custGeom>
+            <a:avLst/>
+            <a:gdLst>
+              <a:gd name="connsiteX0" fmla="*/ 0 w 4064000"/>
+              <a:gd name="connsiteY0" fmla="*/ 3106057 h 3846286"/>
+              <a:gd name="connsiteX1" fmla="*/ 595086 w 4064000"/>
+              <a:gd name="connsiteY1" fmla="*/ 3846286 h 3846286"/>
+              <a:gd name="connsiteX2" fmla="*/ 1451429 w 4064000"/>
+              <a:gd name="connsiteY2" fmla="*/ 3526972 h 3846286"/>
+              <a:gd name="connsiteX3" fmla="*/ 1567543 w 4064000"/>
+              <a:gd name="connsiteY3" fmla="*/ 3454400 h 3846286"/>
+              <a:gd name="connsiteX4" fmla="*/ 4064000 w 4064000"/>
+              <a:gd name="connsiteY4" fmla="*/ 943429 h 3846286"/>
+              <a:gd name="connsiteX5" fmla="*/ 4005943 w 4064000"/>
+              <a:gd name="connsiteY5" fmla="*/ 827315 h 3846286"/>
+              <a:gd name="connsiteX6" fmla="*/ 3439886 w 4064000"/>
+              <a:gd name="connsiteY6" fmla="*/ 0 h 3846286"/>
+              <a:gd name="connsiteX7" fmla="*/ 3338286 w 4064000"/>
+              <a:gd name="connsiteY7" fmla="*/ 72572 h 3846286"/>
+              <a:gd name="connsiteX8" fmla="*/ 2714171 w 4064000"/>
+              <a:gd name="connsiteY8" fmla="*/ 508000 h 3846286"/>
+              <a:gd name="connsiteX9" fmla="*/ 2685143 w 4064000"/>
+              <a:gd name="connsiteY9" fmla="*/ 769257 h 3846286"/>
+              <a:gd name="connsiteX10" fmla="*/ 2133600 w 4064000"/>
+              <a:gd name="connsiteY10" fmla="*/ 957943 h 3846286"/>
+              <a:gd name="connsiteX11" fmla="*/ 2177143 w 4064000"/>
+              <a:gd name="connsiteY11" fmla="*/ 1988457 h 3846286"/>
+              <a:gd name="connsiteX12" fmla="*/ 1973943 w 4064000"/>
+              <a:gd name="connsiteY12" fmla="*/ 2191657 h 3846286"/>
+              <a:gd name="connsiteX13" fmla="*/ 1204686 w 4064000"/>
+              <a:gd name="connsiteY13" fmla="*/ 2598057 h 3846286"/>
+              <a:gd name="connsiteX14" fmla="*/ 304800 w 4064000"/>
+              <a:gd name="connsiteY14" fmla="*/ 2815772 h 3846286"/>
+              <a:gd name="connsiteX15" fmla="*/ 0 w 4064000"/>
+              <a:gd name="connsiteY15" fmla="*/ 3106057 h 3846286"/>
+            </a:gdLst>
+            <a:ahLst/>
+            <a:cxnLst>
+              <a:cxn ang="0">
+                <a:pos x="connsiteX0" y="connsiteY0"/>
+              </a:cxn>
+              <a:cxn ang="0">
+                <a:pos x="connsiteX1" y="connsiteY1"/>
+              </a:cxn>
+              <a:cxn ang="0">
+                <a:pos x="connsiteX2" y="connsiteY2"/>
+              </a:cxn>
+              <a:cxn ang="0">
+                <a:pos x="connsiteX3" y="connsiteY3"/>
+              </a:cxn>
+              <a:cxn ang="0">
+                <a:pos x="connsiteX4" y="connsiteY4"/>
+              </a:cxn>
+              <a:cxn ang="0">
+                <a:pos x="connsiteX5" y="connsiteY5"/>
+              </a:cxn>
+              <a:cxn ang="0">
+                <a:pos x="connsiteX6" y="connsiteY6"/>
+              </a:cxn>
+              <a:cxn ang="0">
+                <a:pos x="connsiteX7" y="connsiteY7"/>
+              </a:cxn>
+              <a:cxn ang="0">
+                <a:pos x="connsiteX8" y="connsiteY8"/>
+              </a:cxn>
+              <a:cxn ang="0">
+                <a:pos x="connsiteX9" y="connsiteY9"/>
+              </a:cxn>
+              <a:cxn ang="0">
+                <a:pos x="connsiteX10" y="connsiteY10"/>
+              </a:cxn>
+              <a:cxn ang="0">
+                <a:pos x="connsiteX11" y="connsiteY11"/>
+              </a:cxn>
+              <a:cxn ang="0">
+                <a:pos x="connsiteX12" y="connsiteY12"/>
+              </a:cxn>
+              <a:cxn ang="0">
+                <a:pos x="connsiteX13" y="connsiteY13"/>
+              </a:cxn>
+              <a:cxn ang="0">
+                <a:pos x="connsiteX14" y="connsiteY14"/>
+              </a:cxn>
+              <a:cxn ang="0">
+                <a:pos x="connsiteX15" y="connsiteY15"/>
+              </a:cxn>
+            </a:cxnLst>
+            <a:rect l="l" t="t" r="r" b="b"/>
+            <a:pathLst>
+              <a:path w="4064000" h="3846286">
+                <a:moveTo>
+                  <a:pt x="0" y="3106057"/>
+                </a:moveTo>
+                <a:lnTo>
+                  <a:pt x="595086" y="3846286"/>
+                </a:lnTo>
+                <a:lnTo>
+                  <a:pt x="1451429" y="3526972"/>
+                </a:lnTo>
+                <a:lnTo>
+                  <a:pt x="1567543" y="3454400"/>
+                </a:lnTo>
+                <a:lnTo>
+                  <a:pt x="4064000" y="943429"/>
+                </a:lnTo>
+                <a:lnTo>
+                  <a:pt x="4005943" y="827315"/>
+                </a:lnTo>
+                <a:lnTo>
+                  <a:pt x="3439886" y="0"/>
+                </a:lnTo>
+                <a:lnTo>
+                  <a:pt x="3338286" y="72572"/>
+                </a:lnTo>
+                <a:lnTo>
+                  <a:pt x="2714171" y="508000"/>
+                </a:lnTo>
+                <a:lnTo>
+                  <a:pt x="2685143" y="769257"/>
+                </a:lnTo>
+                <a:lnTo>
+                  <a:pt x="2133600" y="957943"/>
+                </a:lnTo>
+                <a:lnTo>
+                  <a:pt x="2177143" y="1988457"/>
+                </a:lnTo>
+                <a:lnTo>
+                  <a:pt x="1973943" y="2191657"/>
+                </a:lnTo>
+                <a:lnTo>
+                  <a:pt x="1204686" y="2598057"/>
+                </a:lnTo>
+                <a:lnTo>
+                  <a:pt x="304800" y="2815772"/>
+                </a:lnTo>
+                <a:lnTo>
+                  <a:pt x="0" y="3106057"/>
+                </a:lnTo>
+                <a:close/>
+              </a:path>
+            </a:pathLst>
+          </a:custGeom>
+          <a:solidFill>
+            <a:srgbClr val="2C700F"/>
+          </a:solidFill>
+          <a:ln>
+            <a:noFill/>
+          </a:ln>
+        </p:spPr>
+        <p:style>
+          <a:lnRef idx="2">
+            <a:schemeClr val="accent1">
+              <a:shade val="50000"/>
+            </a:schemeClr>
+          </a:lnRef>
+          <a:fillRef idx="1">
+            <a:schemeClr val="accent1"/>
+          </a:fillRef>
+          <a:effectRef idx="0">
+            <a:schemeClr val="accent1"/>
+          </a:effectRef>
+          <a:fontRef idx="minor">
+            <a:schemeClr val="lt1"/>
+          </a:fontRef>
+        </p:style>
+        <p:txBody>
+          <a:bodyPr rtlCol="0" anchor="ctr"/>
+          <a:lstStyle/>
+          <a:p>
+            <a:pPr algn="ctr"/>
+            <a:endParaRPr lang="en-GB"/>
+          </a:p>
+        </p:txBody>
+      </p:sp>
+      <p:pic>
+        <p:nvPicPr>
+          <p:cNvPr id="30" name="Graphic 29" descr="Deciduous tree">
+            <a:extLst>
+              <a:ext uri="{FF2B5EF4-FFF2-40B4-BE49-F238E27FC236}">
+                <a16:creationId xmlns:a16="http://schemas.microsoft.com/office/drawing/2014/main" id="{169B21C4-62CF-406D-A110-AA58ADB679CB}"/>
+              </a:ext>
+            </a:extLst>
+          </p:cNvPr>
+          <p:cNvPicPr>
+            <a:picLocks noChangeAspect="1"/>
+          </p:cNvPicPr>
+          <p:nvPr/>
+        </p:nvPicPr>
+        <p:blipFill>
+          <a:blip r:embed="rId17">
+            <a:extLst>
+              <a:ext uri="{28A0092B-C50C-407E-A947-70E740481C1C}">
+                <a14:useLocalDpi xmlns:a14="http://schemas.microsoft.com/office/drawing/2010/main" val="0"/>
+              </a:ext>
+              <a:ext uri="{96DAC541-7B7A-43D3-8B79-37D633B846F1}">
+                <asvg:svgBlip xmlns:asvg="http://schemas.microsoft.com/office/drawing/2016/SVG/main" r:embed="rId18"/>
+              </a:ext>
+            </a:extLst>
+          </a:blip>
+          <a:stretch>
+            <a:fillRect/>
+          </a:stretch>
+        </p:blipFill>
+        <p:spPr>
+          <a:xfrm>
+            <a:off x="7284338" y="5697728"/>
+            <a:ext cx="659300" cy="659299"/>
+          </a:xfrm>
+          <a:prstGeom prst="rect">
+            <a:avLst/>
+          </a:prstGeom>
+        </p:spPr>
+      </p:pic>
+      <p:pic>
+        <p:nvPicPr>
+          <p:cNvPr id="31" name="Graphic 30" descr="Deciduous tree">
+            <a:extLst>
+              <a:ext uri="{FF2B5EF4-FFF2-40B4-BE49-F238E27FC236}">
+                <a16:creationId xmlns:a16="http://schemas.microsoft.com/office/drawing/2014/main" id="{25B485C9-0E97-4E4F-9028-CE5C946CABE4}"/>
+              </a:ext>
+            </a:extLst>
+          </p:cNvPr>
+          <p:cNvPicPr>
+            <a:picLocks noChangeAspect="1"/>
+          </p:cNvPicPr>
+          <p:nvPr/>
+        </p:nvPicPr>
+        <p:blipFill>
+          <a:blip r:embed="rId17">
+            <a:extLst>
+              <a:ext uri="{28A0092B-C50C-407E-A947-70E740481C1C}">
+                <a14:useLocalDpi xmlns:a14="http://schemas.microsoft.com/office/drawing/2010/main" val="0"/>
+              </a:ext>
+              <a:ext uri="{96DAC541-7B7A-43D3-8B79-37D633B846F1}">
+                <asvg:svgBlip xmlns:asvg="http://schemas.microsoft.com/office/drawing/2016/SVG/main" r:embed="rId18"/>
+              </a:ext>
+            </a:extLst>
+          </a:blip>
+          <a:stretch>
+            <a:fillRect/>
+          </a:stretch>
+        </p:blipFill>
+        <p:spPr>
+          <a:xfrm>
+            <a:off x="5584921" y="7599571"/>
+            <a:ext cx="659300" cy="659299"/>
+          </a:xfrm>
+          <a:prstGeom prst="rect">
+            <a:avLst/>
+          </a:prstGeom>
+        </p:spPr>
+      </p:pic>
+      <p:grpSp>
+        <p:nvGrpSpPr>
+          <p:cNvPr id="5" name="Group 4">
+            <a:extLst>
+              <a:ext uri="{FF2B5EF4-FFF2-40B4-BE49-F238E27FC236}">
+                <a16:creationId xmlns:a16="http://schemas.microsoft.com/office/drawing/2014/main" id="{42415556-4F9A-45F9-AD70-70D096938C49}"/>
+              </a:ext>
+            </a:extLst>
+          </p:cNvPr>
+          <p:cNvGrpSpPr/>
+          <p:nvPr/>
+        </p:nvGrpSpPr>
+        <p:grpSpPr>
+          <a:xfrm>
+            <a:off x="5573455" y="4145966"/>
+            <a:ext cx="889456" cy="788891"/>
+            <a:chOff x="-2348044" y="6173938"/>
+            <a:chExt cx="889456" cy="788891"/>
+          </a:xfrm>
+        </p:grpSpPr>
+        <p:pic>
+          <p:nvPicPr>
+            <p:cNvPr id="36" name="Graphic 35" descr="Schoolhouse">
+              <a:extLst>
+                <a:ext uri="{FF2B5EF4-FFF2-40B4-BE49-F238E27FC236}">
+                  <a16:creationId xmlns:a16="http://schemas.microsoft.com/office/drawing/2014/main" id="{33FD375B-B69B-41E1-AF79-8F64BCE07EDC}"/>
+                </a:ext>
+              </a:extLst>
+            </p:cNvPr>
+            <p:cNvPicPr>
+              <a:picLocks noChangeAspect="1"/>
+            </p:cNvPicPr>
+            <p:nvPr/>
+          </p:nvPicPr>
+          <p:blipFill>
+            <a:blip r:embed="rId3">
+              <a:extLst>
+                <a:ext uri="{28A0092B-C50C-407E-A947-70E740481C1C}">
+                  <a14:useLocalDpi xmlns:a14="http://schemas.microsoft.com/office/drawing/2010/main" val="0"/>
+                </a:ext>
+                <a:ext uri="{96DAC541-7B7A-43D3-8B79-37D633B846F1}">
+                  <asvg:svgBlip xmlns:asvg="http://schemas.microsoft.com/office/drawing/2016/SVG/main" r:embed="rId4"/>
+                </a:ext>
+              </a:extLst>
+            </a:blip>
+            <a:stretch>
+              <a:fillRect/>
+            </a:stretch>
+          </p:blipFill>
+          <p:spPr>
+            <a:xfrm>
+              <a:off x="-2300196" y="6173938"/>
+              <a:ext cx="511884" cy="511884"/>
+            </a:xfrm>
+            <a:prstGeom prst="rect">
+              <a:avLst/>
+            </a:prstGeom>
+          </p:spPr>
+        </p:pic>
+        <p:pic>
+          <p:nvPicPr>
+            <p:cNvPr id="37" name="Graphic 36" descr="Group of men">
+              <a:extLst>
+                <a:ext uri="{FF2B5EF4-FFF2-40B4-BE49-F238E27FC236}">
+                  <a16:creationId xmlns:a16="http://schemas.microsoft.com/office/drawing/2014/main" id="{7DA26027-87AA-40E0-B1D8-0EF4ABABCCC1}"/>
+                </a:ext>
+              </a:extLst>
+            </p:cNvPr>
+            <p:cNvPicPr>
+              <a:picLocks noChangeAspect="1"/>
+            </p:cNvPicPr>
+            <p:nvPr/>
+          </p:nvPicPr>
+          <p:blipFill>
+            <a:blip r:embed="rId5">
+              <a:extLst>
+                <a:ext uri="{28A0092B-C50C-407E-A947-70E740481C1C}">
+                  <a14:useLocalDpi xmlns:a14="http://schemas.microsoft.com/office/drawing/2010/main" val="0"/>
+                </a:ext>
+                <a:ext uri="{96DAC541-7B7A-43D3-8B79-37D633B846F1}">
+                  <asvg:svgBlip xmlns:asvg="http://schemas.microsoft.com/office/drawing/2016/SVG/main" r:embed="rId6"/>
+                </a:ext>
+              </a:extLst>
+            </a:blip>
+            <a:stretch>
+              <a:fillRect/>
+            </a:stretch>
+          </p:blipFill>
+          <p:spPr>
+            <a:xfrm>
+              <a:off x="-2348044" y="6629731"/>
+              <a:ext cx="333098" cy="333098"/>
+            </a:xfrm>
+            <a:prstGeom prst="rect">
+              <a:avLst/>
+            </a:prstGeom>
+          </p:spPr>
+        </p:pic>
+        <p:pic>
+          <p:nvPicPr>
+            <p:cNvPr id="38" name="Graphic 37" descr="Group of women">
+              <a:extLst>
+                <a:ext uri="{FF2B5EF4-FFF2-40B4-BE49-F238E27FC236}">
+                  <a16:creationId xmlns:a16="http://schemas.microsoft.com/office/drawing/2014/main" id="{BCEB3C27-D80F-4DA7-94F1-486C13810347}"/>
+                </a:ext>
+              </a:extLst>
+            </p:cNvPr>
+            <p:cNvPicPr>
+              <a:picLocks noChangeAspect="1"/>
+            </p:cNvPicPr>
+            <p:nvPr/>
+          </p:nvPicPr>
+          <p:blipFill>
+            <a:blip r:embed="rId7">
+              <a:extLst>
+                <a:ext uri="{28A0092B-C50C-407E-A947-70E740481C1C}">
+                  <a14:useLocalDpi xmlns:a14="http://schemas.microsoft.com/office/drawing/2010/main" val="0"/>
+                </a:ext>
+                <a:ext uri="{96DAC541-7B7A-43D3-8B79-37D633B846F1}">
+                  <asvg:svgBlip xmlns:asvg="http://schemas.microsoft.com/office/drawing/2016/SVG/main" r:embed="rId8"/>
+                </a:ext>
+              </a:extLst>
+            </a:blip>
+            <a:stretch>
+              <a:fillRect/>
+            </a:stretch>
+          </p:blipFill>
+          <p:spPr>
+            <a:xfrm>
+              <a:off x="-1779736" y="6517343"/>
+              <a:ext cx="230102" cy="230103"/>
+            </a:xfrm>
+            <a:prstGeom prst="rect">
+              <a:avLst/>
+            </a:prstGeom>
+          </p:spPr>
+        </p:pic>
+        <p:cxnSp>
+          <p:nvCxnSpPr>
+            <p:cNvPr id="39" name="Straight Connector 38">
+              <a:extLst>
+                <a:ext uri="{FF2B5EF4-FFF2-40B4-BE49-F238E27FC236}">
+                  <a16:creationId xmlns:a16="http://schemas.microsoft.com/office/drawing/2014/main" id="{EED4AAD5-007E-40A6-A9DC-9AA0A0DC37C5}"/>
+                </a:ext>
+              </a:extLst>
+            </p:cNvPr>
+            <p:cNvCxnSpPr>
+              <a:cxnSpLocks/>
+            </p:cNvCxnSpPr>
+            <p:nvPr/>
+          </p:nvCxnSpPr>
+          <p:spPr>
+            <a:xfrm>
+              <a:off x="-1971456" y="6738947"/>
+              <a:ext cx="421823" cy="0"/>
+            </a:xfrm>
+            <a:prstGeom prst="line">
+              <a:avLst/>
+            </a:prstGeom>
+            <a:ln w="15875" cap="rnd">
+              <a:solidFill>
+                <a:schemeClr val="bg1"/>
+              </a:solidFill>
+              <a:round/>
+            </a:ln>
+          </p:spPr>
+          <p:style>
+            <a:lnRef idx="1">
+              <a:schemeClr val="accent1"/>
+            </a:lnRef>
+            <a:fillRef idx="0">
+              <a:schemeClr val="accent1"/>
+            </a:fillRef>
+            <a:effectRef idx="0">
+              <a:schemeClr val="accent1"/>
+            </a:effectRef>
+            <a:fontRef idx="minor">
+              <a:schemeClr val="tx1"/>
+            </a:fontRef>
+          </p:style>
+        </p:cxnSp>
+        <p:cxnSp>
+          <p:nvCxnSpPr>
+            <p:cNvPr id="40" name="Straight Connector 39">
+              <a:extLst>
+                <a:ext uri="{FF2B5EF4-FFF2-40B4-BE49-F238E27FC236}">
+                  <a16:creationId xmlns:a16="http://schemas.microsoft.com/office/drawing/2014/main" id="{A1037A80-90C0-47F7-900A-BD54391C2540}"/>
+                </a:ext>
+              </a:extLst>
+            </p:cNvPr>
+            <p:cNvCxnSpPr>
+              <a:cxnSpLocks/>
+            </p:cNvCxnSpPr>
+            <p:nvPr/>
+          </p:nvCxnSpPr>
+          <p:spPr>
+            <a:xfrm>
+              <a:off x="-2348044" y="6951336"/>
+              <a:ext cx="889456" cy="0"/>
+            </a:xfrm>
+            <a:prstGeom prst="line">
+              <a:avLst/>
+            </a:prstGeom>
+            <a:ln w="63500" cap="rnd">
+              <a:solidFill>
+                <a:schemeClr val="bg1"/>
+              </a:solidFill>
+              <a:round/>
+            </a:ln>
+          </p:spPr>
+          <p:style>
+            <a:lnRef idx="1">
+              <a:schemeClr val="accent1"/>
+            </a:lnRef>
+            <a:fillRef idx="0">
+              <a:schemeClr val="accent1"/>
+            </a:fillRef>
+            <a:effectRef idx="0">
+              <a:schemeClr val="accent1"/>
+            </a:effectRef>
+            <a:fontRef idx="minor">
+              <a:schemeClr val="tx1"/>
+            </a:fontRef>
+          </p:style>
+        </p:cxnSp>
+      </p:grpSp>
     </p:spTree>
     <p:extLst>
       <p:ext uri="{BB962C8B-B14F-4D97-AF65-F5344CB8AC3E}">
@@ -10858,7 +8409,23 @@
         </p:nvPicPr>
         <p:blipFill>
           <a:blip r:embed="rId2">
-            <a:grayscl/>
+            <a:clrChange>
+              <a:clrFrom>
+                <a:srgbClr val="000000"/>
+              </a:clrFrom>
+              <a:clrTo>
+                <a:srgbClr val="000000">
+                  <a:alpha val="0"/>
+                </a:srgbClr>
+              </a:clrTo>
+            </a:clrChange>
+            <a:duotone>
+              <a:schemeClr val="accent3">
+                <a:shade val="45000"/>
+                <a:satMod val="135000"/>
+              </a:schemeClr>
+              <a:prstClr val="white"/>
+            </a:duotone>
             <a:extLst>
               <a:ext uri="{28A0092B-C50C-407E-A947-70E740481C1C}">
                 <a14:useLocalDpi xmlns:a14="http://schemas.microsoft.com/office/drawing/2010/main" val="0"/>
@@ -10965,7 +8532,7 @@
                   <a:schemeClr val="bg1"/>
                 </a:solidFill>
               </a:rPr>
-              <a:t>And finally other land uses pen</a:t>
+              <a:t>And finally other land uses </a:t>
             </a:r>
           </a:p>
         </p:txBody>
@@ -12693,6 +10260,188 @@
           </a:p>
         </p:txBody>
       </p:sp>
+      <p:sp>
+        <p:nvSpPr>
+          <p:cNvPr id="2" name="Freeform: Shape 1">
+            <a:extLst>
+              <a:ext uri="{FF2B5EF4-FFF2-40B4-BE49-F238E27FC236}">
+                <a16:creationId xmlns:a16="http://schemas.microsoft.com/office/drawing/2014/main" id="{F7729961-6430-4C57-83AE-508C59C6D9DC}"/>
+              </a:ext>
+            </a:extLst>
+          </p:cNvPr>
+          <p:cNvSpPr/>
+          <p:nvPr/>
+        </p:nvSpPr>
+        <p:spPr>
+          <a:xfrm>
+            <a:off x="2628900" y="2362200"/>
+            <a:ext cx="4705350" cy="2095500"/>
+          </a:xfrm>
+          <a:custGeom>
+            <a:avLst/>
+            <a:gdLst>
+              <a:gd name="connsiteX0" fmla="*/ 0 w 4705350"/>
+              <a:gd name="connsiteY0" fmla="*/ 1238250 h 2095500"/>
+              <a:gd name="connsiteX1" fmla="*/ 57150 w 4705350"/>
+              <a:gd name="connsiteY1" fmla="*/ 1619250 h 2095500"/>
+              <a:gd name="connsiteX2" fmla="*/ 838200 w 4705350"/>
+              <a:gd name="connsiteY2" fmla="*/ 2095500 h 2095500"/>
+              <a:gd name="connsiteX3" fmla="*/ 2438400 w 4705350"/>
+              <a:gd name="connsiteY3" fmla="*/ 1676400 h 2095500"/>
+              <a:gd name="connsiteX4" fmla="*/ 3124200 w 4705350"/>
+              <a:gd name="connsiteY4" fmla="*/ 1581150 h 2095500"/>
+              <a:gd name="connsiteX5" fmla="*/ 4572000 w 4705350"/>
+              <a:gd name="connsiteY5" fmla="*/ 1504950 h 2095500"/>
+              <a:gd name="connsiteX6" fmla="*/ 4705350 w 4705350"/>
+              <a:gd name="connsiteY6" fmla="*/ 1257300 h 2095500"/>
+              <a:gd name="connsiteX7" fmla="*/ 4667250 w 4705350"/>
+              <a:gd name="connsiteY7" fmla="*/ 1028700 h 2095500"/>
+              <a:gd name="connsiteX8" fmla="*/ 4286250 w 4705350"/>
+              <a:gd name="connsiteY8" fmla="*/ 0 h 2095500"/>
+              <a:gd name="connsiteX9" fmla="*/ 0 w 4705350"/>
+              <a:gd name="connsiteY9" fmla="*/ 1238250 h 2095500"/>
+            </a:gdLst>
+            <a:ahLst/>
+            <a:cxnLst>
+              <a:cxn ang="0">
+                <a:pos x="connsiteX0" y="connsiteY0"/>
+              </a:cxn>
+              <a:cxn ang="0">
+                <a:pos x="connsiteX1" y="connsiteY1"/>
+              </a:cxn>
+              <a:cxn ang="0">
+                <a:pos x="connsiteX2" y="connsiteY2"/>
+              </a:cxn>
+              <a:cxn ang="0">
+                <a:pos x="connsiteX3" y="connsiteY3"/>
+              </a:cxn>
+              <a:cxn ang="0">
+                <a:pos x="connsiteX4" y="connsiteY4"/>
+              </a:cxn>
+              <a:cxn ang="0">
+                <a:pos x="connsiteX5" y="connsiteY5"/>
+              </a:cxn>
+              <a:cxn ang="0">
+                <a:pos x="connsiteX6" y="connsiteY6"/>
+              </a:cxn>
+              <a:cxn ang="0">
+                <a:pos x="connsiteX7" y="connsiteY7"/>
+              </a:cxn>
+              <a:cxn ang="0">
+                <a:pos x="connsiteX8" y="connsiteY8"/>
+              </a:cxn>
+              <a:cxn ang="0">
+                <a:pos x="connsiteX9" y="connsiteY9"/>
+              </a:cxn>
+            </a:cxnLst>
+            <a:rect l="l" t="t" r="r" b="b"/>
+            <a:pathLst>
+              <a:path w="4705350" h="2095500">
+                <a:moveTo>
+                  <a:pt x="0" y="1238250"/>
+                </a:moveTo>
+                <a:lnTo>
+                  <a:pt x="57150" y="1619250"/>
+                </a:lnTo>
+                <a:lnTo>
+                  <a:pt x="838200" y="2095500"/>
+                </a:lnTo>
+                <a:lnTo>
+                  <a:pt x="2438400" y="1676400"/>
+                </a:lnTo>
+                <a:lnTo>
+                  <a:pt x="3124200" y="1581150"/>
+                </a:lnTo>
+                <a:lnTo>
+                  <a:pt x="4572000" y="1504950"/>
+                </a:lnTo>
+                <a:lnTo>
+                  <a:pt x="4705350" y="1257300"/>
+                </a:lnTo>
+                <a:lnTo>
+                  <a:pt x="4667250" y="1028700"/>
+                </a:lnTo>
+                <a:lnTo>
+                  <a:pt x="4286250" y="0"/>
+                </a:lnTo>
+                <a:lnTo>
+                  <a:pt x="0" y="1238250"/>
+                </a:lnTo>
+                <a:close/>
+              </a:path>
+            </a:pathLst>
+          </a:custGeom>
+          <a:solidFill>
+            <a:srgbClr val="2C700F"/>
+          </a:solidFill>
+          <a:ln>
+            <a:noFill/>
+          </a:ln>
+        </p:spPr>
+        <p:style>
+          <a:lnRef idx="2">
+            <a:schemeClr val="accent1">
+              <a:shade val="50000"/>
+            </a:schemeClr>
+          </a:lnRef>
+          <a:fillRef idx="1">
+            <a:schemeClr val="accent1"/>
+          </a:fillRef>
+          <a:effectRef idx="0">
+            <a:schemeClr val="accent1"/>
+          </a:effectRef>
+          <a:fontRef idx="minor">
+            <a:schemeClr val="lt1"/>
+          </a:fontRef>
+        </p:style>
+        <p:txBody>
+          <a:bodyPr rtlCol="0" anchor="ctr"/>
+          <a:lstStyle/>
+          <a:p>
+            <a:pPr algn="ctr"/>
+            <a:endParaRPr lang="en-GB"/>
+          </a:p>
+        </p:txBody>
+      </p:sp>
+      <p:pic>
+        <p:nvPicPr>
+          <p:cNvPr id="31" name="Graphic 30" descr="Deciduous tree">
+            <a:extLst>
+              <a:ext uri="{FF2B5EF4-FFF2-40B4-BE49-F238E27FC236}">
+                <a16:creationId xmlns:a16="http://schemas.microsoft.com/office/drawing/2014/main" id="{391FE393-D41B-430E-9DC7-AC66058213D4}"/>
+              </a:ext>
+            </a:extLst>
+          </p:cNvPr>
+          <p:cNvPicPr>
+            <a:picLocks noChangeAspect="1"/>
+          </p:cNvPicPr>
+          <p:nvPr/>
+        </p:nvPicPr>
+        <p:blipFill>
+          <a:blip r:embed="rId17">
+            <a:extLst>
+              <a:ext uri="{28A0092B-C50C-407E-A947-70E740481C1C}">
+                <a14:useLocalDpi xmlns:a14="http://schemas.microsoft.com/office/drawing/2010/main" val="0"/>
+              </a:ext>
+              <a:ext uri="{96DAC541-7B7A-43D3-8B79-37D633B846F1}">
+                <asvg:svgBlip xmlns:asvg="http://schemas.microsoft.com/office/drawing/2016/SVG/main" r:embed="rId18"/>
+              </a:ext>
+            </a:extLst>
+          </a:blip>
+          <a:stretch>
+            <a:fillRect/>
+          </a:stretch>
+        </p:blipFill>
+        <p:spPr>
+          <a:xfrm>
+            <a:off x="4954385" y="3096335"/>
+            <a:ext cx="659300" cy="659299"/>
+          </a:xfrm>
+          <a:prstGeom prst="rect">
+            <a:avLst/>
+          </a:prstGeom>
+        </p:spPr>
+      </p:pic>
     </p:spTree>
     <p:extLst>
       <p:ext uri="{BB962C8B-B14F-4D97-AF65-F5344CB8AC3E}">
@@ -12739,6 +10488,16 @@
         </p:nvPicPr>
         <p:blipFill>
           <a:blip r:embed="rId2">
+            <a:clrChange>
+              <a:clrFrom>
+                <a:srgbClr val="000000"/>
+              </a:clrFrom>
+              <a:clrTo>
+                <a:srgbClr val="000000">
+                  <a:alpha val="0"/>
+                </a:srgbClr>
+              </a:clrTo>
+            </a:clrChange>
             <a:grayscl/>
             <a:extLst>
               <a:ext uri="{28A0092B-C50C-407E-A947-70E740481C1C}">
@@ -12846,7 +10605,7 @@
                   <a:schemeClr val="bg1"/>
                 </a:solidFill>
               </a:rPr>
-              <a:t>And finally other land uses pen</a:t>
+              <a:t>And finally other land uses </a:t>
             </a:r>
           </a:p>
         </p:txBody>
@@ -14670,6 +12429,75 @@
           </a:p>
         </p:txBody>
       </p:sp>
+      <p:pic>
+        <p:nvPicPr>
+          <p:cNvPr id="28" name="Graphic 27" descr="Deciduous tree">
+            <a:extLst>
+              <a:ext uri="{FF2B5EF4-FFF2-40B4-BE49-F238E27FC236}">
+                <a16:creationId xmlns:a16="http://schemas.microsoft.com/office/drawing/2014/main" id="{9B18BBBA-BF77-48C5-BBFE-2EAFBD87124F}"/>
+              </a:ext>
+            </a:extLst>
+          </p:cNvPr>
+          <p:cNvPicPr>
+            <a:picLocks noChangeAspect="1"/>
+          </p:cNvPicPr>
+          <p:nvPr/>
+        </p:nvPicPr>
+        <p:blipFill>
+          <a:blip r:embed="rId17">
+            <a:extLst>
+              <a:ext uri="{28A0092B-C50C-407E-A947-70E740481C1C}">
+                <a14:useLocalDpi xmlns:a14="http://schemas.microsoft.com/office/drawing/2010/main" val="0"/>
+              </a:ext>
+              <a:ext uri="{96DAC541-7B7A-43D3-8B79-37D633B846F1}">
+                <asvg:svgBlip xmlns:asvg="http://schemas.microsoft.com/office/drawing/2016/SVG/main" r:embed="rId18"/>
+              </a:ext>
+            </a:extLst>
+          </a:blip>
+          <a:stretch>
+            <a:fillRect/>
+          </a:stretch>
+        </p:blipFill>
+        <p:spPr>
+          <a:xfrm>
+            <a:off x="6594967" y="3838981"/>
+            <a:ext cx="659300" cy="659299"/>
+          </a:xfrm>
+          <a:prstGeom prst="rect">
+            <a:avLst/>
+          </a:prstGeom>
+        </p:spPr>
+      </p:pic>
+      <p:pic>
+        <p:nvPicPr>
+          <p:cNvPr id="2" name="Picture 1">
+            <a:extLst>
+              <a:ext uri="{FF2B5EF4-FFF2-40B4-BE49-F238E27FC236}">
+                <a16:creationId xmlns:a16="http://schemas.microsoft.com/office/drawing/2014/main" id="{9F738E8D-751B-4FFE-BD64-7CB403746517}"/>
+              </a:ext>
+            </a:extLst>
+          </p:cNvPr>
+          <p:cNvPicPr>
+            <a:picLocks noChangeAspect="1"/>
+          </p:cNvPicPr>
+          <p:nvPr/>
+        </p:nvPicPr>
+        <p:blipFill>
+          <a:blip r:embed="rId19"/>
+          <a:stretch>
+            <a:fillRect/>
+          </a:stretch>
+        </p:blipFill>
+        <p:spPr>
+          <a:xfrm>
+            <a:off x="4535380" y="3015211"/>
+            <a:ext cx="514530" cy="438670"/>
+          </a:xfrm>
+          <a:prstGeom prst="rect">
+            <a:avLst/>
+          </a:prstGeom>
+        </p:spPr>
+      </p:pic>
     </p:spTree>
     <p:extLst>
       <p:ext uri="{BB962C8B-B14F-4D97-AF65-F5344CB8AC3E}">
@@ -14716,7 +12544,23 @@
         </p:nvPicPr>
         <p:blipFill>
           <a:blip r:embed="rId2">
-            <a:grayscl/>
+            <a:clrChange>
+              <a:clrFrom>
+                <a:srgbClr val="010101"/>
+              </a:clrFrom>
+              <a:clrTo>
+                <a:srgbClr val="010101">
+                  <a:alpha val="0"/>
+                </a:srgbClr>
+              </a:clrTo>
+            </a:clrChange>
+            <a:duotone>
+              <a:schemeClr val="accent3">
+                <a:shade val="45000"/>
+                <a:satMod val="135000"/>
+              </a:schemeClr>
+              <a:prstClr val="white"/>
+            </a:duotone>
             <a:extLst>
               <a:ext uri="{28A0092B-C50C-407E-A947-70E740481C1C}">
                 <a14:useLocalDpi xmlns:a14="http://schemas.microsoft.com/office/drawing/2010/main" val="0"/>
@@ -14823,7 +12667,7 @@
                   <a:schemeClr val="bg1"/>
                 </a:solidFill>
               </a:rPr>
-              <a:t>And finally other land uses pen</a:t>
+              <a:t>And finally other land uses </a:t>
             </a:r>
           </a:p>
         </p:txBody>
@@ -17646,6 +15490,310 @@
           </a:p>
         </p:txBody>
       </p:sp>
+      <p:pic>
+        <p:nvPicPr>
+          <p:cNvPr id="27" name="Graphic 26" descr="Deciduous tree">
+            <a:extLst>
+              <a:ext uri="{FF2B5EF4-FFF2-40B4-BE49-F238E27FC236}">
+                <a16:creationId xmlns:a16="http://schemas.microsoft.com/office/drawing/2014/main" id="{7C441CB7-F64D-4044-831E-480F7D738C47}"/>
+              </a:ext>
+            </a:extLst>
+          </p:cNvPr>
+          <p:cNvPicPr>
+            <a:picLocks noChangeAspect="1"/>
+          </p:cNvPicPr>
+          <p:nvPr/>
+        </p:nvPicPr>
+        <p:blipFill>
+          <a:blip r:embed="rId17">
+            <a:extLst>
+              <a:ext uri="{28A0092B-C50C-407E-A947-70E740481C1C}">
+                <a14:useLocalDpi xmlns:a14="http://schemas.microsoft.com/office/drawing/2010/main" val="0"/>
+              </a:ext>
+              <a:ext uri="{96DAC541-7B7A-43D3-8B79-37D633B846F1}">
+                <asvg:svgBlip xmlns:asvg="http://schemas.microsoft.com/office/drawing/2016/SVG/main" r:embed="rId18"/>
+              </a:ext>
+            </a:extLst>
+          </a:blip>
+          <a:stretch>
+            <a:fillRect/>
+          </a:stretch>
+        </p:blipFill>
+        <p:spPr>
+          <a:xfrm>
+            <a:off x="2750651" y="4192825"/>
+            <a:ext cx="659300" cy="659299"/>
+          </a:xfrm>
+          <a:prstGeom prst="rect">
+            <a:avLst/>
+          </a:prstGeom>
+        </p:spPr>
+      </p:pic>
+      <p:pic>
+        <p:nvPicPr>
+          <p:cNvPr id="31" name="Graphic 30" descr="Deciduous tree">
+            <a:extLst>
+              <a:ext uri="{FF2B5EF4-FFF2-40B4-BE49-F238E27FC236}">
+                <a16:creationId xmlns:a16="http://schemas.microsoft.com/office/drawing/2014/main" id="{8C065FF8-D35C-44E9-BE4F-43A608F3EFD6}"/>
+              </a:ext>
+            </a:extLst>
+          </p:cNvPr>
+          <p:cNvPicPr>
+            <a:picLocks noChangeAspect="1"/>
+          </p:cNvPicPr>
+          <p:nvPr/>
+        </p:nvPicPr>
+        <p:blipFill>
+          <a:blip r:embed="rId17">
+            <a:extLst>
+              <a:ext uri="{28A0092B-C50C-407E-A947-70E740481C1C}">
+                <a14:useLocalDpi xmlns:a14="http://schemas.microsoft.com/office/drawing/2010/main" val="0"/>
+              </a:ext>
+              <a:ext uri="{96DAC541-7B7A-43D3-8B79-37D633B846F1}">
+                <asvg:svgBlip xmlns:asvg="http://schemas.microsoft.com/office/drawing/2016/SVG/main" r:embed="rId18"/>
+              </a:ext>
+            </a:extLst>
+          </a:blip>
+          <a:stretch>
+            <a:fillRect/>
+          </a:stretch>
+        </p:blipFill>
+        <p:spPr>
+          <a:xfrm>
+            <a:off x="4865726" y="7468187"/>
+            <a:ext cx="659300" cy="659299"/>
+          </a:xfrm>
+          <a:prstGeom prst="rect">
+            <a:avLst/>
+          </a:prstGeom>
+        </p:spPr>
+      </p:pic>
+      <p:grpSp>
+        <p:nvGrpSpPr>
+          <p:cNvPr id="32" name="Group 31">
+            <a:extLst>
+              <a:ext uri="{FF2B5EF4-FFF2-40B4-BE49-F238E27FC236}">
+                <a16:creationId xmlns:a16="http://schemas.microsoft.com/office/drawing/2014/main" id="{3301E36C-66D5-4D88-9CE9-5F64776DF2C0}"/>
+              </a:ext>
+            </a:extLst>
+          </p:cNvPr>
+          <p:cNvGrpSpPr/>
+          <p:nvPr/>
+        </p:nvGrpSpPr>
+        <p:grpSpPr>
+          <a:xfrm>
+            <a:off x="7058405" y="5707306"/>
+            <a:ext cx="889456" cy="788891"/>
+            <a:chOff x="-2348044" y="6173938"/>
+            <a:chExt cx="889456" cy="788891"/>
+          </a:xfrm>
+        </p:grpSpPr>
+        <p:pic>
+          <p:nvPicPr>
+            <p:cNvPr id="33" name="Graphic 32" descr="Schoolhouse">
+              <a:extLst>
+                <a:ext uri="{FF2B5EF4-FFF2-40B4-BE49-F238E27FC236}">
+                  <a16:creationId xmlns:a16="http://schemas.microsoft.com/office/drawing/2014/main" id="{D54720AF-A108-48C9-AEC4-3D753A05D6F3}"/>
+                </a:ext>
+              </a:extLst>
+            </p:cNvPr>
+            <p:cNvPicPr>
+              <a:picLocks noChangeAspect="1"/>
+            </p:cNvPicPr>
+            <p:nvPr/>
+          </p:nvPicPr>
+          <p:blipFill>
+            <a:blip r:embed="rId3">
+              <a:extLst>
+                <a:ext uri="{28A0092B-C50C-407E-A947-70E740481C1C}">
+                  <a14:useLocalDpi xmlns:a14="http://schemas.microsoft.com/office/drawing/2010/main" val="0"/>
+                </a:ext>
+                <a:ext uri="{96DAC541-7B7A-43D3-8B79-37D633B846F1}">
+                  <asvg:svgBlip xmlns:asvg="http://schemas.microsoft.com/office/drawing/2016/SVG/main" r:embed="rId4"/>
+                </a:ext>
+              </a:extLst>
+            </a:blip>
+            <a:stretch>
+              <a:fillRect/>
+            </a:stretch>
+          </p:blipFill>
+          <p:spPr>
+            <a:xfrm>
+              <a:off x="-2300196" y="6173938"/>
+              <a:ext cx="511884" cy="511884"/>
+            </a:xfrm>
+            <a:prstGeom prst="rect">
+              <a:avLst/>
+            </a:prstGeom>
+          </p:spPr>
+        </p:pic>
+        <p:pic>
+          <p:nvPicPr>
+            <p:cNvPr id="34" name="Graphic 33" descr="Group of men">
+              <a:extLst>
+                <a:ext uri="{FF2B5EF4-FFF2-40B4-BE49-F238E27FC236}">
+                  <a16:creationId xmlns:a16="http://schemas.microsoft.com/office/drawing/2014/main" id="{29EA5AFE-C2C2-48D3-99F4-BD6B615D3DE8}"/>
+                </a:ext>
+              </a:extLst>
+            </p:cNvPr>
+            <p:cNvPicPr>
+              <a:picLocks noChangeAspect="1"/>
+            </p:cNvPicPr>
+            <p:nvPr/>
+          </p:nvPicPr>
+          <p:blipFill>
+            <a:blip r:embed="rId5">
+              <a:extLst>
+                <a:ext uri="{28A0092B-C50C-407E-A947-70E740481C1C}">
+                  <a14:useLocalDpi xmlns:a14="http://schemas.microsoft.com/office/drawing/2010/main" val="0"/>
+                </a:ext>
+                <a:ext uri="{96DAC541-7B7A-43D3-8B79-37D633B846F1}">
+                  <asvg:svgBlip xmlns:asvg="http://schemas.microsoft.com/office/drawing/2016/SVG/main" r:embed="rId6"/>
+                </a:ext>
+              </a:extLst>
+            </a:blip>
+            <a:stretch>
+              <a:fillRect/>
+            </a:stretch>
+          </p:blipFill>
+          <p:spPr>
+            <a:xfrm>
+              <a:off x="-2348044" y="6629731"/>
+              <a:ext cx="333098" cy="333098"/>
+            </a:xfrm>
+            <a:prstGeom prst="rect">
+              <a:avLst/>
+            </a:prstGeom>
+          </p:spPr>
+        </p:pic>
+        <p:pic>
+          <p:nvPicPr>
+            <p:cNvPr id="35" name="Graphic 34" descr="Group of women">
+              <a:extLst>
+                <a:ext uri="{FF2B5EF4-FFF2-40B4-BE49-F238E27FC236}">
+                  <a16:creationId xmlns:a16="http://schemas.microsoft.com/office/drawing/2014/main" id="{D57B8E31-3DDB-4B94-84B2-F425EEE9DAA6}"/>
+                </a:ext>
+              </a:extLst>
+            </p:cNvPr>
+            <p:cNvPicPr>
+              <a:picLocks noChangeAspect="1"/>
+            </p:cNvPicPr>
+            <p:nvPr/>
+          </p:nvPicPr>
+          <p:blipFill>
+            <a:blip r:embed="rId7">
+              <a:extLst>
+                <a:ext uri="{28A0092B-C50C-407E-A947-70E740481C1C}">
+                  <a14:useLocalDpi xmlns:a14="http://schemas.microsoft.com/office/drawing/2010/main" val="0"/>
+                </a:ext>
+                <a:ext uri="{96DAC541-7B7A-43D3-8B79-37D633B846F1}">
+                  <asvg:svgBlip xmlns:asvg="http://schemas.microsoft.com/office/drawing/2016/SVG/main" r:embed="rId8"/>
+                </a:ext>
+              </a:extLst>
+            </a:blip>
+            <a:stretch>
+              <a:fillRect/>
+            </a:stretch>
+          </p:blipFill>
+          <p:spPr>
+            <a:xfrm>
+              <a:off x="-1779736" y="6517343"/>
+              <a:ext cx="230102" cy="230103"/>
+            </a:xfrm>
+            <a:prstGeom prst="rect">
+              <a:avLst/>
+            </a:prstGeom>
+          </p:spPr>
+        </p:pic>
+        <p:cxnSp>
+          <p:nvCxnSpPr>
+            <p:cNvPr id="36" name="Straight Connector 35">
+              <a:extLst>
+                <a:ext uri="{FF2B5EF4-FFF2-40B4-BE49-F238E27FC236}">
+                  <a16:creationId xmlns:a16="http://schemas.microsoft.com/office/drawing/2014/main" id="{BC60C1DA-8B90-4D87-86A6-751E29ED64E6}"/>
+                </a:ext>
+              </a:extLst>
+            </p:cNvPr>
+            <p:cNvCxnSpPr>
+              <a:cxnSpLocks/>
+            </p:cNvCxnSpPr>
+            <p:nvPr/>
+          </p:nvCxnSpPr>
+          <p:spPr>
+            <a:xfrm>
+              <a:off x="-1971456" y="6738947"/>
+              <a:ext cx="421823" cy="0"/>
+            </a:xfrm>
+            <a:prstGeom prst="line">
+              <a:avLst/>
+            </a:prstGeom>
+            <a:ln w="15875" cap="rnd">
+              <a:solidFill>
+                <a:schemeClr val="bg1"/>
+              </a:solidFill>
+              <a:round/>
+            </a:ln>
+          </p:spPr>
+          <p:style>
+            <a:lnRef idx="1">
+              <a:schemeClr val="accent1"/>
+            </a:lnRef>
+            <a:fillRef idx="0">
+              <a:schemeClr val="accent1"/>
+            </a:fillRef>
+            <a:effectRef idx="0">
+              <a:schemeClr val="accent1"/>
+            </a:effectRef>
+            <a:fontRef idx="minor">
+              <a:schemeClr val="tx1"/>
+            </a:fontRef>
+          </p:style>
+        </p:cxnSp>
+        <p:cxnSp>
+          <p:nvCxnSpPr>
+            <p:cNvPr id="37" name="Straight Connector 36">
+              <a:extLst>
+                <a:ext uri="{FF2B5EF4-FFF2-40B4-BE49-F238E27FC236}">
+                  <a16:creationId xmlns:a16="http://schemas.microsoft.com/office/drawing/2014/main" id="{C5572CF7-4108-403B-BF69-7DB07080C68B}"/>
+                </a:ext>
+              </a:extLst>
+            </p:cNvPr>
+            <p:cNvCxnSpPr>
+              <a:cxnSpLocks/>
+            </p:cNvCxnSpPr>
+            <p:nvPr/>
+          </p:nvCxnSpPr>
+          <p:spPr>
+            <a:xfrm>
+              <a:off x="-2348044" y="6951336"/>
+              <a:ext cx="889456" cy="0"/>
+            </a:xfrm>
+            <a:prstGeom prst="line">
+              <a:avLst/>
+            </a:prstGeom>
+            <a:ln w="63500" cap="rnd">
+              <a:solidFill>
+                <a:schemeClr val="bg1"/>
+              </a:solidFill>
+              <a:round/>
+            </a:ln>
+          </p:spPr>
+          <p:style>
+            <a:lnRef idx="1">
+              <a:schemeClr val="accent1"/>
+            </a:lnRef>
+            <a:fillRef idx="0">
+              <a:schemeClr val="accent1"/>
+            </a:fillRef>
+            <a:effectRef idx="0">
+              <a:schemeClr val="accent1"/>
+            </a:effectRef>
+            <a:fontRef idx="minor">
+              <a:schemeClr val="tx1"/>
+            </a:fontRef>
+          </p:style>
+        </p:cxnSp>
+      </p:grpSp>
     </p:spTree>
     <p:extLst>
       <p:ext uri="{BB962C8B-B14F-4D97-AF65-F5344CB8AC3E}">
